--- a/GENEFOREMER.pptx
+++ b/GENEFOREMER.pptx
@@ -5,22 +5,23 @@
     <p:sldMasterId id="2147483648" r:id="rId1"/>
   </p:sldMasterIdLst>
   <p:notesMasterIdLst>
-    <p:notesMasterId r:id="rId15"/>
+    <p:notesMasterId r:id="rId16"/>
   </p:notesMasterIdLst>
   <p:sldIdLst>
-    <p:sldId id="301" r:id="rId2"/>
-    <p:sldId id="287" r:id="rId3"/>
-    <p:sldId id="295" r:id="rId4"/>
-    <p:sldId id="296" r:id="rId5"/>
-    <p:sldId id="300" r:id="rId6"/>
-    <p:sldId id="298" r:id="rId7"/>
-    <p:sldId id="256" r:id="rId8"/>
-    <p:sldId id="288" r:id="rId9"/>
-    <p:sldId id="289" r:id="rId10"/>
-    <p:sldId id="290" r:id="rId11"/>
-    <p:sldId id="291" r:id="rId12"/>
-    <p:sldId id="292" r:id="rId13"/>
-    <p:sldId id="293" r:id="rId14"/>
+    <p:sldId id="302" r:id="rId2"/>
+    <p:sldId id="301" r:id="rId3"/>
+    <p:sldId id="287" r:id="rId4"/>
+    <p:sldId id="295" r:id="rId5"/>
+    <p:sldId id="296" r:id="rId6"/>
+    <p:sldId id="300" r:id="rId7"/>
+    <p:sldId id="298" r:id="rId8"/>
+    <p:sldId id="256" r:id="rId9"/>
+    <p:sldId id="288" r:id="rId10"/>
+    <p:sldId id="289" r:id="rId11"/>
+    <p:sldId id="290" r:id="rId12"/>
+    <p:sldId id="291" r:id="rId13"/>
+    <p:sldId id="292" r:id="rId14"/>
+    <p:sldId id="293" r:id="rId15"/>
   </p:sldIdLst>
   <p:sldSz cx="12192000" cy="6858000"/>
   <p:notesSz cx="6858000" cy="9144000"/>
@@ -125,14 +126,6 @@
     </p:ext>
   </p:extLst>
 </p:presentation>
-</file>
-
-<file path=ppt/revisionInfo.xml><?xml version="1.0" encoding="utf-8"?>
-<p1510:revInfo xmlns:a="http://schemas.openxmlformats.org/drawingml/2006/main" xmlns:r="http://schemas.openxmlformats.org/officeDocument/2006/relationships" xmlns:p1510="http://schemas.microsoft.com/office/powerpoint/2015/10/main">
-  <p1510:revLst>
-    <p1510:client id="{B0719EE5-027E-4291-B499-BA4E7DB7796D}" v="88" dt="2024-11-11T19:50:57.956"/>
-  </p1510:revLst>
-</p1510:revInfo>
 </file>
 
 <file path=ppt/notesMasters/notesMaster1.xml><?xml version="1.0" encoding="utf-8"?>
@@ -550,7 +543,7 @@
           <a:p>
             <a:fld id="{5CA54CCC-3781-43C3-8503-5989F248002B}" type="slidenum">
               <a:rPr lang="en-IN" smtClean="0"/>
-              <a:t>1</a:t>
+              <a:t>2</a:t>
             </a:fld>
             <a:endParaRPr lang="en-IN"/>
           </a:p>
@@ -634,7 +627,7 @@
           <a:p>
             <a:fld id="{5CA54CCC-3781-43C3-8503-5989F248002B}" type="slidenum">
               <a:rPr lang="en-IN" smtClean="0"/>
-              <a:t>6</a:t>
+              <a:t>7</a:t>
             </a:fld>
             <a:endParaRPr lang="en-IN"/>
           </a:p>
@@ -3890,10 +3883,95 @@
       </p:grpSpPr>
       <p:pic>
         <p:nvPicPr>
-          <p:cNvPr id="8" name="Picture 7">
-            <a:extLst>
-              <a:ext uri="{FF2B5EF4-FFF2-40B4-BE49-F238E27FC236}">
-                <a16:creationId xmlns:a16="http://schemas.microsoft.com/office/drawing/2014/main" id="{ABF17811-03D5-97EC-D2B1-07DAA11DD762}"/>
+          <p:cNvPr id="5" name="Picture 4">
+            <a:extLst>
+              <a:ext uri="{FF2B5EF4-FFF2-40B4-BE49-F238E27FC236}">
+                <a16:creationId xmlns:a16="http://schemas.microsoft.com/office/drawing/2014/main" id="{0584A2C4-B6CB-05F0-37B7-327DDD4BEFBF}"/>
+              </a:ext>
+            </a:extLst>
+          </p:cNvPr>
+          <p:cNvPicPr>
+            <a:picLocks noChangeAspect="1"/>
+          </p:cNvPicPr>
+          <p:nvPr/>
+        </p:nvPicPr>
+        <p:blipFill>
+          <a:blip r:embed="rId2">
+            <a:alphaModFix/>
+            <a:extLst>
+              <a:ext uri="{28A0092B-C50C-407E-A947-70E740481C1C}">
+                <a14:useLocalDpi xmlns:a14="http://schemas.microsoft.com/office/drawing/2010/main" val="0"/>
+              </a:ext>
+            </a:extLst>
+          </a:blip>
+          <a:stretch>
+            <a:fillRect/>
+          </a:stretch>
+        </p:blipFill>
+        <p:spPr>
+          <a:xfrm>
+            <a:off x="0" y="0"/>
+            <a:ext cx="15928442" cy="8959749"/>
+          </a:xfrm>
+          <a:prstGeom prst="rect">
+            <a:avLst/>
+          </a:prstGeom>
+        </p:spPr>
+      </p:pic>
+      <p:sp>
+        <p:nvSpPr>
+          <p:cNvPr id="6" name="TextBox 5">
+            <a:extLst>
+              <a:ext uri="{FF2B5EF4-FFF2-40B4-BE49-F238E27FC236}">
+                <a16:creationId xmlns:a16="http://schemas.microsoft.com/office/drawing/2014/main" id="{B70307CC-2201-6E40-4D55-6FF7A86B7B53}"/>
+              </a:ext>
+            </a:extLst>
+          </p:cNvPr>
+          <p:cNvSpPr txBox="1"/>
+          <p:nvPr/>
+        </p:nvSpPr>
+        <p:spPr>
+          <a:xfrm>
+            <a:off x="420066" y="2321004"/>
+            <a:ext cx="6393271" cy="1107996"/>
+          </a:xfrm>
+          <a:prstGeom prst="rect">
+            <a:avLst/>
+          </a:prstGeom>
+          <a:noFill/>
+        </p:spPr>
+        <p:txBody>
+          <a:bodyPr wrap="square" rtlCol="0">
+            <a:spAutoFit/>
+          </a:bodyPr>
+          <a:lstStyle/>
+          <a:p>
+            <a:r>
+              <a:rPr lang="en-IN" sz="6600" b="1" dirty="0" err="1">
+                <a:solidFill>
+                  <a:schemeClr val="bg1"/>
+                </a:solidFill>
+                <a:latin typeface="Arial Black" panose="020B0A04020102020204" pitchFamily="34" charset="0"/>
+                <a:cs typeface="Times New Roman" panose="02020603050405020304" pitchFamily="18" charset="0"/>
+              </a:rPr>
+              <a:t>GeneFormer</a:t>
+            </a:r>
+            <a:endParaRPr lang="en-IN" sz="6600" b="1" dirty="0">
+              <a:solidFill>
+                <a:schemeClr val="bg1"/>
+              </a:solidFill>
+              <a:latin typeface="Arial Black" panose="020B0A04020102020204" pitchFamily="34" charset="0"/>
+              <a:cs typeface="Times New Roman" panose="02020603050405020304" pitchFamily="18" charset="0"/>
+            </a:endParaRPr>
+          </a:p>
+        </p:txBody>
+      </p:sp>
+      <p:pic>
+        <p:nvPicPr>
+          <p:cNvPr id="8" name="Graphic 7">
+            <a:extLst>
+              <a:ext uri="{FF2B5EF4-FFF2-40B4-BE49-F238E27FC236}">
+                <a16:creationId xmlns:a16="http://schemas.microsoft.com/office/drawing/2014/main" id="{B375C504-6F52-A178-8426-3D49A5E23D94}"/>
               </a:ext>
             </a:extLst>
           </p:cNvPr>
@@ -3904,45 +3982,9 @@
         </p:nvPicPr>
         <p:blipFill>
           <a:blip r:embed="rId3">
-            <a:alphaModFix amt="69000"/>
-            <a:extLst>
-              <a:ext uri="{28A0092B-C50C-407E-A947-70E740481C1C}">
-                <a14:useLocalDpi xmlns:a14="http://schemas.microsoft.com/office/drawing/2010/main" val="0"/>
-              </a:ext>
-            </a:extLst>
-          </a:blip>
-          <a:srcRect l="10606" b="41007"/>
-          <a:stretch/>
-        </p:blipFill>
-        <p:spPr>
-          <a:xfrm>
-            <a:off x="0" y="1104"/>
-            <a:ext cx="12192000" cy="6856896"/>
-          </a:xfrm>
-          <a:prstGeom prst="rect">
-            <a:avLst/>
-          </a:prstGeom>
-        </p:spPr>
-      </p:pic>
-      <p:pic>
-        <p:nvPicPr>
-          <p:cNvPr id="4" name="Graphic 3">
-            <a:extLst>
-              <a:ext uri="{FF2B5EF4-FFF2-40B4-BE49-F238E27FC236}">
-                <a16:creationId xmlns:a16="http://schemas.microsoft.com/office/drawing/2014/main" id="{58DDCFF8-CFC2-2200-A3B2-947E5F442F71}"/>
-              </a:ext>
-            </a:extLst>
-          </p:cNvPr>
-          <p:cNvPicPr>
-            <a:picLocks noChangeAspect="1"/>
-          </p:cNvPicPr>
-          <p:nvPr/>
-        </p:nvPicPr>
-        <p:blipFill>
-          <a:blip r:embed="rId4">
             <a:extLst>
               <a:ext uri="{96DAC541-7B7A-43D3-8B79-37D633B846F1}">
-                <asvg:svgBlip xmlns:asvg="http://schemas.microsoft.com/office/drawing/2016/SVG/main" r:embed="rId5"/>
+                <asvg:svgBlip xmlns:asvg="http://schemas.microsoft.com/office/drawing/2016/SVG/main" r:embed="rId4"/>
               </a:ext>
             </a:extLst>
           </a:blip>
@@ -3952,8 +3994,8 @@
         </p:blipFill>
         <p:spPr>
           <a:xfrm>
-            <a:off x="3623752" y="2501310"/>
-            <a:ext cx="2148652" cy="472027"/>
+            <a:off x="604934" y="1959855"/>
+            <a:ext cx="1884216" cy="452871"/>
           </a:xfrm>
           <a:prstGeom prst="rect">
             <a:avLst/>
@@ -3962,55 +4004,7 @@
       </p:pic>
       <p:sp>
         <p:nvSpPr>
-          <p:cNvPr id="5" name="TextBox 4">
-            <a:extLst>
-              <a:ext uri="{FF2B5EF4-FFF2-40B4-BE49-F238E27FC236}">
-                <a16:creationId xmlns:a16="http://schemas.microsoft.com/office/drawing/2014/main" id="{DFA8EFDD-E19A-C261-1B13-879C58EB868D}"/>
-              </a:ext>
-            </a:extLst>
-          </p:cNvPr>
-          <p:cNvSpPr txBox="1"/>
-          <p:nvPr/>
-        </p:nvSpPr>
-        <p:spPr>
-          <a:xfrm>
-            <a:off x="3623752" y="2960557"/>
-            <a:ext cx="6393271" cy="1107996"/>
-          </a:xfrm>
-          <a:prstGeom prst="rect">
-            <a:avLst/>
-          </a:prstGeom>
-          <a:noFill/>
-        </p:spPr>
-        <p:txBody>
-          <a:bodyPr wrap="square" rtlCol="0">
-            <a:spAutoFit/>
-          </a:bodyPr>
-          <a:lstStyle/>
-          <a:p>
-            <a:r>
-              <a:rPr lang="en-IN" sz="6600" b="1" dirty="0" err="1">
-                <a:solidFill>
-                  <a:srgbClr val="484848"/>
-                </a:solidFill>
-                <a:latin typeface="Arial Black" panose="020B0A04020102020204" pitchFamily="34" charset="0"/>
-                <a:cs typeface="Times New Roman" panose="02020603050405020304" pitchFamily="18" charset="0"/>
-              </a:rPr>
-              <a:t>GeneFormer</a:t>
-            </a:r>
-            <a:endParaRPr lang="en-IN" sz="6600" b="1" dirty="0">
-              <a:solidFill>
-                <a:srgbClr val="484848"/>
-              </a:solidFill>
-              <a:latin typeface="Arial Black" panose="020B0A04020102020204" pitchFamily="34" charset="0"/>
-              <a:cs typeface="Times New Roman" panose="02020603050405020304" pitchFamily="18" charset="0"/>
-            </a:endParaRPr>
-          </a:p>
-        </p:txBody>
-      </p:sp>
-      <p:sp>
-        <p:nvSpPr>
-          <p:cNvPr id="7" name="Rectangle 6">
+          <p:cNvPr id="9" name="Rectangle 8">
             <a:extLst>
               <a:ext uri="{FF2B5EF4-FFF2-40B4-BE49-F238E27FC236}">
                 <a16:creationId xmlns:a16="http://schemas.microsoft.com/office/drawing/2014/main" id="{A768F20D-8A0D-FB57-500B-B824E80D652C}"/>
@@ -4065,7 +4059,7 @@
     </p:spTree>
     <p:extLst>
       <p:ext uri="{BB962C8B-B14F-4D97-AF65-F5344CB8AC3E}">
-        <p14:creationId xmlns:p14="http://schemas.microsoft.com/office/powerpoint/2010/main" val="366844843"/>
+        <p14:creationId xmlns:p14="http://schemas.microsoft.com/office/powerpoint/2010/main" val="419587662"/>
       </p:ext>
     </p:extLst>
   </p:cSld>
@@ -4076,6 +4070,120 @@
 </file>
 
 <file path=ppt/slides/slide10.xml><?xml version="1.0" encoding="utf-8"?>
+<p:sld xmlns:a="http://schemas.openxmlformats.org/drawingml/2006/main" xmlns:r="http://schemas.openxmlformats.org/officeDocument/2006/relationships" xmlns:p="http://schemas.openxmlformats.org/presentationml/2006/main">
+  <p:cSld>
+    <p:spTree>
+      <p:nvGrpSpPr>
+        <p:cNvPr id="1" name=""/>
+        <p:cNvGrpSpPr/>
+        <p:nvPr/>
+      </p:nvGrpSpPr>
+      <p:grpSpPr>
+        <a:xfrm>
+          <a:off x="0" y="0"/>
+          <a:ext cx="0" cy="0"/>
+          <a:chOff x="0" y="0"/>
+          <a:chExt cx="0" cy="0"/>
+        </a:xfrm>
+      </p:grpSpPr>
+      <p:sp>
+        <p:nvSpPr>
+          <p:cNvPr id="5" name="TextBox 4">
+            <a:extLst>
+              <a:ext uri="{FF2B5EF4-FFF2-40B4-BE49-F238E27FC236}">
+                <a16:creationId xmlns:a16="http://schemas.microsoft.com/office/drawing/2014/main" id="{F1796345-BAE8-DCA6-0844-063F4760848C}"/>
+              </a:ext>
+            </a:extLst>
+          </p:cNvPr>
+          <p:cNvSpPr txBox="1"/>
+          <p:nvPr/>
+        </p:nvSpPr>
+        <p:spPr>
+          <a:xfrm>
+            <a:off x="131972" y="131976"/>
+            <a:ext cx="3946402" cy="369332"/>
+          </a:xfrm>
+          <a:prstGeom prst="rect">
+            <a:avLst/>
+          </a:prstGeom>
+          <a:noFill/>
+        </p:spPr>
+        <p:txBody>
+          <a:bodyPr wrap="square">
+            <a:spAutoFit/>
+          </a:bodyPr>
+          <a:lstStyle/>
+          <a:p>
+            <a:r>
+              <a:rPr lang="en-IN" sz="1800" dirty="0">
+                <a:solidFill>
+                  <a:srgbClr val="484848"/>
+                </a:solidFill>
+              </a:rPr>
+              <a:t>Chromatin dynamics prediction</a:t>
+            </a:r>
+          </a:p>
+        </p:txBody>
+      </p:sp>
+      <p:cxnSp>
+        <p:nvCxnSpPr>
+          <p:cNvPr id="6" name="Straight Connector 5">
+            <a:extLst>
+              <a:ext uri="{FF2B5EF4-FFF2-40B4-BE49-F238E27FC236}">
+                <a16:creationId xmlns:a16="http://schemas.microsoft.com/office/drawing/2014/main" id="{41451F0B-FA92-11A0-01D8-54E278820C81}"/>
+              </a:ext>
+            </a:extLst>
+          </p:cNvPr>
+          <p:cNvCxnSpPr>
+            <a:cxnSpLocks/>
+          </p:cNvCxnSpPr>
+          <p:nvPr/>
+        </p:nvCxnSpPr>
+        <p:spPr>
+          <a:xfrm>
+            <a:off x="121659" y="570759"/>
+            <a:ext cx="11918660" cy="0"/>
+          </a:xfrm>
+          <a:prstGeom prst="line">
+            <a:avLst/>
+          </a:prstGeom>
+          <a:ln>
+            <a:solidFill>
+              <a:schemeClr val="bg2">
+                <a:lumMod val="50000"/>
+              </a:schemeClr>
+            </a:solidFill>
+          </a:ln>
+        </p:spPr>
+        <p:style>
+          <a:lnRef idx="1">
+            <a:schemeClr val="accent1"/>
+          </a:lnRef>
+          <a:fillRef idx="0">
+            <a:schemeClr val="accent1"/>
+          </a:fillRef>
+          <a:effectRef idx="0">
+            <a:schemeClr val="accent1"/>
+          </a:effectRef>
+          <a:fontRef idx="minor">
+            <a:schemeClr val="tx1"/>
+          </a:fontRef>
+        </p:style>
+      </p:cxnSp>
+    </p:spTree>
+    <p:extLst>
+      <p:ext uri="{BB962C8B-B14F-4D97-AF65-F5344CB8AC3E}">
+        <p14:creationId xmlns:p14="http://schemas.microsoft.com/office/powerpoint/2010/main" val="644701289"/>
+      </p:ext>
+    </p:extLst>
+  </p:cSld>
+  <p:clrMapOvr>
+    <a:masterClrMapping/>
+  </p:clrMapOvr>
+</p:sld>
+</file>
+
+<file path=ppt/slides/slide11.xml><?xml version="1.0" encoding="utf-8"?>
 <p:sld xmlns:a="http://schemas.openxmlformats.org/drawingml/2006/main" xmlns:r="http://schemas.openxmlformats.org/officeDocument/2006/relationships" xmlns:p="http://schemas.openxmlformats.org/presentationml/2006/main">
   <p:cSld>
     <p:spTree>
@@ -4195,7 +4303,7 @@
 </p:sld>
 </file>
 
-<file path=ppt/slides/slide11.xml><?xml version="1.0" encoding="utf-8"?>
+<file path=ppt/slides/slide12.xml><?xml version="1.0" encoding="utf-8"?>
 <p:sld xmlns:a="http://schemas.openxmlformats.org/drawingml/2006/main" xmlns:r="http://schemas.openxmlformats.org/officeDocument/2006/relationships" xmlns:p="http://schemas.openxmlformats.org/presentationml/2006/main">
   <p:cSld>
     <p:spTree>
@@ -4316,7 +4424,7 @@
 </p:sld>
 </file>
 
-<file path=ppt/slides/slide12.xml><?xml version="1.0" encoding="utf-8"?>
+<file path=ppt/slides/slide13.xml><?xml version="1.0" encoding="utf-8"?>
 <p:sld xmlns:a="http://schemas.openxmlformats.org/drawingml/2006/main" xmlns:r="http://schemas.openxmlformats.org/officeDocument/2006/relationships" xmlns:p="http://schemas.openxmlformats.org/presentationml/2006/main">
   <p:cSld>
     <p:spTree>
@@ -4444,7 +4552,7 @@
 </p:sld>
 </file>
 
-<file path=ppt/slides/slide13.xml><?xml version="1.0" encoding="utf-8"?>
+<file path=ppt/slides/slide14.xml><?xml version="1.0" encoding="utf-8"?>
 <p:sld xmlns:a="http://schemas.openxmlformats.org/drawingml/2006/main" xmlns:r="http://schemas.openxmlformats.org/officeDocument/2006/relationships" xmlns:p="http://schemas.openxmlformats.org/presentationml/2006/main">
   <p:cSld>
     <p:spTree>
@@ -4573,6 +4681,156 @@
 </file>
 
 <file path=ppt/slides/slide2.xml><?xml version="1.0" encoding="utf-8"?>
+<p:sld xmlns:a="http://schemas.openxmlformats.org/drawingml/2006/main" xmlns:r="http://schemas.openxmlformats.org/officeDocument/2006/relationships" xmlns:p="http://schemas.openxmlformats.org/presentationml/2006/main">
+  <p:cSld>
+    <p:spTree>
+      <p:nvGrpSpPr>
+        <p:cNvPr id="1" name=""/>
+        <p:cNvGrpSpPr/>
+        <p:nvPr/>
+      </p:nvGrpSpPr>
+      <p:grpSpPr>
+        <a:xfrm>
+          <a:off x="0" y="0"/>
+          <a:ext cx="0" cy="0"/>
+          <a:chOff x="0" y="0"/>
+          <a:chExt cx="0" cy="0"/>
+        </a:xfrm>
+      </p:grpSpPr>
+      <p:pic>
+        <p:nvPicPr>
+          <p:cNvPr id="8" name="Picture 7">
+            <a:extLst>
+              <a:ext uri="{FF2B5EF4-FFF2-40B4-BE49-F238E27FC236}">
+                <a16:creationId xmlns:a16="http://schemas.microsoft.com/office/drawing/2014/main" id="{ABF17811-03D5-97EC-D2B1-07DAA11DD762}"/>
+              </a:ext>
+            </a:extLst>
+          </p:cNvPr>
+          <p:cNvPicPr>
+            <a:picLocks noChangeAspect="1"/>
+          </p:cNvPicPr>
+          <p:nvPr/>
+        </p:nvPicPr>
+        <p:blipFill>
+          <a:blip r:embed="rId3">
+            <a:alphaModFix amt="69000"/>
+            <a:extLst>
+              <a:ext uri="{28A0092B-C50C-407E-A947-70E740481C1C}">
+                <a14:useLocalDpi xmlns:a14="http://schemas.microsoft.com/office/drawing/2010/main" val="0"/>
+              </a:ext>
+            </a:extLst>
+          </a:blip>
+          <a:srcRect l="10606" b="41007"/>
+          <a:stretch/>
+        </p:blipFill>
+        <p:spPr>
+          <a:xfrm>
+            <a:off x="0" y="1104"/>
+            <a:ext cx="12192000" cy="6856896"/>
+          </a:xfrm>
+          <a:prstGeom prst="rect">
+            <a:avLst/>
+          </a:prstGeom>
+        </p:spPr>
+      </p:pic>
+      <p:pic>
+        <p:nvPicPr>
+          <p:cNvPr id="4" name="Graphic 3">
+            <a:extLst>
+              <a:ext uri="{FF2B5EF4-FFF2-40B4-BE49-F238E27FC236}">
+                <a16:creationId xmlns:a16="http://schemas.microsoft.com/office/drawing/2014/main" id="{58DDCFF8-CFC2-2200-A3B2-947E5F442F71}"/>
+              </a:ext>
+            </a:extLst>
+          </p:cNvPr>
+          <p:cNvPicPr>
+            <a:picLocks noChangeAspect="1"/>
+          </p:cNvPicPr>
+          <p:nvPr/>
+        </p:nvPicPr>
+        <p:blipFill>
+          <a:blip r:embed="rId4">
+            <a:extLst>
+              <a:ext uri="{96DAC541-7B7A-43D3-8B79-37D633B846F1}">
+                <asvg:svgBlip xmlns:asvg="http://schemas.microsoft.com/office/drawing/2016/SVG/main" r:embed="rId5"/>
+              </a:ext>
+            </a:extLst>
+          </a:blip>
+          <a:stretch>
+            <a:fillRect/>
+          </a:stretch>
+        </p:blipFill>
+        <p:spPr>
+          <a:xfrm>
+            <a:off x="3623752" y="2501310"/>
+            <a:ext cx="2148652" cy="472027"/>
+          </a:xfrm>
+          <a:prstGeom prst="rect">
+            <a:avLst/>
+          </a:prstGeom>
+        </p:spPr>
+      </p:pic>
+      <p:sp>
+        <p:nvSpPr>
+          <p:cNvPr id="5" name="TextBox 4">
+            <a:extLst>
+              <a:ext uri="{FF2B5EF4-FFF2-40B4-BE49-F238E27FC236}">
+                <a16:creationId xmlns:a16="http://schemas.microsoft.com/office/drawing/2014/main" id="{DFA8EFDD-E19A-C261-1B13-879C58EB868D}"/>
+              </a:ext>
+            </a:extLst>
+          </p:cNvPr>
+          <p:cNvSpPr txBox="1"/>
+          <p:nvPr/>
+        </p:nvSpPr>
+        <p:spPr>
+          <a:xfrm>
+            <a:off x="3623752" y="2960557"/>
+            <a:ext cx="6393271" cy="1107996"/>
+          </a:xfrm>
+          <a:prstGeom prst="rect">
+            <a:avLst/>
+          </a:prstGeom>
+          <a:noFill/>
+        </p:spPr>
+        <p:txBody>
+          <a:bodyPr wrap="square" rtlCol="0">
+            <a:spAutoFit/>
+          </a:bodyPr>
+          <a:lstStyle/>
+          <a:p>
+            <a:r>
+              <a:rPr lang="en-IN" sz="6600" b="1" dirty="0" err="1">
+                <a:solidFill>
+                  <a:srgbClr val="484848"/>
+                </a:solidFill>
+                <a:latin typeface="Arial Black" panose="020B0A04020102020204" pitchFamily="34" charset="0"/>
+                <a:cs typeface="Times New Roman" panose="02020603050405020304" pitchFamily="18" charset="0"/>
+              </a:rPr>
+              <a:t>GeneFormer</a:t>
+            </a:r>
+            <a:endParaRPr lang="en-IN" sz="6600" b="1" dirty="0">
+              <a:solidFill>
+                <a:srgbClr val="484848"/>
+              </a:solidFill>
+              <a:latin typeface="Arial Black" panose="020B0A04020102020204" pitchFamily="34" charset="0"/>
+              <a:cs typeface="Times New Roman" panose="02020603050405020304" pitchFamily="18" charset="0"/>
+            </a:endParaRPr>
+          </a:p>
+        </p:txBody>
+      </p:sp>
+    </p:spTree>
+    <p:extLst>
+      <p:ext uri="{BB962C8B-B14F-4D97-AF65-F5344CB8AC3E}">
+        <p14:creationId xmlns:p14="http://schemas.microsoft.com/office/powerpoint/2010/main" val="366844843"/>
+      </p:ext>
+    </p:extLst>
+  </p:cSld>
+  <p:clrMapOvr>
+    <a:masterClrMapping/>
+  </p:clrMapOvr>
+</p:sld>
+</file>
+
+<file path=ppt/slides/slide3.xml><?xml version="1.0" encoding="utf-8"?>
 <p:sld xmlns:a="http://schemas.openxmlformats.org/drawingml/2006/main" xmlns:r="http://schemas.openxmlformats.org/officeDocument/2006/relationships" xmlns:p="http://schemas.openxmlformats.org/presentationml/2006/main">
   <p:cSld>
     <p:bg>
@@ -5046,7 +5304,7 @@
 </p:sld>
 </file>
 
-<file path=ppt/slides/slide3.xml><?xml version="1.0" encoding="utf-8"?>
+<file path=ppt/slides/slide4.xml><?xml version="1.0" encoding="utf-8"?>
 <p:sld xmlns:a="http://schemas.openxmlformats.org/drawingml/2006/main" xmlns:r="http://schemas.openxmlformats.org/officeDocument/2006/relationships" xmlns:p="http://schemas.openxmlformats.org/presentationml/2006/main">
   <p:cSld>
     <p:spTree>
@@ -5740,221 +5998,6 @@
     <p:extLst>
       <p:ext uri="{BB962C8B-B14F-4D97-AF65-F5344CB8AC3E}">
         <p14:creationId xmlns:p14="http://schemas.microsoft.com/office/powerpoint/2010/main" val="3955724133"/>
-      </p:ext>
-    </p:extLst>
-  </p:cSld>
-  <p:clrMapOvr>
-    <a:masterClrMapping/>
-  </p:clrMapOvr>
-</p:sld>
-</file>
-
-<file path=ppt/slides/slide4.xml><?xml version="1.0" encoding="utf-8"?>
-<p:sld xmlns:a="http://schemas.openxmlformats.org/drawingml/2006/main" xmlns:r="http://schemas.openxmlformats.org/officeDocument/2006/relationships" xmlns:p="http://schemas.openxmlformats.org/presentationml/2006/main">
-  <p:cSld>
-    <p:spTree>
-      <p:nvGrpSpPr>
-        <p:cNvPr id="1" name=""/>
-        <p:cNvGrpSpPr/>
-        <p:nvPr/>
-      </p:nvGrpSpPr>
-      <p:grpSpPr>
-        <a:xfrm>
-          <a:off x="0" y="0"/>
-          <a:ext cx="0" cy="0"/>
-          <a:chOff x="0" y="0"/>
-          <a:chExt cx="0" cy="0"/>
-        </a:xfrm>
-      </p:grpSpPr>
-      <p:sp>
-        <p:nvSpPr>
-          <p:cNvPr id="4" name="TextBox 3">
-            <a:extLst>
-              <a:ext uri="{FF2B5EF4-FFF2-40B4-BE49-F238E27FC236}">
-                <a16:creationId xmlns:a16="http://schemas.microsoft.com/office/drawing/2014/main" id="{B00BBF31-F05B-2A08-1850-C3F0D8713B38}"/>
-              </a:ext>
-            </a:extLst>
-          </p:cNvPr>
-          <p:cNvSpPr txBox="1"/>
-          <p:nvPr/>
-        </p:nvSpPr>
-        <p:spPr>
-          <a:xfrm>
-            <a:off x="175490" y="64777"/>
-            <a:ext cx="3066473" cy="369332"/>
-          </a:xfrm>
-          <a:prstGeom prst="rect">
-            <a:avLst/>
-          </a:prstGeom>
-          <a:noFill/>
-        </p:spPr>
-        <p:txBody>
-          <a:bodyPr wrap="square" rtlCol="0">
-            <a:spAutoFit/>
-          </a:bodyPr>
-          <a:lstStyle/>
-          <a:p>
-            <a:r>
-              <a:rPr lang="en-IN" b="1" dirty="0"/>
-              <a:t>ABOUT GENEFORMER</a:t>
-            </a:r>
-          </a:p>
-        </p:txBody>
-      </p:sp>
-      <p:cxnSp>
-        <p:nvCxnSpPr>
-          <p:cNvPr id="5" name="Straight Connector 4">
-            <a:extLst>
-              <a:ext uri="{FF2B5EF4-FFF2-40B4-BE49-F238E27FC236}">
-                <a16:creationId xmlns:a16="http://schemas.microsoft.com/office/drawing/2014/main" id="{B4093D8D-A079-28A4-47DA-D5CB398F5658}"/>
-              </a:ext>
-            </a:extLst>
-          </p:cNvPr>
-          <p:cNvCxnSpPr>
-            <a:cxnSpLocks/>
-          </p:cNvCxnSpPr>
-          <p:nvPr/>
-        </p:nvCxnSpPr>
-        <p:spPr>
-          <a:xfrm>
-            <a:off x="121659" y="450689"/>
-            <a:ext cx="11918660" cy="0"/>
-          </a:xfrm>
-          <a:prstGeom prst="line">
-            <a:avLst/>
-          </a:prstGeom>
-          <a:ln>
-            <a:solidFill>
-              <a:schemeClr val="bg2">
-                <a:lumMod val="50000"/>
-              </a:schemeClr>
-            </a:solidFill>
-          </a:ln>
-        </p:spPr>
-        <p:style>
-          <a:lnRef idx="1">
-            <a:schemeClr val="accent1"/>
-          </a:lnRef>
-          <a:fillRef idx="0">
-            <a:schemeClr val="accent1"/>
-          </a:fillRef>
-          <a:effectRef idx="0">
-            <a:schemeClr val="accent1"/>
-          </a:effectRef>
-          <a:fontRef idx="minor">
-            <a:schemeClr val="tx1"/>
-          </a:fontRef>
-        </p:style>
-      </p:cxnSp>
-      <p:sp>
-        <p:nvSpPr>
-          <p:cNvPr id="6" name="TextBox 5">
-            <a:extLst>
-              <a:ext uri="{FF2B5EF4-FFF2-40B4-BE49-F238E27FC236}">
-                <a16:creationId xmlns:a16="http://schemas.microsoft.com/office/drawing/2014/main" id="{EDD1AC8A-C386-8DAA-F693-EAE87C297593}"/>
-              </a:ext>
-            </a:extLst>
-          </p:cNvPr>
-          <p:cNvSpPr txBox="1"/>
-          <p:nvPr/>
-        </p:nvSpPr>
-        <p:spPr>
-          <a:xfrm>
-            <a:off x="304800" y="729673"/>
-            <a:ext cx="11185236" cy="2769989"/>
-          </a:xfrm>
-          <a:prstGeom prst="rect">
-            <a:avLst/>
-          </a:prstGeom>
-          <a:noFill/>
-        </p:spPr>
-        <p:txBody>
-          <a:bodyPr wrap="square" rtlCol="0">
-            <a:spAutoFit/>
-          </a:bodyPr>
-          <a:lstStyle/>
-          <a:p>
-            <a:pPr marL="285750" indent="-285750">
-              <a:buFont typeface="Wingdings" panose="05000000000000000000" pitchFamily="2" charset="2"/>
-              <a:buChar char="§"/>
-            </a:pPr>
-            <a:r>
-              <a:rPr lang="en-IN" sz="1400" dirty="0" err="1"/>
-              <a:t>Geneformer</a:t>
-            </a:r>
-            <a:r>
-              <a:rPr lang="en-IN" sz="1400" dirty="0"/>
-              <a:t> is analogous to Transformer</a:t>
-            </a:r>
-          </a:p>
-          <a:p>
-            <a:pPr marL="285750" indent="-285750">
-              <a:buFont typeface="Wingdings" panose="05000000000000000000" pitchFamily="2" charset="2"/>
-              <a:buChar char="§"/>
-            </a:pPr>
-            <a:r>
-              <a:rPr lang="en-US" sz="1400" dirty="0"/>
-              <a:t>Context-aware, attention-based deep learning model as (network dynamics may vary across cell types, developmental timepoints or disease states.)</a:t>
-            </a:r>
-          </a:p>
-          <a:p>
-            <a:pPr marL="285750" indent="-285750">
-              <a:buFont typeface="Wingdings" panose="05000000000000000000" pitchFamily="2" charset="2"/>
-              <a:buChar char="§"/>
-            </a:pPr>
-            <a:r>
-              <a:rPr lang="en-US" sz="1400" dirty="0"/>
-              <a:t>pretrained on large-scale transcriptomic data to enable predictions in network biology.</a:t>
-            </a:r>
-          </a:p>
-          <a:p>
-            <a:pPr marL="285750" indent="-285750">
-              <a:buFont typeface="Wingdings" panose="05000000000000000000" pitchFamily="2" charset="2"/>
-              <a:buChar char="§"/>
-            </a:pPr>
-            <a:r>
-              <a:rPr lang="en-IN" sz="1400" dirty="0"/>
-              <a:t>Advent of self-attention ( from BERT paper and AIAYN paper)</a:t>
-            </a:r>
-          </a:p>
-          <a:p>
-            <a:pPr marL="285750" indent="-285750">
-              <a:buFont typeface="Wingdings" panose="05000000000000000000" pitchFamily="2" charset="2"/>
-              <a:buChar char="§"/>
-            </a:pPr>
-            <a:r>
-              <a:rPr lang="en-US" sz="1400" dirty="0"/>
-              <a:t>Attention over the large input space of genes – from transcriptomic data of single cell – to identify which genes are important to focus – to optimize predictive accuracy – given learning objective.</a:t>
-            </a:r>
-          </a:p>
-          <a:p>
-            <a:pPr marL="285750" indent="-285750">
-              <a:buFont typeface="Wingdings" panose="05000000000000000000" pitchFamily="2" charset="2"/>
-              <a:buChar char="§"/>
-            </a:pPr>
-            <a:endParaRPr lang="en-US" dirty="0"/>
-          </a:p>
-          <a:p>
-            <a:r>
-              <a:rPr lang="en-US" dirty="0"/>
-              <a:t>What’s preprocessing technique in Transformer</a:t>
-            </a:r>
-          </a:p>
-          <a:p>
-            <a:endParaRPr lang="en-US" dirty="0"/>
-          </a:p>
-          <a:p>
-            <a:endParaRPr lang="en-US" dirty="0"/>
-          </a:p>
-          <a:p>
-            <a:endParaRPr lang="en-IN" dirty="0"/>
-          </a:p>
-        </p:txBody>
-      </p:sp>
-    </p:spTree>
-    <p:extLst>
-      <p:ext uri="{BB962C8B-B14F-4D97-AF65-F5344CB8AC3E}">
-        <p14:creationId xmlns:p14="http://schemas.microsoft.com/office/powerpoint/2010/main" val="1161073872"/>
       </p:ext>
     </p:extLst>
   </p:cSld>
@@ -5981,12 +6024,47 @@
           <a:chExt cx="0" cy="0"/>
         </a:xfrm>
       </p:grpSpPr>
+      <p:sp>
+        <p:nvSpPr>
+          <p:cNvPr id="4" name="TextBox 3">
+            <a:extLst>
+              <a:ext uri="{FF2B5EF4-FFF2-40B4-BE49-F238E27FC236}">
+                <a16:creationId xmlns:a16="http://schemas.microsoft.com/office/drawing/2014/main" id="{B00BBF31-F05B-2A08-1850-C3F0D8713B38}"/>
+              </a:ext>
+            </a:extLst>
+          </p:cNvPr>
+          <p:cNvSpPr txBox="1"/>
+          <p:nvPr/>
+        </p:nvSpPr>
+        <p:spPr>
+          <a:xfrm>
+            <a:off x="175490" y="64777"/>
+            <a:ext cx="3066473" cy="369332"/>
+          </a:xfrm>
+          <a:prstGeom prst="rect">
+            <a:avLst/>
+          </a:prstGeom>
+          <a:noFill/>
+        </p:spPr>
+        <p:txBody>
+          <a:bodyPr wrap="square" rtlCol="0">
+            <a:spAutoFit/>
+          </a:bodyPr>
+          <a:lstStyle/>
+          <a:p>
+            <a:r>
+              <a:rPr lang="en-IN" b="1" dirty="0"/>
+              <a:t>ABOUT GENEFORMER</a:t>
+            </a:r>
+          </a:p>
+        </p:txBody>
+      </p:sp>
       <p:cxnSp>
         <p:nvCxnSpPr>
           <p:cNvPr id="5" name="Straight Connector 4">
             <a:extLst>
               <a:ext uri="{FF2B5EF4-FFF2-40B4-BE49-F238E27FC236}">
-                <a16:creationId xmlns:a16="http://schemas.microsoft.com/office/drawing/2014/main" id="{9F347755-D47E-1D3D-1D91-92C3C3D57DD4}"/>
+                <a16:creationId xmlns:a16="http://schemas.microsoft.com/office/drawing/2014/main" id="{B4093D8D-A079-28A4-47DA-D5CB398F5658}"/>
               </a:ext>
             </a:extLst>
           </p:cNvPr>
@@ -6005,9 +6083,8 @@
           </a:prstGeom>
           <a:ln>
             <a:solidFill>
-              <a:schemeClr val="tx1">
-                <a:lumMod val="75000"/>
-                <a:lumOff val="25000"/>
+              <a:schemeClr val="bg2">
+                <a:lumMod val="50000"/>
               </a:schemeClr>
             </a:solidFill>
           </a:ln>
@@ -6029,118 +6106,10 @@
       </p:cxnSp>
       <p:sp>
         <p:nvSpPr>
-          <p:cNvPr id="17" name="Rectangle 16">
-            <a:extLst>
-              <a:ext uri="{FF2B5EF4-FFF2-40B4-BE49-F238E27FC236}">
-                <a16:creationId xmlns:a16="http://schemas.microsoft.com/office/drawing/2014/main" id="{AB2FB384-3753-6767-8A9F-E4998CF06552}"/>
-              </a:ext>
-            </a:extLst>
-          </p:cNvPr>
-          <p:cNvSpPr/>
-          <p:nvPr/>
-        </p:nvSpPr>
-        <p:spPr>
-          <a:xfrm>
-            <a:off x="0" y="544945"/>
-            <a:ext cx="3814618" cy="6248278"/>
-          </a:xfrm>
-          <a:prstGeom prst="rect">
-            <a:avLst/>
-          </a:prstGeom>
-          <a:solidFill>
-            <a:srgbClr val="41B883"/>
-          </a:solidFill>
-          <a:ln>
-            <a:solidFill>
-              <a:srgbClr val="41B883"/>
-            </a:solidFill>
-          </a:ln>
-        </p:spPr>
-        <p:style>
-          <a:lnRef idx="2">
-            <a:schemeClr val="accent1">
-              <a:shade val="15000"/>
-            </a:schemeClr>
-          </a:lnRef>
-          <a:fillRef idx="1">
-            <a:schemeClr val="accent1"/>
-          </a:fillRef>
-          <a:effectRef idx="0">
-            <a:schemeClr val="accent1"/>
-          </a:effectRef>
-          <a:fontRef idx="minor">
-            <a:schemeClr val="lt1"/>
-          </a:fontRef>
-        </p:style>
-        <p:txBody>
-          <a:bodyPr rtlCol="0" anchor="ctr"/>
-          <a:lstStyle/>
-          <a:p>
-            <a:pPr algn="ctr"/>
-            <a:endParaRPr lang="en-IN"/>
-          </a:p>
-        </p:txBody>
-      </p:sp>
-      <p:sp>
-        <p:nvSpPr>
-          <p:cNvPr id="18" name="Rectangle 17">
-            <a:extLst>
-              <a:ext uri="{FF2B5EF4-FFF2-40B4-BE49-F238E27FC236}">
-                <a16:creationId xmlns:a16="http://schemas.microsoft.com/office/drawing/2014/main" id="{884212DE-A583-1F15-CBF9-B055EE6FF757}"/>
-              </a:ext>
-            </a:extLst>
-          </p:cNvPr>
-          <p:cNvSpPr/>
-          <p:nvPr/>
-        </p:nvSpPr>
-        <p:spPr>
-          <a:xfrm>
-            <a:off x="253998" y="1228200"/>
-            <a:ext cx="3343565" cy="926474"/>
-          </a:xfrm>
-          <a:prstGeom prst="rect">
-            <a:avLst/>
-          </a:prstGeom>
-          <a:solidFill>
-            <a:srgbClr val="41B883"/>
-          </a:solidFill>
-          <a:ln>
-            <a:solidFill>
-              <a:schemeClr val="bg2"/>
-            </a:solidFill>
-          </a:ln>
-        </p:spPr>
-        <p:style>
-          <a:lnRef idx="2">
-            <a:schemeClr val="accent1">
-              <a:shade val="15000"/>
-            </a:schemeClr>
-          </a:lnRef>
-          <a:fillRef idx="1">
-            <a:schemeClr val="accent1"/>
-          </a:fillRef>
-          <a:effectRef idx="0">
-            <a:schemeClr val="accent1"/>
-          </a:effectRef>
-          <a:fontRef idx="minor">
-            <a:schemeClr val="lt1"/>
-          </a:fontRef>
-        </p:style>
-        <p:txBody>
-          <a:bodyPr rtlCol="0" anchor="ctr"/>
-          <a:lstStyle/>
-          <a:p>
-            <a:pPr algn="ctr"/>
-            <a:endParaRPr lang="en-IN"/>
-          </a:p>
-        </p:txBody>
-      </p:sp>
-      <p:sp>
-        <p:nvSpPr>
-          <p:cNvPr id="19" name="TextBox 18">
-            <a:extLst>
-              <a:ext uri="{FF2B5EF4-FFF2-40B4-BE49-F238E27FC236}">
-                <a16:creationId xmlns:a16="http://schemas.microsoft.com/office/drawing/2014/main" id="{56800BEA-5B23-F4DE-0276-CCDB17CE796B}"/>
+          <p:cNvPr id="6" name="TextBox 5">
+            <a:extLst>
+              <a:ext uri="{FF2B5EF4-FFF2-40B4-BE49-F238E27FC236}">
+                <a16:creationId xmlns:a16="http://schemas.microsoft.com/office/drawing/2014/main" id="{EDD1AC8A-C386-8DAA-F693-EAE87C297593}"/>
               </a:ext>
             </a:extLst>
           </p:cNvPr>
@@ -6149,835 +6118,8 @@
         </p:nvSpPr>
         <p:spPr>
           <a:xfrm>
-            <a:off x="244761" y="1255745"/>
-            <a:ext cx="3435925" cy="861774"/>
-          </a:xfrm>
-          <a:prstGeom prst="rect">
-            <a:avLst/>
-          </a:prstGeom>
-          <a:noFill/>
-        </p:spPr>
-        <p:txBody>
-          <a:bodyPr wrap="square">
-            <a:spAutoFit/>
-          </a:bodyPr>
-          <a:lstStyle/>
-          <a:p>
-            <a:r>
-              <a:rPr lang="en-IN" b="1" dirty="0">
-                <a:solidFill>
-                  <a:schemeClr val="bg1">
-                    <a:lumMod val="95000"/>
-                  </a:schemeClr>
-                </a:solidFill>
-              </a:rPr>
-              <a:t>Gene Corpus 30 M</a:t>
-            </a:r>
-          </a:p>
-          <a:p>
-            <a:endParaRPr lang="en-IN" sz="800" b="1" dirty="0">
-              <a:solidFill>
-                <a:schemeClr val="bg1">
-                  <a:lumMod val="95000"/>
-                </a:schemeClr>
-              </a:solidFill>
-            </a:endParaRPr>
-          </a:p>
-          <a:p>
-            <a:r>
-              <a:rPr lang="en-US" sz="1200" dirty="0">
-                <a:solidFill>
-                  <a:schemeClr val="bg1">
-                    <a:lumMod val="95000"/>
-                  </a:schemeClr>
-                </a:solidFill>
-              </a:rPr>
-              <a:t>29.9 million human single-cell transcriptomes from a broad range of tissues from publicly available data</a:t>
-            </a:r>
-            <a:endParaRPr lang="en-IN" sz="1200" dirty="0">
-              <a:solidFill>
-                <a:schemeClr val="bg1">
-                  <a:lumMod val="95000"/>
-                </a:schemeClr>
-              </a:solidFill>
-            </a:endParaRPr>
-          </a:p>
-        </p:txBody>
-      </p:sp>
-      <p:sp>
-        <p:nvSpPr>
-          <p:cNvPr id="20" name="Rectangle 19">
-            <a:extLst>
-              <a:ext uri="{FF2B5EF4-FFF2-40B4-BE49-F238E27FC236}">
-                <a16:creationId xmlns:a16="http://schemas.microsoft.com/office/drawing/2014/main" id="{DE4ED17D-C5AE-98E3-4B4A-FD2C900E1A5F}"/>
-              </a:ext>
-            </a:extLst>
-          </p:cNvPr>
-          <p:cNvSpPr/>
-          <p:nvPr/>
-        </p:nvSpPr>
-        <p:spPr>
-          <a:xfrm>
-            <a:off x="258614" y="2428937"/>
-            <a:ext cx="3338949" cy="1222234"/>
-          </a:xfrm>
-          <a:prstGeom prst="rect">
-            <a:avLst/>
-          </a:prstGeom>
-          <a:solidFill>
-            <a:srgbClr val="41B883"/>
-          </a:solidFill>
-          <a:ln>
-            <a:solidFill>
-              <a:schemeClr val="bg2"/>
-            </a:solidFill>
-          </a:ln>
-        </p:spPr>
-        <p:style>
-          <a:lnRef idx="2">
-            <a:schemeClr val="accent1">
-              <a:shade val="15000"/>
-            </a:schemeClr>
-          </a:lnRef>
-          <a:fillRef idx="1">
-            <a:schemeClr val="accent1"/>
-          </a:fillRef>
-          <a:effectRef idx="0">
-            <a:schemeClr val="accent1"/>
-          </a:effectRef>
-          <a:fontRef idx="minor">
-            <a:schemeClr val="lt1"/>
-          </a:fontRef>
-        </p:style>
-        <p:txBody>
-          <a:bodyPr rtlCol="0" anchor="ctr"/>
-          <a:lstStyle/>
-          <a:p>
-            <a:pPr algn="ctr"/>
-            <a:endParaRPr lang="en-IN" dirty="0"/>
-          </a:p>
-        </p:txBody>
-      </p:sp>
-      <p:sp>
-        <p:nvSpPr>
-          <p:cNvPr id="21" name="TextBox 20">
-            <a:extLst>
-              <a:ext uri="{FF2B5EF4-FFF2-40B4-BE49-F238E27FC236}">
-                <a16:creationId xmlns:a16="http://schemas.microsoft.com/office/drawing/2014/main" id="{9BB91B53-C7F7-02A8-F18F-E3D18146B193}"/>
-              </a:ext>
-            </a:extLst>
-          </p:cNvPr>
-          <p:cNvSpPr txBox="1"/>
-          <p:nvPr/>
-        </p:nvSpPr>
-        <p:spPr>
-          <a:xfrm>
-            <a:off x="286325" y="2588372"/>
-            <a:ext cx="3230422" cy="954107"/>
-          </a:xfrm>
-          <a:prstGeom prst="rect">
-            <a:avLst/>
-          </a:prstGeom>
-          <a:noFill/>
-        </p:spPr>
-        <p:txBody>
-          <a:bodyPr wrap="square">
-            <a:spAutoFit/>
-          </a:bodyPr>
-          <a:lstStyle/>
-          <a:p>
-            <a:r>
-              <a:rPr lang="en-IN" sz="1800" b="1" dirty="0">
-                <a:solidFill>
-                  <a:schemeClr val="bg1">
-                    <a:lumMod val="95000"/>
-                  </a:schemeClr>
-                </a:solidFill>
-              </a:rPr>
-              <a:t>Excluded cells with high mutational burdens</a:t>
-            </a:r>
-          </a:p>
-          <a:p>
-            <a:endParaRPr lang="en-IN" sz="800" b="1" dirty="0">
-              <a:solidFill>
-                <a:schemeClr val="bg1">
-                  <a:lumMod val="95000"/>
-                </a:schemeClr>
-              </a:solidFill>
-            </a:endParaRPr>
-          </a:p>
-          <a:p>
-            <a:r>
-              <a:rPr lang="en-US" sz="1200" dirty="0">
-                <a:solidFill>
-                  <a:schemeClr val="bg1">
-                    <a:lumMod val="95000"/>
-                  </a:schemeClr>
-                </a:solidFill>
-              </a:rPr>
-              <a:t>E.g. malignant cells and immortalized cell lines</a:t>
-            </a:r>
-            <a:endParaRPr lang="en-IN" sz="1200" dirty="0">
-              <a:solidFill>
-                <a:schemeClr val="bg1">
-                  <a:lumMod val="95000"/>
-                </a:schemeClr>
-              </a:solidFill>
-            </a:endParaRPr>
-          </a:p>
-        </p:txBody>
-      </p:sp>
-      <p:sp>
-        <p:nvSpPr>
-          <p:cNvPr id="22" name="Rectangle 21">
-            <a:extLst>
-              <a:ext uri="{FF2B5EF4-FFF2-40B4-BE49-F238E27FC236}">
-                <a16:creationId xmlns:a16="http://schemas.microsoft.com/office/drawing/2014/main" id="{D2707BFB-38BB-800A-C71B-B8B96300B249}"/>
-              </a:ext>
-            </a:extLst>
-          </p:cNvPr>
-          <p:cNvSpPr/>
-          <p:nvPr/>
-        </p:nvSpPr>
-        <p:spPr>
-          <a:xfrm>
-            <a:off x="271314" y="3931355"/>
-            <a:ext cx="3308929" cy="1395338"/>
-          </a:xfrm>
-          <a:prstGeom prst="rect">
-            <a:avLst/>
-          </a:prstGeom>
-          <a:solidFill>
-            <a:srgbClr val="41B883"/>
-          </a:solidFill>
-          <a:ln>
-            <a:solidFill>
-              <a:schemeClr val="bg1">
-                <a:lumMod val="95000"/>
-              </a:schemeClr>
-            </a:solidFill>
-          </a:ln>
-        </p:spPr>
-        <p:style>
-          <a:lnRef idx="2">
-            <a:schemeClr val="accent1">
-              <a:shade val="15000"/>
-            </a:schemeClr>
-          </a:lnRef>
-          <a:fillRef idx="1">
-            <a:schemeClr val="accent1"/>
-          </a:fillRef>
-          <a:effectRef idx="0">
-            <a:schemeClr val="accent1"/>
-          </a:effectRef>
-          <a:fontRef idx="minor">
-            <a:schemeClr val="lt1"/>
-          </a:fontRef>
-        </p:style>
-        <p:txBody>
-          <a:bodyPr rtlCol="0" anchor="ctr"/>
-          <a:lstStyle/>
-          <a:p>
-            <a:pPr algn="ctr"/>
-            <a:endParaRPr lang="en-IN" dirty="0"/>
-          </a:p>
-        </p:txBody>
-      </p:sp>
-      <p:sp>
-        <p:nvSpPr>
-          <p:cNvPr id="23" name="TextBox 22">
-            <a:extLst>
-              <a:ext uri="{FF2B5EF4-FFF2-40B4-BE49-F238E27FC236}">
-                <a16:creationId xmlns:a16="http://schemas.microsoft.com/office/drawing/2014/main" id="{80CDB9FA-C9FA-66DA-115C-4B08157A3C82}"/>
-              </a:ext>
-            </a:extLst>
-          </p:cNvPr>
-          <p:cNvSpPr txBox="1"/>
-          <p:nvPr/>
-        </p:nvSpPr>
-        <p:spPr>
-          <a:xfrm>
-            <a:off x="272469" y="3978305"/>
-            <a:ext cx="3325094" cy="1323439"/>
-          </a:xfrm>
-          <a:prstGeom prst="rect">
-            <a:avLst/>
-          </a:prstGeom>
-          <a:noFill/>
-        </p:spPr>
-        <p:txBody>
-          <a:bodyPr wrap="square">
-            <a:spAutoFit/>
-          </a:bodyPr>
-          <a:lstStyle/>
-          <a:p>
-            <a:r>
-              <a:rPr lang="en-IN" b="1" dirty="0">
-                <a:solidFill>
-                  <a:schemeClr val="bg1"/>
-                </a:solidFill>
-              </a:rPr>
-              <a:t>Excluded possible doublets and/or damaged cells</a:t>
-            </a:r>
-          </a:p>
-          <a:p>
-            <a:endParaRPr lang="en-IN" sz="800" b="1" dirty="0">
-              <a:solidFill>
-                <a:schemeClr val="bg1"/>
-              </a:solidFill>
-            </a:endParaRPr>
-          </a:p>
-          <a:p>
-            <a:r>
-              <a:rPr lang="en-US" sz="1200" dirty="0">
-                <a:solidFill>
-                  <a:schemeClr val="bg1"/>
-                </a:solidFill>
-              </a:rPr>
-              <a:t>could lead to substantial network rewiring without companion genome sequencing to facilitate interpretation.</a:t>
-            </a:r>
-            <a:endParaRPr lang="en-IN" sz="1200" dirty="0">
-              <a:solidFill>
-                <a:schemeClr val="bg1"/>
-              </a:solidFill>
-            </a:endParaRPr>
-          </a:p>
-        </p:txBody>
-      </p:sp>
-      <p:sp>
-        <p:nvSpPr>
-          <p:cNvPr id="24" name="Rectangle 23">
-            <a:extLst>
-              <a:ext uri="{FF2B5EF4-FFF2-40B4-BE49-F238E27FC236}">
-                <a16:creationId xmlns:a16="http://schemas.microsoft.com/office/drawing/2014/main" id="{E735BFFE-5ADB-9EA8-E261-69E42F28A08F}"/>
-              </a:ext>
-            </a:extLst>
-          </p:cNvPr>
-          <p:cNvSpPr/>
-          <p:nvPr/>
-        </p:nvSpPr>
-        <p:spPr>
-          <a:xfrm>
-            <a:off x="272471" y="5633936"/>
-            <a:ext cx="3306619" cy="1055236"/>
-          </a:xfrm>
-          <a:prstGeom prst="rect">
-            <a:avLst/>
-          </a:prstGeom>
-          <a:solidFill>
-            <a:srgbClr val="41B883"/>
-          </a:solidFill>
-          <a:ln>
-            <a:solidFill>
-              <a:schemeClr val="bg2"/>
-            </a:solidFill>
-          </a:ln>
-        </p:spPr>
-        <p:style>
-          <a:lnRef idx="2">
-            <a:schemeClr val="accent1">
-              <a:shade val="15000"/>
-            </a:schemeClr>
-          </a:lnRef>
-          <a:fillRef idx="1">
-            <a:schemeClr val="accent1"/>
-          </a:fillRef>
-          <a:effectRef idx="0">
-            <a:schemeClr val="accent1"/>
-          </a:effectRef>
-          <a:fontRef idx="minor">
-            <a:schemeClr val="lt1"/>
-          </a:fontRef>
-        </p:style>
-        <p:txBody>
-          <a:bodyPr rtlCol="0" anchor="ctr"/>
-          <a:lstStyle/>
-          <a:p>
-            <a:pPr algn="ctr"/>
-            <a:endParaRPr lang="en-IN" dirty="0"/>
-          </a:p>
-        </p:txBody>
-      </p:sp>
-      <p:sp>
-        <p:nvSpPr>
-          <p:cNvPr id="25" name="TextBox 24">
-            <a:extLst>
-              <a:ext uri="{FF2B5EF4-FFF2-40B4-BE49-F238E27FC236}">
-                <a16:creationId xmlns:a16="http://schemas.microsoft.com/office/drawing/2014/main" id="{F3CBE71E-C73F-7B93-F0E9-0C01B97B4319}"/>
-              </a:ext>
-            </a:extLst>
-          </p:cNvPr>
-          <p:cNvSpPr txBox="1"/>
-          <p:nvPr/>
-        </p:nvSpPr>
-        <p:spPr>
-          <a:xfrm>
-            <a:off x="270739" y="5635149"/>
-            <a:ext cx="3310082" cy="1046440"/>
-          </a:xfrm>
-          <a:prstGeom prst="rect">
-            <a:avLst/>
-          </a:prstGeom>
-          <a:noFill/>
-        </p:spPr>
-        <p:txBody>
-          <a:bodyPr wrap="square">
-            <a:spAutoFit/>
-          </a:bodyPr>
-          <a:lstStyle/>
-          <a:p>
-            <a:r>
-              <a:rPr lang="en-IN" b="1" dirty="0">
-                <a:solidFill>
-                  <a:schemeClr val="bg1"/>
-                </a:solidFill>
-              </a:rPr>
-              <a:t>Rank Value Encoding</a:t>
-            </a:r>
-          </a:p>
-          <a:p>
-            <a:endParaRPr lang="en-IN" sz="800" b="1" dirty="0">
-              <a:solidFill>
-                <a:schemeClr val="bg1"/>
-              </a:solidFill>
-            </a:endParaRPr>
-          </a:p>
-          <a:p>
-            <a:r>
-              <a:rPr lang="en-US" sz="1200" dirty="0">
-                <a:solidFill>
-                  <a:schemeClr val="bg1"/>
-                </a:solidFill>
-              </a:rPr>
-              <a:t>where genes are ranked by their expression in that cell normalized by their expression across the entire Genecorpus-30M</a:t>
-            </a:r>
-            <a:endParaRPr lang="en-IN" sz="1200" dirty="0">
-              <a:solidFill>
-                <a:schemeClr val="bg1"/>
-              </a:solidFill>
-            </a:endParaRPr>
-          </a:p>
-        </p:txBody>
-      </p:sp>
-      <p:cxnSp>
-        <p:nvCxnSpPr>
-          <p:cNvPr id="26" name="Straight Arrow Connector 25">
-            <a:extLst>
-              <a:ext uri="{FF2B5EF4-FFF2-40B4-BE49-F238E27FC236}">
-                <a16:creationId xmlns:a16="http://schemas.microsoft.com/office/drawing/2014/main" id="{E884FFEA-29F3-9973-7874-0F2DCEF93C66}"/>
-              </a:ext>
-            </a:extLst>
-          </p:cNvPr>
-          <p:cNvCxnSpPr>
-            <a:cxnSpLocks/>
-            <a:stCxn id="18" idx="2"/>
-            <a:endCxn id="20" idx="0"/>
-          </p:cNvCxnSpPr>
-          <p:nvPr/>
-        </p:nvCxnSpPr>
-        <p:spPr>
-          <a:xfrm>
-            <a:off x="1925781" y="2154674"/>
-            <a:ext cx="2308" cy="274263"/>
-          </a:xfrm>
-          <a:prstGeom prst="straightConnector1">
-            <a:avLst/>
-          </a:prstGeom>
-          <a:ln>
-            <a:solidFill>
-              <a:schemeClr val="bg1">
-                <a:lumMod val="95000"/>
-              </a:schemeClr>
-            </a:solidFill>
-            <a:tailEnd type="triangle"/>
-          </a:ln>
-        </p:spPr>
-        <p:style>
-          <a:lnRef idx="1">
-            <a:schemeClr val="accent1"/>
-          </a:lnRef>
-          <a:fillRef idx="0">
-            <a:schemeClr val="accent1"/>
-          </a:fillRef>
-          <a:effectRef idx="0">
-            <a:schemeClr val="accent1"/>
-          </a:effectRef>
-          <a:fontRef idx="minor">
-            <a:schemeClr val="tx1"/>
-          </a:fontRef>
-        </p:style>
-      </p:cxnSp>
-      <p:cxnSp>
-        <p:nvCxnSpPr>
-          <p:cNvPr id="27" name="Straight Arrow Connector 26">
-            <a:extLst>
-              <a:ext uri="{FF2B5EF4-FFF2-40B4-BE49-F238E27FC236}">
-                <a16:creationId xmlns:a16="http://schemas.microsoft.com/office/drawing/2014/main" id="{8013DEC6-898F-F14E-621E-5A1B3BCA3BD3}"/>
-              </a:ext>
-            </a:extLst>
-          </p:cNvPr>
-          <p:cNvCxnSpPr>
-            <a:cxnSpLocks/>
-            <a:stCxn id="20" idx="2"/>
-            <a:endCxn id="22" idx="0"/>
-          </p:cNvCxnSpPr>
-          <p:nvPr/>
-        </p:nvCxnSpPr>
-        <p:spPr>
-          <a:xfrm flipH="1">
-            <a:off x="1925779" y="3651171"/>
-            <a:ext cx="2310" cy="280184"/>
-          </a:xfrm>
-          <a:prstGeom prst="straightConnector1">
-            <a:avLst/>
-          </a:prstGeom>
-          <a:ln>
-            <a:solidFill>
-              <a:schemeClr val="bg1">
-                <a:lumMod val="95000"/>
-              </a:schemeClr>
-            </a:solidFill>
-            <a:tailEnd type="triangle"/>
-          </a:ln>
-        </p:spPr>
-        <p:style>
-          <a:lnRef idx="1">
-            <a:schemeClr val="accent1"/>
-          </a:lnRef>
-          <a:fillRef idx="0">
-            <a:schemeClr val="accent1"/>
-          </a:fillRef>
-          <a:effectRef idx="0">
-            <a:schemeClr val="accent1"/>
-          </a:effectRef>
-          <a:fontRef idx="minor">
-            <a:schemeClr val="tx1"/>
-          </a:fontRef>
-        </p:style>
-      </p:cxnSp>
-      <p:cxnSp>
-        <p:nvCxnSpPr>
-          <p:cNvPr id="28" name="Straight Arrow Connector 27">
-            <a:extLst>
-              <a:ext uri="{FF2B5EF4-FFF2-40B4-BE49-F238E27FC236}">
-                <a16:creationId xmlns:a16="http://schemas.microsoft.com/office/drawing/2014/main" id="{950FE697-6184-E43B-1668-3B8EF5ABE4B7}"/>
-              </a:ext>
-            </a:extLst>
-          </p:cNvPr>
-          <p:cNvCxnSpPr>
-            <a:cxnSpLocks/>
-            <a:stCxn id="22" idx="2"/>
-            <a:endCxn id="25" idx="0"/>
-          </p:cNvCxnSpPr>
-          <p:nvPr/>
-        </p:nvCxnSpPr>
-        <p:spPr>
-          <a:xfrm>
-            <a:off x="1925779" y="5326693"/>
-            <a:ext cx="1" cy="308456"/>
-          </a:xfrm>
-          <a:prstGeom prst="straightConnector1">
-            <a:avLst/>
-          </a:prstGeom>
-          <a:ln>
-            <a:solidFill>
-              <a:schemeClr val="bg1">
-                <a:lumMod val="95000"/>
-              </a:schemeClr>
-            </a:solidFill>
-            <a:tailEnd type="triangle"/>
-          </a:ln>
-        </p:spPr>
-        <p:style>
-          <a:lnRef idx="1">
-            <a:schemeClr val="accent1"/>
-          </a:lnRef>
-          <a:fillRef idx="0">
-            <a:schemeClr val="accent1"/>
-          </a:fillRef>
-          <a:effectRef idx="0">
-            <a:schemeClr val="accent1"/>
-          </a:effectRef>
-          <a:fontRef idx="minor">
-            <a:schemeClr val="tx1"/>
-          </a:fontRef>
-        </p:style>
-      </p:cxnSp>
-      <p:pic>
-        <p:nvPicPr>
-          <p:cNvPr id="38" name="Picture 37">
-            <a:extLst>
-              <a:ext uri="{FF2B5EF4-FFF2-40B4-BE49-F238E27FC236}">
-                <a16:creationId xmlns:a16="http://schemas.microsoft.com/office/drawing/2014/main" id="{4034DDC9-5B50-3CF2-1077-6149D4C166A3}"/>
-              </a:ext>
-            </a:extLst>
-          </p:cNvPr>
-          <p:cNvPicPr>
-            <a:picLocks noChangeAspect="1"/>
-          </p:cNvPicPr>
-          <p:nvPr/>
-        </p:nvPicPr>
-        <p:blipFill>
-          <a:blip r:embed="rId2"/>
-          <a:stretch>
-            <a:fillRect/>
-          </a:stretch>
-        </p:blipFill>
-        <p:spPr>
-          <a:xfrm>
-            <a:off x="3897740" y="554426"/>
-            <a:ext cx="6603720" cy="2574073"/>
-          </a:xfrm>
-          <a:prstGeom prst="rect">
-            <a:avLst/>
-          </a:prstGeom>
-          <a:ln>
-            <a:solidFill>
-              <a:schemeClr val="tx1">
-                <a:lumMod val="65000"/>
-                <a:lumOff val="35000"/>
-              </a:schemeClr>
-            </a:solidFill>
-          </a:ln>
-        </p:spPr>
-      </p:pic>
-      <p:sp>
-        <p:nvSpPr>
-          <p:cNvPr id="55" name="TextBox 54">
-            <a:extLst>
-              <a:ext uri="{FF2B5EF4-FFF2-40B4-BE49-F238E27FC236}">
-                <a16:creationId xmlns:a16="http://schemas.microsoft.com/office/drawing/2014/main" id="{7FA876A0-9179-F756-6846-5A284CD96B24}"/>
-              </a:ext>
-            </a:extLst>
-          </p:cNvPr>
-          <p:cNvSpPr txBox="1"/>
-          <p:nvPr/>
-        </p:nvSpPr>
-        <p:spPr>
-          <a:xfrm>
-            <a:off x="186312" y="610125"/>
-            <a:ext cx="6146800" cy="369332"/>
-          </a:xfrm>
-          <a:prstGeom prst="rect">
-            <a:avLst/>
-          </a:prstGeom>
-          <a:noFill/>
-        </p:spPr>
-        <p:txBody>
-          <a:bodyPr wrap="square">
-            <a:spAutoFit/>
-          </a:bodyPr>
-          <a:lstStyle/>
-          <a:p>
-            <a:r>
-              <a:rPr lang="en-IN" b="1" dirty="0">
-                <a:solidFill>
-                  <a:schemeClr val="bg1"/>
-                </a:solidFill>
-              </a:rPr>
-              <a:t>OUTLINE</a:t>
-            </a:r>
-            <a:r>
-              <a:rPr lang="en-IN" b="1" dirty="0"/>
-              <a:t> </a:t>
-            </a:r>
-            <a:endParaRPr lang="en-IN" dirty="0"/>
-          </a:p>
-        </p:txBody>
-      </p:sp>
-      <p:sp>
-        <p:nvSpPr>
-          <p:cNvPr id="56" name="Rectangle 55">
-            <a:extLst>
-              <a:ext uri="{FF2B5EF4-FFF2-40B4-BE49-F238E27FC236}">
-                <a16:creationId xmlns:a16="http://schemas.microsoft.com/office/drawing/2014/main" id="{8919D534-1C9E-36DA-0456-0841A280395C}"/>
-              </a:ext>
-            </a:extLst>
-          </p:cNvPr>
-          <p:cNvSpPr/>
-          <p:nvPr/>
-        </p:nvSpPr>
-        <p:spPr>
-          <a:xfrm>
-            <a:off x="3883885" y="3287934"/>
-            <a:ext cx="8225699" cy="3505287"/>
-          </a:xfrm>
-          <a:prstGeom prst="rect">
-            <a:avLst/>
-          </a:prstGeom>
-          <a:solidFill>
-            <a:schemeClr val="bg1">
-              <a:lumMod val="95000"/>
-            </a:schemeClr>
-          </a:solidFill>
-          <a:ln>
-            <a:solidFill>
-              <a:schemeClr val="tx1">
-                <a:lumMod val="65000"/>
-                <a:lumOff val="35000"/>
-              </a:schemeClr>
-            </a:solidFill>
-          </a:ln>
-        </p:spPr>
-        <p:style>
-          <a:lnRef idx="2">
-            <a:schemeClr val="accent1">
-              <a:shade val="15000"/>
-            </a:schemeClr>
-          </a:lnRef>
-          <a:fillRef idx="1">
-            <a:schemeClr val="accent1"/>
-          </a:fillRef>
-          <a:effectRef idx="0">
-            <a:schemeClr val="accent1"/>
-          </a:effectRef>
-          <a:fontRef idx="minor">
-            <a:schemeClr val="lt1"/>
-          </a:fontRef>
-        </p:style>
-        <p:txBody>
-          <a:bodyPr rtlCol="0" anchor="ctr"/>
-          <a:lstStyle/>
-          <a:p>
-            <a:pPr algn="ctr"/>
-            <a:endParaRPr lang="en-IN"/>
-          </a:p>
-        </p:txBody>
-      </p:sp>
-      <p:sp>
-        <p:nvSpPr>
-          <p:cNvPr id="58" name="TextBox 57">
-            <a:extLst>
-              <a:ext uri="{FF2B5EF4-FFF2-40B4-BE49-F238E27FC236}">
-                <a16:creationId xmlns:a16="http://schemas.microsoft.com/office/drawing/2014/main" id="{03C4104E-7F02-DA26-FF34-408AF2133074}"/>
-              </a:ext>
-            </a:extLst>
-          </p:cNvPr>
-          <p:cNvSpPr txBox="1"/>
-          <p:nvPr/>
-        </p:nvSpPr>
-        <p:spPr>
-          <a:xfrm>
-            <a:off x="3918877" y="3429000"/>
-            <a:ext cx="8155713" cy="3108543"/>
-          </a:xfrm>
-          <a:prstGeom prst="rect">
-            <a:avLst/>
-          </a:prstGeom>
-          <a:noFill/>
-        </p:spPr>
-        <p:txBody>
-          <a:bodyPr wrap="square">
-            <a:spAutoFit/>
-          </a:bodyPr>
-          <a:lstStyle/>
-          <a:p>
-            <a:r>
-              <a:rPr lang="en-IN" sz="1400" b="1" dirty="0"/>
-              <a:t>Rank Value Encoding</a:t>
-            </a:r>
-          </a:p>
-          <a:p>
-            <a:endParaRPr lang="en-IN" sz="1400" b="1" dirty="0"/>
-          </a:p>
-          <a:p>
-            <a:r>
-              <a:rPr lang="en-IN" sz="1400" dirty="0"/>
-              <a:t>Non Parametric representation for each single cell</a:t>
-            </a:r>
-          </a:p>
-          <a:p>
-            <a:r>
-              <a:rPr lang="en-IN" sz="1400" dirty="0"/>
-              <a:t>Low Rank - Genes with low cell state distinguishing power but are highly expressed</a:t>
-            </a:r>
-          </a:p>
-          <a:p>
-            <a:r>
-              <a:rPr lang="en-IN" sz="1400" dirty="0"/>
-              <a:t>High Rank - Genes with high cell state distinguishing power but are lowly expressed</a:t>
-            </a:r>
-          </a:p>
-          <a:p>
-            <a:endParaRPr lang="en-IN" sz="1400" dirty="0"/>
-          </a:p>
-          <a:p>
-            <a:r>
-              <a:rPr lang="en-IN" sz="1400" b="1" dirty="0"/>
-              <a:t>How Rank is calculated</a:t>
-            </a:r>
-          </a:p>
-          <a:p>
-            <a:endParaRPr lang="en-IN" sz="1400" dirty="0"/>
-          </a:p>
-          <a:p>
-            <a:pPr marL="342900" indent="-342900">
-              <a:buAutoNum type="arabicPeriod"/>
-            </a:pPr>
-            <a:r>
-              <a:rPr lang="en-US" sz="1400" dirty="0"/>
-              <a:t>the non-zero median value of expression of each detected gene across all cells</a:t>
-            </a:r>
-          </a:p>
-          <a:p>
-            <a:pPr marL="342900" indent="-342900">
-              <a:buAutoNum type="arabicPeriod"/>
-            </a:pPr>
-            <a:r>
-              <a:rPr lang="en-US" sz="1400" dirty="0"/>
-              <a:t>Aggregated the transcript count distribution for each gene in a memory-efficient manner</a:t>
-            </a:r>
-          </a:p>
-          <a:p>
-            <a:pPr marL="342900" indent="-342900">
-              <a:buAutoNum type="arabicPeriod"/>
-            </a:pPr>
-            <a:r>
-              <a:rPr lang="en-US" sz="1400" dirty="0"/>
-              <a:t>Normalizing the gene transcript counts in each cell by the total transcript count of that cell</a:t>
-            </a:r>
-          </a:p>
-          <a:p>
-            <a:pPr marL="342900" indent="-342900">
-              <a:buAutoNum type="arabicPeriod"/>
-            </a:pPr>
-            <a:r>
-              <a:rPr lang="en-US" sz="1400" dirty="0"/>
-              <a:t>then normalized the genes in each single-cell transcriptome by the non-zero median value of expression of that gene across Genecorpus-30M</a:t>
-            </a:r>
-            <a:r>
-              <a:rPr lang="en-IN" sz="1400" dirty="0"/>
-              <a:t>.</a:t>
-            </a:r>
-          </a:p>
-          <a:p>
-            <a:pPr marL="342900" indent="-342900">
-              <a:buAutoNum type="arabicPeriod"/>
-            </a:pPr>
-            <a:r>
-              <a:rPr lang="en-US" sz="1400" dirty="0"/>
-              <a:t>ordered the genes by the rank of their normalized expression in that specific cell.</a:t>
-            </a:r>
-            <a:endParaRPr lang="en-IN" sz="1400" dirty="0"/>
-          </a:p>
-        </p:txBody>
-      </p:sp>
-      <p:sp>
-        <p:nvSpPr>
-          <p:cNvPr id="59" name="TextBox 58">
-            <a:extLst>
-              <a:ext uri="{FF2B5EF4-FFF2-40B4-BE49-F238E27FC236}">
-                <a16:creationId xmlns:a16="http://schemas.microsoft.com/office/drawing/2014/main" id="{1EBE4B8A-3797-1789-A442-C36782F429B7}"/>
-              </a:ext>
-            </a:extLst>
-          </p:cNvPr>
-          <p:cNvSpPr txBox="1"/>
-          <p:nvPr/>
-        </p:nvSpPr>
-        <p:spPr>
-          <a:xfrm>
-            <a:off x="175490" y="64777"/>
-            <a:ext cx="5754255" cy="369332"/>
+            <a:off x="304800" y="729673"/>
+            <a:ext cx="11185236" cy="2769989"/>
           </a:xfrm>
           <a:prstGeom prst="rect">
             <a:avLst/>
@@ -6990,17 +6132,87 @@
           </a:bodyPr>
           <a:lstStyle/>
           <a:p>
-            <a:r>
-              <a:rPr lang="en-IN" b="1" dirty="0"/>
-              <a:t>GENEFORMER ARCHITECTURE AND PRETRAINING</a:t>
-            </a:r>
+            <a:pPr marL="285750" indent="-285750">
+              <a:buFont typeface="Wingdings" panose="05000000000000000000" pitchFamily="2" charset="2"/>
+              <a:buChar char="§"/>
+            </a:pPr>
+            <a:r>
+              <a:rPr lang="en-IN" sz="1400" dirty="0" err="1"/>
+              <a:t>Geneformer</a:t>
+            </a:r>
+            <a:r>
+              <a:rPr lang="en-IN" sz="1400" dirty="0"/>
+              <a:t> is analogous to Transformer</a:t>
+            </a:r>
+          </a:p>
+          <a:p>
+            <a:pPr marL="285750" indent="-285750">
+              <a:buFont typeface="Wingdings" panose="05000000000000000000" pitchFamily="2" charset="2"/>
+              <a:buChar char="§"/>
+            </a:pPr>
+            <a:r>
+              <a:rPr lang="en-US" sz="1400" dirty="0"/>
+              <a:t>Context-aware, attention-based deep learning model as (network dynamics may vary across cell types, developmental timepoints or disease states.)</a:t>
+            </a:r>
+          </a:p>
+          <a:p>
+            <a:pPr marL="285750" indent="-285750">
+              <a:buFont typeface="Wingdings" panose="05000000000000000000" pitchFamily="2" charset="2"/>
+              <a:buChar char="§"/>
+            </a:pPr>
+            <a:r>
+              <a:rPr lang="en-US" sz="1400" dirty="0"/>
+              <a:t>pretrained on large-scale transcriptomic data to enable predictions in network biology.</a:t>
+            </a:r>
+          </a:p>
+          <a:p>
+            <a:pPr marL="285750" indent="-285750">
+              <a:buFont typeface="Wingdings" panose="05000000000000000000" pitchFamily="2" charset="2"/>
+              <a:buChar char="§"/>
+            </a:pPr>
+            <a:r>
+              <a:rPr lang="en-IN" sz="1400" dirty="0"/>
+              <a:t>Advent of self-attention ( from BERT paper and AIAYN paper)</a:t>
+            </a:r>
+          </a:p>
+          <a:p>
+            <a:pPr marL="285750" indent="-285750">
+              <a:buFont typeface="Wingdings" panose="05000000000000000000" pitchFamily="2" charset="2"/>
+              <a:buChar char="§"/>
+            </a:pPr>
+            <a:r>
+              <a:rPr lang="en-US" sz="1400" dirty="0"/>
+              <a:t>Attention over the large input space of genes – from transcriptomic data of single cell – to identify which genes are important to focus – to optimize predictive accuracy – given learning objective.</a:t>
+            </a:r>
+          </a:p>
+          <a:p>
+            <a:pPr marL="285750" indent="-285750">
+              <a:buFont typeface="Wingdings" panose="05000000000000000000" pitchFamily="2" charset="2"/>
+              <a:buChar char="§"/>
+            </a:pPr>
+            <a:endParaRPr lang="en-US" dirty="0"/>
+          </a:p>
+          <a:p>
+            <a:r>
+              <a:rPr lang="en-US" dirty="0"/>
+              <a:t>What’s preprocessing technique in Transformer</a:t>
+            </a:r>
+          </a:p>
+          <a:p>
+            <a:endParaRPr lang="en-US" dirty="0"/>
+          </a:p>
+          <a:p>
+            <a:endParaRPr lang="en-US" dirty="0"/>
+          </a:p>
+          <a:p>
+            <a:endParaRPr lang="en-IN" dirty="0"/>
           </a:p>
         </p:txBody>
       </p:sp>
     </p:spTree>
     <p:extLst>
       <p:ext uri="{BB962C8B-B14F-4D97-AF65-F5344CB8AC3E}">
-        <p14:creationId xmlns:p14="http://schemas.microsoft.com/office/powerpoint/2010/main" val="1593753094"/>
+        <p14:creationId xmlns:p14="http://schemas.microsoft.com/office/powerpoint/2010/main" val="1161073872"/>
       </p:ext>
     </p:extLst>
   </p:cSld>
@@ -7027,12 +6239,58 @@
           <a:chExt cx="0" cy="0"/>
         </a:xfrm>
       </p:grpSpPr>
-      <p:sp>
-        <p:nvSpPr>
-          <p:cNvPr id="4" name="Rectangle 3">
-            <a:extLst>
-              <a:ext uri="{FF2B5EF4-FFF2-40B4-BE49-F238E27FC236}">
-                <a16:creationId xmlns:a16="http://schemas.microsoft.com/office/drawing/2014/main" id="{AF7920D0-7E52-E5B6-30E4-AE0D7DF5F2B0}"/>
+      <p:cxnSp>
+        <p:nvCxnSpPr>
+          <p:cNvPr id="5" name="Straight Connector 4">
+            <a:extLst>
+              <a:ext uri="{FF2B5EF4-FFF2-40B4-BE49-F238E27FC236}">
+                <a16:creationId xmlns:a16="http://schemas.microsoft.com/office/drawing/2014/main" id="{9F347755-D47E-1D3D-1D91-92C3C3D57DD4}"/>
+              </a:ext>
+            </a:extLst>
+          </p:cNvPr>
+          <p:cNvCxnSpPr>
+            <a:cxnSpLocks/>
+          </p:cNvCxnSpPr>
+          <p:nvPr/>
+        </p:nvCxnSpPr>
+        <p:spPr>
+          <a:xfrm>
+            <a:off x="121659" y="450689"/>
+            <a:ext cx="11918660" cy="0"/>
+          </a:xfrm>
+          <a:prstGeom prst="line">
+            <a:avLst/>
+          </a:prstGeom>
+          <a:ln>
+            <a:solidFill>
+              <a:schemeClr val="tx1">
+                <a:lumMod val="75000"/>
+                <a:lumOff val="25000"/>
+              </a:schemeClr>
+            </a:solidFill>
+          </a:ln>
+        </p:spPr>
+        <p:style>
+          <a:lnRef idx="1">
+            <a:schemeClr val="accent1"/>
+          </a:lnRef>
+          <a:fillRef idx="0">
+            <a:schemeClr val="accent1"/>
+          </a:fillRef>
+          <a:effectRef idx="0">
+            <a:schemeClr val="accent1"/>
+          </a:effectRef>
+          <a:fontRef idx="minor">
+            <a:schemeClr val="tx1"/>
+          </a:fontRef>
+        </p:style>
+      </p:cxnSp>
+      <p:sp>
+        <p:nvSpPr>
+          <p:cNvPr id="17" name="Rectangle 16">
+            <a:extLst>
+              <a:ext uri="{FF2B5EF4-FFF2-40B4-BE49-F238E27FC236}">
+                <a16:creationId xmlns:a16="http://schemas.microsoft.com/office/drawing/2014/main" id="{AB2FB384-3753-6767-8A9F-E4998CF06552}"/>
               </a:ext>
             </a:extLst>
           </p:cNvPr>
@@ -7083,10 +6341,10 @@
       </p:sp>
       <p:sp>
         <p:nvSpPr>
-          <p:cNvPr id="5" name="Rectangle 4">
-            <a:extLst>
-              <a:ext uri="{FF2B5EF4-FFF2-40B4-BE49-F238E27FC236}">
-                <a16:creationId xmlns:a16="http://schemas.microsoft.com/office/drawing/2014/main" id="{855D935A-796B-702C-B534-F74F12DBDB13}"/>
+          <p:cNvPr id="18" name="Rectangle 17">
+            <a:extLst>
+              <a:ext uri="{FF2B5EF4-FFF2-40B4-BE49-F238E27FC236}">
+                <a16:creationId xmlns:a16="http://schemas.microsoft.com/office/drawing/2014/main" id="{884212DE-A583-1F15-CBF9-B055EE6FF757}"/>
               </a:ext>
             </a:extLst>
           </p:cNvPr>
@@ -7095,8 +6353,8 @@
         </p:nvSpPr>
         <p:spPr>
           <a:xfrm>
-            <a:off x="196269" y="4074592"/>
-            <a:ext cx="3499427" cy="1200329"/>
+            <a:off x="253998" y="1228200"/>
+            <a:ext cx="3343565" cy="926474"/>
           </a:xfrm>
           <a:prstGeom prst="rect">
             <a:avLst/>
@@ -7137,10 +6395,10 @@
       </p:sp>
       <p:sp>
         <p:nvSpPr>
-          <p:cNvPr id="6" name="TextBox 5">
-            <a:extLst>
-              <a:ext uri="{FF2B5EF4-FFF2-40B4-BE49-F238E27FC236}">
-                <a16:creationId xmlns:a16="http://schemas.microsoft.com/office/drawing/2014/main" id="{5E53BE8C-B66C-E68B-432B-A963E5CBA34F}"/>
+          <p:cNvPr id="19" name="TextBox 18">
+            <a:extLst>
+              <a:ext uri="{FF2B5EF4-FFF2-40B4-BE49-F238E27FC236}">
+                <a16:creationId xmlns:a16="http://schemas.microsoft.com/office/drawing/2014/main" id="{56800BEA-5B23-F4DE-0276-CCDB17CE796B}"/>
               </a:ext>
             </a:extLst>
           </p:cNvPr>
@@ -7149,8 +6407,8 @@
         </p:nvSpPr>
         <p:spPr>
           <a:xfrm>
-            <a:off x="196271" y="4141553"/>
-            <a:ext cx="3433619" cy="1015663"/>
+            <a:off x="244761" y="1255745"/>
+            <a:ext cx="3435925" cy="861774"/>
           </a:xfrm>
           <a:prstGeom prst="rect">
             <a:avLst/>
@@ -7171,11 +6429,11 @@
                   </a:schemeClr>
                 </a:solidFill>
               </a:rPr>
-              <a:t>GENEFORMER’s ENCODER</a:t>
-            </a:r>
-          </a:p>
-          <a:p>
-            <a:endParaRPr lang="en-IN" b="1" dirty="0">
+              <a:t>Gene Corpus 30 M</a:t>
+            </a:r>
+          </a:p>
+          <a:p>
+            <a:endParaRPr lang="en-IN" sz="800" b="1" dirty="0">
               <a:solidFill>
                 <a:schemeClr val="bg1">
                   <a:lumMod val="95000"/>
@@ -7192,7 +6450,7 @@
                   </a:schemeClr>
                 </a:solidFill>
               </a:rPr>
-              <a:t>each composed of a self-attention layer + feed forward neural network layer network layer</a:t>
+              <a:t>29.9 million human single-cell transcriptomes from a broad range of tissues from publicly available data</a:t>
             </a:r>
             <a:endParaRPr lang="en-IN" sz="1200" dirty="0">
               <a:solidFill>
@@ -7206,10 +6464,10 @@
       </p:sp>
       <p:sp>
         <p:nvSpPr>
-          <p:cNvPr id="7" name="Rectangle 6">
-            <a:extLst>
-              <a:ext uri="{FF2B5EF4-FFF2-40B4-BE49-F238E27FC236}">
-                <a16:creationId xmlns:a16="http://schemas.microsoft.com/office/drawing/2014/main" id="{BA9EB939-8BC4-955E-D14E-C576EC168027}"/>
+          <p:cNvPr id="20" name="Rectangle 19">
+            <a:extLst>
+              <a:ext uri="{FF2B5EF4-FFF2-40B4-BE49-F238E27FC236}">
+                <a16:creationId xmlns:a16="http://schemas.microsoft.com/office/drawing/2014/main" id="{DE4ED17D-C5AE-98E3-4B4A-FD2C900E1A5F}"/>
               </a:ext>
             </a:extLst>
           </p:cNvPr>
@@ -7218,8 +6476,8 @@
         </p:nvSpPr>
         <p:spPr>
           <a:xfrm>
-            <a:off x="177417" y="684454"/>
-            <a:ext cx="3535220" cy="1126301"/>
+            <a:off x="258614" y="2428937"/>
+            <a:ext cx="3338949" cy="1222234"/>
           </a:xfrm>
           <a:prstGeom prst="rect">
             <a:avLst/>
@@ -7254,16 +6512,16 @@
           <a:lstStyle/>
           <a:p>
             <a:pPr algn="ctr"/>
-            <a:endParaRPr lang="en-IN"/>
-          </a:p>
-        </p:txBody>
-      </p:sp>
-      <p:sp>
-        <p:nvSpPr>
-          <p:cNvPr id="8" name="TextBox 7">
-            <a:extLst>
-              <a:ext uri="{FF2B5EF4-FFF2-40B4-BE49-F238E27FC236}">
-                <a16:creationId xmlns:a16="http://schemas.microsoft.com/office/drawing/2014/main" id="{2C4E7B31-7699-7818-7B89-C93134963BEC}"/>
+            <a:endParaRPr lang="en-IN" dirty="0"/>
+          </a:p>
+        </p:txBody>
+      </p:sp>
+      <p:sp>
+        <p:nvSpPr>
+          <p:cNvPr id="21" name="TextBox 20">
+            <a:extLst>
+              <a:ext uri="{FF2B5EF4-FFF2-40B4-BE49-F238E27FC236}">
+                <a16:creationId xmlns:a16="http://schemas.microsoft.com/office/drawing/2014/main" id="{9BB91B53-C7F7-02A8-F18F-E3D18146B193}"/>
               </a:ext>
             </a:extLst>
           </p:cNvPr>
@@ -7272,8 +6530,8 @@
         </p:nvSpPr>
         <p:spPr>
           <a:xfrm>
-            <a:off x="194354" y="764315"/>
-            <a:ext cx="3499429" cy="1046440"/>
+            <a:off x="286325" y="2588372"/>
+            <a:ext cx="3230422" cy="954107"/>
           </a:xfrm>
           <a:prstGeom prst="rect">
             <a:avLst/>
@@ -7287,18 +6545,22 @@
           <a:lstStyle/>
           <a:p>
             <a:r>
-              <a:rPr lang="en-IN" b="1" dirty="0">
+              <a:rPr lang="en-IN" sz="1800" b="1" dirty="0">
                 <a:solidFill>
-                  <a:schemeClr val="bg1"/>
+                  <a:schemeClr val="bg1">
+                    <a:lumMod val="95000"/>
+                  </a:schemeClr>
                 </a:solidFill>
               </a:rPr>
-              <a:t>Rank Value Encoding</a:t>
+              <a:t>Excluded cells with high mutational burdens</a:t>
             </a:r>
           </a:p>
           <a:p>
             <a:endParaRPr lang="en-IN" sz="800" b="1" dirty="0">
               <a:solidFill>
-                <a:schemeClr val="bg1"/>
+                <a:schemeClr val="bg1">
+                  <a:lumMod val="95000"/>
+                </a:schemeClr>
               </a:solidFill>
             </a:endParaRPr>
           </a:p>
@@ -7306,14 +6568,18 @@
             <a:r>
               <a:rPr lang="en-US" sz="1200" dirty="0">
                 <a:solidFill>
-                  <a:schemeClr val="bg1"/>
+                  <a:schemeClr val="bg1">
+                    <a:lumMod val="95000"/>
+                  </a:schemeClr>
                 </a:solidFill>
               </a:rPr>
-              <a:t>where genes are ranked by their expression in that cell normalized by their expression across the entire Genecorpus-30M</a:t>
+              <a:t>E.g. malignant cells and immortalized cell lines</a:t>
             </a:r>
             <a:endParaRPr lang="en-IN" sz="1200" dirty="0">
               <a:solidFill>
-                <a:schemeClr val="bg1"/>
+                <a:schemeClr val="bg1">
+                  <a:lumMod val="95000"/>
+                </a:schemeClr>
               </a:solidFill>
             </a:endParaRPr>
           </a:p>
@@ -7321,10 +6587,10 @@
       </p:sp>
       <p:sp>
         <p:nvSpPr>
-          <p:cNvPr id="9" name="Rectangle 8">
-            <a:extLst>
-              <a:ext uri="{FF2B5EF4-FFF2-40B4-BE49-F238E27FC236}">
-                <a16:creationId xmlns:a16="http://schemas.microsoft.com/office/drawing/2014/main" id="{E602424C-EB3E-F34B-B534-8BE23DAB8E4E}"/>
+          <p:cNvPr id="22" name="Rectangle 21">
+            <a:extLst>
+              <a:ext uri="{FF2B5EF4-FFF2-40B4-BE49-F238E27FC236}">
+                <a16:creationId xmlns:a16="http://schemas.microsoft.com/office/drawing/2014/main" id="{D2707BFB-38BB-800A-C71B-B8B96300B249}"/>
               </a:ext>
             </a:extLst>
           </p:cNvPr>
@@ -7333,8 +6599,8 @@
         </p:nvSpPr>
         <p:spPr>
           <a:xfrm>
-            <a:off x="196270" y="2329489"/>
-            <a:ext cx="3499428" cy="1360049"/>
+            <a:off x="271314" y="3931355"/>
+            <a:ext cx="3308929" cy="1395338"/>
           </a:xfrm>
           <a:prstGeom prst="rect">
             <a:avLst/>
@@ -7371,16 +6637,16 @@
           <a:lstStyle/>
           <a:p>
             <a:pPr algn="ctr"/>
-            <a:endParaRPr lang="en-IN"/>
-          </a:p>
-        </p:txBody>
-      </p:sp>
-      <p:sp>
-        <p:nvSpPr>
-          <p:cNvPr id="10" name="TextBox 9">
-            <a:extLst>
-              <a:ext uri="{FF2B5EF4-FFF2-40B4-BE49-F238E27FC236}">
-                <a16:creationId xmlns:a16="http://schemas.microsoft.com/office/drawing/2014/main" id="{CAA6C02D-FD5A-0207-428F-6EDB03A2BC7D}"/>
+            <a:endParaRPr lang="en-IN" dirty="0"/>
+          </a:p>
+        </p:txBody>
+      </p:sp>
+      <p:sp>
+        <p:nvSpPr>
+          <p:cNvPr id="23" name="TextBox 22">
+            <a:extLst>
+              <a:ext uri="{FF2B5EF4-FFF2-40B4-BE49-F238E27FC236}">
+                <a16:creationId xmlns:a16="http://schemas.microsoft.com/office/drawing/2014/main" id="{80CDB9FA-C9FA-66DA-115C-4B08157A3C82}"/>
               </a:ext>
             </a:extLst>
           </p:cNvPr>
@@ -7389,8 +6655,8 @@
         </p:nvSpPr>
         <p:spPr>
           <a:xfrm>
-            <a:off x="167410" y="2413005"/>
-            <a:ext cx="3564660" cy="1200329"/>
+            <a:off x="272469" y="3978305"/>
+            <a:ext cx="3325094" cy="1323439"/>
           </a:xfrm>
           <a:prstGeom prst="rect">
             <a:avLst/>
@@ -7406,20 +6672,16 @@
             <a:r>
               <a:rPr lang="en-IN" b="1" dirty="0">
                 <a:solidFill>
-                  <a:schemeClr val="bg1">
-                    <a:lumMod val="95000"/>
-                  </a:schemeClr>
+                  <a:schemeClr val="bg1"/>
                 </a:solidFill>
               </a:rPr>
-              <a:t>PRETRAINING PROCESS</a:t>
-            </a:r>
-          </a:p>
-          <a:p>
-            <a:endParaRPr lang="en-IN" b="1" dirty="0">
+              <a:t>Excluded possible doublets and/or damaged cells</a:t>
+            </a:r>
+          </a:p>
+          <a:p>
+            <a:endParaRPr lang="en-IN" sz="800" b="1" dirty="0">
               <a:solidFill>
-                <a:schemeClr val="bg1">
-                  <a:lumMod val="95000"/>
-                </a:schemeClr>
+                <a:schemeClr val="bg1"/>
               </a:solidFill>
             </a:endParaRPr>
           </a:p>
@@ -7427,43 +6689,154 @@
             <a:r>
               <a:rPr lang="en-US" sz="1200" dirty="0">
                 <a:solidFill>
-                  <a:schemeClr val="bg1">
-                    <a:lumMod val="95000"/>
-                  </a:schemeClr>
+                  <a:schemeClr val="bg1"/>
                 </a:solidFill>
               </a:rPr>
-              <a:t>15% of the genes are masked and the model is trained to predict these masked genes in a self supervised manner</a:t>
+              <a:t>could lead to substantial network rewiring without companion genome sequencing to facilitate interpretation.</a:t>
             </a:r>
             <a:endParaRPr lang="en-IN" sz="1200" dirty="0">
               <a:solidFill>
-                <a:schemeClr val="bg1">
-                  <a:lumMod val="95000"/>
-                </a:schemeClr>
+                <a:schemeClr val="bg1"/>
               </a:solidFill>
             </a:endParaRPr>
           </a:p>
         </p:txBody>
       </p:sp>
+      <p:sp>
+        <p:nvSpPr>
+          <p:cNvPr id="24" name="Rectangle 23">
+            <a:extLst>
+              <a:ext uri="{FF2B5EF4-FFF2-40B4-BE49-F238E27FC236}">
+                <a16:creationId xmlns:a16="http://schemas.microsoft.com/office/drawing/2014/main" id="{E735BFFE-5ADB-9EA8-E261-69E42F28A08F}"/>
+              </a:ext>
+            </a:extLst>
+          </p:cNvPr>
+          <p:cNvSpPr/>
+          <p:nvPr/>
+        </p:nvSpPr>
+        <p:spPr>
+          <a:xfrm>
+            <a:off x="272471" y="5633936"/>
+            <a:ext cx="3306619" cy="1055236"/>
+          </a:xfrm>
+          <a:prstGeom prst="rect">
+            <a:avLst/>
+          </a:prstGeom>
+          <a:solidFill>
+            <a:srgbClr val="41B883"/>
+          </a:solidFill>
+          <a:ln>
+            <a:solidFill>
+              <a:schemeClr val="bg2"/>
+            </a:solidFill>
+          </a:ln>
+        </p:spPr>
+        <p:style>
+          <a:lnRef idx="2">
+            <a:schemeClr val="accent1">
+              <a:shade val="15000"/>
+            </a:schemeClr>
+          </a:lnRef>
+          <a:fillRef idx="1">
+            <a:schemeClr val="accent1"/>
+          </a:fillRef>
+          <a:effectRef idx="0">
+            <a:schemeClr val="accent1"/>
+          </a:effectRef>
+          <a:fontRef idx="minor">
+            <a:schemeClr val="lt1"/>
+          </a:fontRef>
+        </p:style>
+        <p:txBody>
+          <a:bodyPr rtlCol="0" anchor="ctr"/>
+          <a:lstStyle/>
+          <a:p>
+            <a:pPr algn="ctr"/>
+            <a:endParaRPr lang="en-IN" dirty="0"/>
+          </a:p>
+        </p:txBody>
+      </p:sp>
+      <p:sp>
+        <p:nvSpPr>
+          <p:cNvPr id="25" name="TextBox 24">
+            <a:extLst>
+              <a:ext uri="{FF2B5EF4-FFF2-40B4-BE49-F238E27FC236}">
+                <a16:creationId xmlns:a16="http://schemas.microsoft.com/office/drawing/2014/main" id="{F3CBE71E-C73F-7B93-F0E9-0C01B97B4319}"/>
+              </a:ext>
+            </a:extLst>
+          </p:cNvPr>
+          <p:cNvSpPr txBox="1"/>
+          <p:nvPr/>
+        </p:nvSpPr>
+        <p:spPr>
+          <a:xfrm>
+            <a:off x="270739" y="5635149"/>
+            <a:ext cx="3310082" cy="1046440"/>
+          </a:xfrm>
+          <a:prstGeom prst="rect">
+            <a:avLst/>
+          </a:prstGeom>
+          <a:noFill/>
+        </p:spPr>
+        <p:txBody>
+          <a:bodyPr wrap="square">
+            <a:spAutoFit/>
+          </a:bodyPr>
+          <a:lstStyle/>
+          <a:p>
+            <a:r>
+              <a:rPr lang="en-IN" b="1" dirty="0">
+                <a:solidFill>
+                  <a:schemeClr val="bg1"/>
+                </a:solidFill>
+              </a:rPr>
+              <a:t>Rank Value Encoding</a:t>
+            </a:r>
+          </a:p>
+          <a:p>
+            <a:endParaRPr lang="en-IN" sz="800" b="1" dirty="0">
+              <a:solidFill>
+                <a:schemeClr val="bg1"/>
+              </a:solidFill>
+            </a:endParaRPr>
+          </a:p>
+          <a:p>
+            <a:r>
+              <a:rPr lang="en-US" sz="1200" dirty="0">
+                <a:solidFill>
+                  <a:schemeClr val="bg1"/>
+                </a:solidFill>
+              </a:rPr>
+              <a:t>where genes are ranked by their expression in that cell normalized by their expression across the entire Genecorpus-30M</a:t>
+            </a:r>
+            <a:endParaRPr lang="en-IN" sz="1200" dirty="0">
+              <a:solidFill>
+                <a:schemeClr val="bg1"/>
+              </a:solidFill>
+            </a:endParaRPr>
+          </a:p>
+        </p:txBody>
+      </p:sp>
       <p:cxnSp>
         <p:nvCxnSpPr>
-          <p:cNvPr id="11" name="Straight Arrow Connector 10">
-            <a:extLst>
-              <a:ext uri="{FF2B5EF4-FFF2-40B4-BE49-F238E27FC236}">
-                <a16:creationId xmlns:a16="http://schemas.microsoft.com/office/drawing/2014/main" id="{5B29F0FC-4E1A-E997-16A5-6B94DE02F146}"/>
+          <p:cNvPr id="26" name="Straight Arrow Connector 25">
+            <a:extLst>
+              <a:ext uri="{FF2B5EF4-FFF2-40B4-BE49-F238E27FC236}">
+                <a16:creationId xmlns:a16="http://schemas.microsoft.com/office/drawing/2014/main" id="{E884FFEA-29F3-9973-7874-0F2DCEF93C66}"/>
               </a:ext>
             </a:extLst>
           </p:cNvPr>
           <p:cNvCxnSpPr>
             <a:cxnSpLocks/>
-            <a:stCxn id="7" idx="2"/>
-            <a:endCxn id="9" idx="0"/>
+            <a:stCxn id="18" idx="2"/>
+            <a:endCxn id="20" idx="0"/>
           </p:cNvCxnSpPr>
           <p:nvPr/>
         </p:nvCxnSpPr>
         <p:spPr>
           <a:xfrm>
-            <a:off x="1945027" y="1810755"/>
-            <a:ext cx="957" cy="518734"/>
+            <a:off x="1925781" y="2154674"/>
+            <a:ext cx="2308" cy="274263"/>
           </a:xfrm>
           <a:prstGeom prst="straightConnector1">
             <a:avLst/>
@@ -7494,24 +6867,24 @@
       </p:cxnSp>
       <p:cxnSp>
         <p:nvCxnSpPr>
-          <p:cNvPr id="12" name="Straight Arrow Connector 11">
-            <a:extLst>
-              <a:ext uri="{FF2B5EF4-FFF2-40B4-BE49-F238E27FC236}">
-                <a16:creationId xmlns:a16="http://schemas.microsoft.com/office/drawing/2014/main" id="{D56173C2-D5A1-AE5B-F34B-DA4F101C6EC4}"/>
+          <p:cNvPr id="27" name="Straight Arrow Connector 26">
+            <a:extLst>
+              <a:ext uri="{FF2B5EF4-FFF2-40B4-BE49-F238E27FC236}">
+                <a16:creationId xmlns:a16="http://schemas.microsoft.com/office/drawing/2014/main" id="{8013DEC6-898F-F14E-621E-5A1B3BCA3BD3}"/>
               </a:ext>
             </a:extLst>
           </p:cNvPr>
           <p:cNvCxnSpPr>
             <a:cxnSpLocks/>
-            <a:stCxn id="9" idx="2"/>
-            <a:endCxn id="5" idx="0"/>
+            <a:stCxn id="20" idx="2"/>
+            <a:endCxn id="22" idx="0"/>
           </p:cNvCxnSpPr>
           <p:nvPr/>
         </p:nvCxnSpPr>
         <p:spPr>
           <a:xfrm flipH="1">
-            <a:off x="1945983" y="3689538"/>
-            <a:ext cx="1" cy="385054"/>
+            <a:off x="1925779" y="3651171"/>
+            <a:ext cx="2310" cy="280184"/>
           </a:xfrm>
           <a:prstGeom prst="straightConnector1">
             <a:avLst/>
@@ -7540,12 +6913,60 @@
           </a:fontRef>
         </p:style>
       </p:cxnSp>
+      <p:cxnSp>
+        <p:nvCxnSpPr>
+          <p:cNvPr id="28" name="Straight Arrow Connector 27">
+            <a:extLst>
+              <a:ext uri="{FF2B5EF4-FFF2-40B4-BE49-F238E27FC236}">
+                <a16:creationId xmlns:a16="http://schemas.microsoft.com/office/drawing/2014/main" id="{950FE697-6184-E43B-1668-3B8EF5ABE4B7}"/>
+              </a:ext>
+            </a:extLst>
+          </p:cNvPr>
+          <p:cNvCxnSpPr>
+            <a:cxnSpLocks/>
+            <a:stCxn id="22" idx="2"/>
+            <a:endCxn id="25" idx="0"/>
+          </p:cNvCxnSpPr>
+          <p:nvPr/>
+        </p:nvCxnSpPr>
+        <p:spPr>
+          <a:xfrm>
+            <a:off x="1925779" y="5326693"/>
+            <a:ext cx="1" cy="308456"/>
+          </a:xfrm>
+          <a:prstGeom prst="straightConnector1">
+            <a:avLst/>
+          </a:prstGeom>
+          <a:ln>
+            <a:solidFill>
+              <a:schemeClr val="bg1">
+                <a:lumMod val="95000"/>
+              </a:schemeClr>
+            </a:solidFill>
+            <a:tailEnd type="triangle"/>
+          </a:ln>
+        </p:spPr>
+        <p:style>
+          <a:lnRef idx="1">
+            <a:schemeClr val="accent1"/>
+          </a:lnRef>
+          <a:fillRef idx="0">
+            <a:schemeClr val="accent1"/>
+          </a:fillRef>
+          <a:effectRef idx="0">
+            <a:schemeClr val="accent1"/>
+          </a:effectRef>
+          <a:fontRef idx="minor">
+            <a:schemeClr val="tx1"/>
+          </a:fontRef>
+        </p:style>
+      </p:cxnSp>
       <p:pic>
         <p:nvPicPr>
-          <p:cNvPr id="20" name="Picture 19">
-            <a:extLst>
-              <a:ext uri="{FF2B5EF4-FFF2-40B4-BE49-F238E27FC236}">
-                <a16:creationId xmlns:a16="http://schemas.microsoft.com/office/drawing/2014/main" id="{D564C9D8-AB30-50AC-75EE-2D086DDA14A3}"/>
+          <p:cNvPr id="38" name="Picture 37">
+            <a:extLst>
+              <a:ext uri="{FF2B5EF4-FFF2-40B4-BE49-F238E27FC236}">
+                <a16:creationId xmlns:a16="http://schemas.microsoft.com/office/drawing/2014/main" id="{4034DDC9-5B50-3CF2-1077-6149D4C166A3}"/>
               </a:ext>
             </a:extLst>
           </p:cNvPr>
@@ -7555,14 +6976,15 @@
           <p:nvPr/>
         </p:nvPicPr>
         <p:blipFill>
-          <a:blip r:embed="rId3"/>
-          <a:srcRect l="-287" t="5060" r="-1"/>
-          <a:stretch/>
+          <a:blip r:embed="rId2"/>
+          <a:stretch>
+            <a:fillRect/>
+          </a:stretch>
         </p:blipFill>
         <p:spPr>
           <a:xfrm>
-            <a:off x="3883885" y="579208"/>
-            <a:ext cx="6728697" cy="2122117"/>
+            <a:off x="3897740" y="554426"/>
+            <a:ext cx="6603720" cy="2574073"/>
           </a:xfrm>
           <a:prstGeom prst="rect">
             <a:avLst/>
@@ -7579,10 +7001,10 @@
       </p:pic>
       <p:sp>
         <p:nvSpPr>
-          <p:cNvPr id="21" name="TextBox 20">
-            <a:extLst>
-              <a:ext uri="{FF2B5EF4-FFF2-40B4-BE49-F238E27FC236}">
-                <a16:creationId xmlns:a16="http://schemas.microsoft.com/office/drawing/2014/main" id="{53680249-743C-E41F-D566-C518CC548D72}"/>
+          <p:cNvPr id="55" name="TextBox 54">
+            <a:extLst>
+              <a:ext uri="{FF2B5EF4-FFF2-40B4-BE49-F238E27FC236}">
+                <a16:creationId xmlns:a16="http://schemas.microsoft.com/office/drawing/2014/main" id="{7FA876A0-9179-F756-6846-5A284CD96B24}"/>
               </a:ext>
             </a:extLst>
           </p:cNvPr>
@@ -7591,197 +7013,8 @@
         </p:nvSpPr>
         <p:spPr>
           <a:xfrm>
-            <a:off x="175490" y="64777"/>
-            <a:ext cx="5754255" cy="369332"/>
-          </a:xfrm>
-          <a:prstGeom prst="rect">
-            <a:avLst/>
-          </a:prstGeom>
-          <a:noFill/>
-        </p:spPr>
-        <p:txBody>
-          <a:bodyPr wrap="square" rtlCol="0">
-            <a:spAutoFit/>
-          </a:bodyPr>
-          <a:lstStyle/>
-          <a:p>
-            <a:r>
-              <a:rPr lang="en-IN" b="1" dirty="0"/>
-              <a:t>GENEFORMER ARCHITECTURE AND PRETRAINING</a:t>
-            </a:r>
-          </a:p>
-        </p:txBody>
-      </p:sp>
-      <p:cxnSp>
-        <p:nvCxnSpPr>
-          <p:cNvPr id="22" name="Straight Connector 21">
-            <a:extLst>
-              <a:ext uri="{FF2B5EF4-FFF2-40B4-BE49-F238E27FC236}">
-                <a16:creationId xmlns:a16="http://schemas.microsoft.com/office/drawing/2014/main" id="{E2DE3735-BB31-81F5-5B81-00CCD62D9102}"/>
-              </a:ext>
-            </a:extLst>
-          </p:cNvPr>
-          <p:cNvCxnSpPr>
-            <a:cxnSpLocks/>
-          </p:cNvCxnSpPr>
-          <p:nvPr/>
-        </p:nvCxnSpPr>
-        <p:spPr>
-          <a:xfrm>
-            <a:off x="121659" y="450689"/>
-            <a:ext cx="11918660" cy="0"/>
-          </a:xfrm>
-          <a:prstGeom prst="line">
-            <a:avLst/>
-          </a:prstGeom>
-          <a:ln>
-            <a:solidFill>
-              <a:schemeClr val="tx1">
-                <a:lumMod val="75000"/>
-                <a:lumOff val="25000"/>
-              </a:schemeClr>
-            </a:solidFill>
-          </a:ln>
-        </p:spPr>
-        <p:style>
-          <a:lnRef idx="1">
-            <a:schemeClr val="accent1"/>
-          </a:lnRef>
-          <a:fillRef idx="0">
-            <a:schemeClr val="accent1"/>
-          </a:fillRef>
-          <a:effectRef idx="0">
-            <a:schemeClr val="accent1"/>
-          </a:effectRef>
-          <a:fontRef idx="minor">
-            <a:schemeClr val="tx1"/>
-          </a:fontRef>
-        </p:style>
-      </p:cxnSp>
-      <p:sp>
-        <p:nvSpPr>
-          <p:cNvPr id="26" name="Rectangle 25">
-            <a:extLst>
-              <a:ext uri="{FF2B5EF4-FFF2-40B4-BE49-F238E27FC236}">
-                <a16:creationId xmlns:a16="http://schemas.microsoft.com/office/drawing/2014/main" id="{5E88DC33-8A3D-60EE-2C00-698C52140D52}"/>
-              </a:ext>
-            </a:extLst>
-          </p:cNvPr>
-          <p:cNvSpPr/>
-          <p:nvPr/>
-        </p:nvSpPr>
-        <p:spPr>
-          <a:xfrm>
-            <a:off x="213210" y="5976594"/>
-            <a:ext cx="1731817" cy="657642"/>
-          </a:xfrm>
-          <a:prstGeom prst="rect">
-            <a:avLst/>
-          </a:prstGeom>
-          <a:solidFill>
-            <a:srgbClr val="41B883"/>
-          </a:solidFill>
-          <a:ln>
-            <a:solidFill>
-              <a:schemeClr val="bg2"/>
-            </a:solidFill>
-          </a:ln>
-        </p:spPr>
-        <p:style>
-          <a:lnRef idx="2">
-            <a:schemeClr val="accent1">
-              <a:shade val="15000"/>
-            </a:schemeClr>
-          </a:lnRef>
-          <a:fillRef idx="1">
-            <a:schemeClr val="accent1"/>
-          </a:fillRef>
-          <a:effectRef idx="0">
-            <a:schemeClr val="accent1"/>
-          </a:effectRef>
-          <a:fontRef idx="minor">
-            <a:schemeClr val="lt1"/>
-          </a:fontRef>
-        </p:style>
-        <p:txBody>
-          <a:bodyPr rtlCol="0" anchor="ctr"/>
-          <a:lstStyle/>
-          <a:p>
-            <a:pPr algn="ctr"/>
-            <a:endParaRPr lang="en-IN"/>
-          </a:p>
-        </p:txBody>
-      </p:sp>
-      <p:sp>
-        <p:nvSpPr>
-          <p:cNvPr id="27" name="Rectangle 26">
-            <a:extLst>
-              <a:ext uri="{FF2B5EF4-FFF2-40B4-BE49-F238E27FC236}">
-                <a16:creationId xmlns:a16="http://schemas.microsoft.com/office/drawing/2014/main" id="{3BA3ED9C-856C-3732-ECFD-4D792BF6F0E0}"/>
-              </a:ext>
-            </a:extLst>
-          </p:cNvPr>
-          <p:cNvSpPr/>
-          <p:nvPr/>
-        </p:nvSpPr>
-        <p:spPr>
-          <a:xfrm>
-            <a:off x="2013914" y="5976594"/>
-            <a:ext cx="1731817" cy="657642"/>
-          </a:xfrm>
-          <a:prstGeom prst="rect">
-            <a:avLst/>
-          </a:prstGeom>
-          <a:solidFill>
-            <a:srgbClr val="41B883"/>
-          </a:solidFill>
-          <a:ln>
-            <a:solidFill>
-              <a:schemeClr val="bg2"/>
-            </a:solidFill>
-          </a:ln>
-        </p:spPr>
-        <p:style>
-          <a:lnRef idx="2">
-            <a:schemeClr val="accent1">
-              <a:shade val="15000"/>
-            </a:schemeClr>
-          </a:lnRef>
-          <a:fillRef idx="1">
-            <a:schemeClr val="accent1"/>
-          </a:fillRef>
-          <a:effectRef idx="0">
-            <a:schemeClr val="accent1"/>
-          </a:effectRef>
-          <a:fontRef idx="minor">
-            <a:schemeClr val="lt1"/>
-          </a:fontRef>
-        </p:style>
-        <p:txBody>
-          <a:bodyPr rtlCol="0" anchor="ctr"/>
-          <a:lstStyle/>
-          <a:p>
-            <a:pPr algn="ctr"/>
-            <a:endParaRPr lang="en-IN"/>
-          </a:p>
-        </p:txBody>
-      </p:sp>
-      <p:sp>
-        <p:nvSpPr>
-          <p:cNvPr id="29" name="TextBox 28">
-            <a:extLst>
-              <a:ext uri="{FF2B5EF4-FFF2-40B4-BE49-F238E27FC236}">
-                <a16:creationId xmlns:a16="http://schemas.microsoft.com/office/drawing/2014/main" id="{ED965FB9-ACD7-B524-0A61-88AE38E9E46F}"/>
-              </a:ext>
-            </a:extLst>
-          </p:cNvPr>
-          <p:cNvSpPr txBox="1"/>
-          <p:nvPr/>
-        </p:nvSpPr>
-        <p:spPr>
-          <a:xfrm>
-            <a:off x="213210" y="6026658"/>
-            <a:ext cx="1731817" cy="646331"/>
+            <a:off x="186312" y="610125"/>
+            <a:ext cx="6146800" cy="369332"/>
           </a:xfrm>
           <a:prstGeom prst="rect">
             <a:avLst/>
@@ -7797,153 +7030,25 @@
             <a:r>
               <a:rPr lang="en-IN" b="1" dirty="0">
                 <a:solidFill>
-                  <a:schemeClr val="bg1">
-                    <a:lumMod val="95000"/>
-                  </a:schemeClr>
+                  <a:schemeClr val="bg1"/>
                 </a:solidFill>
               </a:rPr>
-              <a:t>GENE EMBEDDINGS</a:t>
-            </a:r>
-          </a:p>
-        </p:txBody>
-      </p:sp>
-      <p:sp>
-        <p:nvSpPr>
-          <p:cNvPr id="30" name="TextBox 29">
-            <a:extLst>
-              <a:ext uri="{FF2B5EF4-FFF2-40B4-BE49-F238E27FC236}">
-                <a16:creationId xmlns:a16="http://schemas.microsoft.com/office/drawing/2014/main" id="{11E2D91E-8D5E-95D8-3E4D-692B2123143D}"/>
-              </a:ext>
-            </a:extLst>
-          </p:cNvPr>
-          <p:cNvSpPr txBox="1"/>
-          <p:nvPr/>
-        </p:nvSpPr>
-        <p:spPr>
-          <a:xfrm>
-            <a:off x="2048357" y="5989889"/>
-            <a:ext cx="1731817" cy="646331"/>
-          </a:xfrm>
-          <a:prstGeom prst="rect">
-            <a:avLst/>
-          </a:prstGeom>
-          <a:noFill/>
-        </p:spPr>
-        <p:txBody>
-          <a:bodyPr wrap="square">
-            <a:spAutoFit/>
-          </a:bodyPr>
-          <a:lstStyle/>
-          <a:p>
-            <a:r>
-              <a:rPr lang="en-IN" b="1" dirty="0">
-                <a:solidFill>
-                  <a:schemeClr val="bg1">
-                    <a:lumMod val="95000"/>
-                  </a:schemeClr>
-                </a:solidFill>
-              </a:rPr>
-              <a:t>CELL EMBEDDINGS</a:t>
-            </a:r>
-          </a:p>
-        </p:txBody>
-      </p:sp>
-      <p:cxnSp>
-        <p:nvCxnSpPr>
-          <p:cNvPr id="32" name="Connector: Elbow 31">
-            <a:extLst>
-              <a:ext uri="{FF2B5EF4-FFF2-40B4-BE49-F238E27FC236}">
-                <a16:creationId xmlns:a16="http://schemas.microsoft.com/office/drawing/2014/main" id="{6C833910-85F3-B90A-90DA-8F7C7D79793F}"/>
-              </a:ext>
-            </a:extLst>
-          </p:cNvPr>
-          <p:cNvCxnSpPr>
-            <a:stCxn id="5" idx="2"/>
-            <a:endCxn id="26" idx="0"/>
-          </p:cNvCxnSpPr>
-          <p:nvPr/>
-        </p:nvCxnSpPr>
-        <p:spPr>
-          <a:xfrm rot="5400000">
-            <a:off x="1161715" y="5192325"/>
-            <a:ext cx="701673" cy="866864"/>
-          </a:xfrm>
-          <a:prstGeom prst="bentConnector3">
-            <a:avLst/>
-          </a:prstGeom>
-          <a:ln>
-            <a:solidFill>
-              <a:schemeClr val="bg2"/>
-            </a:solidFill>
-            <a:tailEnd type="triangle"/>
-          </a:ln>
-        </p:spPr>
-        <p:style>
-          <a:lnRef idx="1">
-            <a:schemeClr val="accent1"/>
-          </a:lnRef>
-          <a:fillRef idx="0">
-            <a:schemeClr val="accent1"/>
-          </a:fillRef>
-          <a:effectRef idx="0">
-            <a:schemeClr val="accent1"/>
-          </a:effectRef>
-          <a:fontRef idx="minor">
-            <a:schemeClr val="tx1"/>
-          </a:fontRef>
-        </p:style>
-      </p:cxnSp>
-      <p:cxnSp>
-        <p:nvCxnSpPr>
-          <p:cNvPr id="34" name="Connector: Elbow 33">
-            <a:extLst>
-              <a:ext uri="{FF2B5EF4-FFF2-40B4-BE49-F238E27FC236}">
-                <a16:creationId xmlns:a16="http://schemas.microsoft.com/office/drawing/2014/main" id="{34281E97-A1ED-BB14-7FF9-E6DADEB9E301}"/>
-              </a:ext>
-            </a:extLst>
-          </p:cNvPr>
-          <p:cNvCxnSpPr>
-            <a:stCxn id="5" idx="2"/>
-            <a:endCxn id="30" idx="0"/>
-          </p:cNvCxnSpPr>
-          <p:nvPr/>
-        </p:nvCxnSpPr>
-        <p:spPr>
-          <a:xfrm rot="16200000" flipH="1">
-            <a:off x="2072640" y="5148263"/>
-            <a:ext cx="714968" cy="968283"/>
-          </a:xfrm>
-          <a:prstGeom prst="bentConnector3">
-            <a:avLst/>
-          </a:prstGeom>
-          <a:ln>
-            <a:solidFill>
-              <a:schemeClr val="bg2"/>
-            </a:solidFill>
-            <a:tailEnd type="triangle"/>
-          </a:ln>
-        </p:spPr>
-        <p:style>
-          <a:lnRef idx="1">
-            <a:schemeClr val="accent1"/>
-          </a:lnRef>
-          <a:fillRef idx="0">
-            <a:schemeClr val="accent1"/>
-          </a:fillRef>
-          <a:effectRef idx="0">
-            <a:schemeClr val="accent1"/>
-          </a:effectRef>
-          <a:fontRef idx="minor">
-            <a:schemeClr val="tx1"/>
-          </a:fontRef>
-        </p:style>
-      </p:cxnSp>
-      <p:sp>
-        <p:nvSpPr>
-          <p:cNvPr id="35" name="Rectangle 34">
-            <a:extLst>
-              <a:ext uri="{FF2B5EF4-FFF2-40B4-BE49-F238E27FC236}">
-                <a16:creationId xmlns:a16="http://schemas.microsoft.com/office/drawing/2014/main" id="{5F97CC04-099A-DADC-5255-AF1AC7410DE3}"/>
+              <a:t>OUTLINE</a:t>
+            </a:r>
+            <a:r>
+              <a:rPr lang="en-IN" b="1" dirty="0"/>
+              <a:t> </a:t>
+            </a:r>
+            <a:endParaRPr lang="en-IN" dirty="0"/>
+          </a:p>
+        </p:txBody>
+      </p:sp>
+      <p:sp>
+        <p:nvSpPr>
+          <p:cNvPr id="56" name="Rectangle 55">
+            <a:extLst>
+              <a:ext uri="{FF2B5EF4-FFF2-40B4-BE49-F238E27FC236}">
+                <a16:creationId xmlns:a16="http://schemas.microsoft.com/office/drawing/2014/main" id="{8919D534-1C9E-36DA-0456-0841A280395C}"/>
               </a:ext>
             </a:extLst>
           </p:cNvPr>
@@ -7952,8 +7057,8 @@
         </p:nvSpPr>
         <p:spPr>
           <a:xfrm>
-            <a:off x="3883886" y="2829844"/>
-            <a:ext cx="8156434" cy="3963378"/>
+            <a:off x="3883885" y="3287934"/>
+            <a:ext cx="8225699" cy="3505287"/>
           </a:xfrm>
           <a:prstGeom prst="rect">
             <a:avLst/>
@@ -7992,16 +7097,17 @@
           <a:bodyPr rtlCol="0" anchor="ctr"/>
           <a:lstStyle/>
           <a:p>
-            <a:endParaRPr lang="en-IN" sz="1800" b="1" dirty="0"/>
-          </a:p>
-        </p:txBody>
-      </p:sp>
-      <p:sp>
-        <p:nvSpPr>
-          <p:cNvPr id="37" name="TextBox 36">
-            <a:extLst>
-              <a:ext uri="{FF2B5EF4-FFF2-40B4-BE49-F238E27FC236}">
-                <a16:creationId xmlns:a16="http://schemas.microsoft.com/office/drawing/2014/main" id="{D3F0C097-6ACA-52CE-1616-7ACF141BC1DF}"/>
+            <a:pPr algn="ctr"/>
+            <a:endParaRPr lang="en-IN"/>
+          </a:p>
+        </p:txBody>
+      </p:sp>
+      <p:sp>
+        <p:nvSpPr>
+          <p:cNvPr id="58" name="TextBox 57">
+            <a:extLst>
+              <a:ext uri="{FF2B5EF4-FFF2-40B4-BE49-F238E27FC236}">
+                <a16:creationId xmlns:a16="http://schemas.microsoft.com/office/drawing/2014/main" id="{03C4104E-7F02-DA26-FF34-408AF2133074}"/>
               </a:ext>
             </a:extLst>
           </p:cNvPr>
@@ -8010,8 +7116,8 @@
         </p:nvSpPr>
         <p:spPr>
           <a:xfrm>
-            <a:off x="3899480" y="2829843"/>
-            <a:ext cx="8384884" cy="3754874"/>
+            <a:off x="3918877" y="3429000"/>
+            <a:ext cx="8155713" cy="3108543"/>
           </a:xfrm>
           <a:prstGeom prst="rect">
             <a:avLst/>
@@ -8026,127 +7132,125 @@
           <a:p>
             <a:r>
               <a:rPr lang="en-IN" sz="1400" b="1" dirty="0"/>
-              <a:t>Gene Embeddings</a:t>
+              <a:t>Rank Value Encoding</a:t>
             </a:r>
           </a:p>
           <a:p>
             <a:endParaRPr lang="en-IN" sz="1400" b="1" dirty="0"/>
           </a:p>
           <a:p>
-            <a:pPr marL="285750" indent="-285750">
-              <a:buFont typeface="Wingdings" panose="05000000000000000000" pitchFamily="2" charset="2"/>
-              <a:buChar char="§"/>
+            <a:r>
+              <a:rPr lang="en-IN" sz="1400" dirty="0"/>
+              <a:t>Non Parametric representation for each single cell</a:t>
+            </a:r>
+          </a:p>
+          <a:p>
+            <a:r>
+              <a:rPr lang="en-IN" sz="1400" dirty="0"/>
+              <a:t>Low Rank - Genes with low cell state distinguishing power but are highly expressed</a:t>
+            </a:r>
+          </a:p>
+          <a:p>
+            <a:r>
+              <a:rPr lang="en-IN" sz="1400" dirty="0"/>
+              <a:t>High Rank - Genes with high cell state distinguishing power but are lowly expressed</a:t>
+            </a:r>
+          </a:p>
+          <a:p>
+            <a:endParaRPr lang="en-IN" sz="1400" dirty="0"/>
+          </a:p>
+          <a:p>
+            <a:r>
+              <a:rPr lang="en-IN" sz="1400" b="1" dirty="0"/>
+              <a:t>How Rank is calculated</a:t>
+            </a:r>
+          </a:p>
+          <a:p>
+            <a:endParaRPr lang="en-IN" sz="1400" dirty="0"/>
+          </a:p>
+          <a:p>
+            <a:pPr marL="342900" indent="-342900">
+              <a:buAutoNum type="arabicPeriod"/>
             </a:pPr>
             <a:r>
+              <a:rPr lang="en-US" sz="1400" dirty="0"/>
+              <a:t>the non-zero median value of expression of each detected gene across all cells</a:t>
+            </a:r>
+          </a:p>
+          <a:p>
+            <a:pPr marL="342900" indent="-342900">
+              <a:buAutoNum type="arabicPeriod"/>
+            </a:pPr>
+            <a:r>
+              <a:rPr lang="en-US" sz="1400" dirty="0"/>
+              <a:t>Aggregated the transcript count distribution for each gene in a memory-efficient manner</a:t>
+            </a:r>
+          </a:p>
+          <a:p>
+            <a:pPr marL="342900" indent="-342900">
+              <a:buAutoNum type="arabicPeriod"/>
+            </a:pPr>
+            <a:r>
+              <a:rPr lang="en-US" sz="1400" dirty="0"/>
+              <a:t>Normalizing the gene transcript counts in each cell by the total transcript count of that cell</a:t>
+            </a:r>
+          </a:p>
+          <a:p>
+            <a:pPr marL="342900" indent="-342900">
+              <a:buAutoNum type="arabicPeriod"/>
+            </a:pPr>
+            <a:r>
+              <a:rPr lang="en-US" sz="1400" dirty="0"/>
+              <a:t>then normalized the genes in each single-cell transcriptome by the non-zero median value of expression of that gene across Genecorpus-30M</a:t>
+            </a:r>
+            <a:r>
               <a:rPr lang="en-IN" sz="1400" dirty="0"/>
-              <a:t>Each single-cell transcriptome presented</a:t>
-            </a:r>
-          </a:p>
-          <a:p>
-            <a:pPr marL="285750" indent="-285750">
-              <a:buFont typeface="Wingdings" panose="05000000000000000000" pitchFamily="2" charset="2"/>
-              <a:buChar char="§"/>
+              <a:t>.</a:t>
+            </a:r>
+          </a:p>
+          <a:p>
+            <a:pPr marL="342900" indent="-342900">
+              <a:buAutoNum type="arabicPeriod"/>
             </a:pPr>
             <a:r>
-              <a:rPr lang="en-US" sz="1400" dirty="0" err="1"/>
-              <a:t>Geneformer</a:t>
-            </a:r>
-            <a:r>
               <a:rPr lang="en-US" sz="1400" dirty="0"/>
-              <a:t> embeds each gene into a 256-dimensional space that encodes the characteristics of the gene specific to the context of that cell.</a:t>
-            </a:r>
-          </a:p>
-          <a:p>
-            <a:pPr marL="285750" indent="-285750">
-              <a:buFont typeface="Wingdings" panose="05000000000000000000" pitchFamily="2" charset="2"/>
-              <a:buChar char="§"/>
-            </a:pPr>
-            <a:r>
-              <a:rPr lang="en-US" sz="1400" dirty="0"/>
-              <a:t>Gene embeddings last layer – more specific to the target objective</a:t>
-            </a:r>
-          </a:p>
-          <a:p>
-            <a:pPr marL="285750" indent="-285750">
-              <a:buFont typeface="Wingdings" panose="05000000000000000000" pitchFamily="2" charset="2"/>
-              <a:buChar char="§"/>
-            </a:pPr>
-            <a:r>
-              <a:rPr lang="en-US" sz="1400" dirty="0"/>
-              <a:t>Gene embeddings second to last layer – generalizable representation (and considered for study).</a:t>
-            </a:r>
-          </a:p>
-          <a:p>
-            <a:endParaRPr lang="en-US" sz="1400" dirty="0"/>
-          </a:p>
-          <a:p>
-            <a:r>
-              <a:rPr lang="en-US" sz="1400" b="1" dirty="0"/>
-              <a:t>Cell Embeddings</a:t>
-            </a:r>
-          </a:p>
-          <a:p>
+              <a:t>ordered the genes by the rank of their normalized expression in that specific cell.</a:t>
+            </a:r>
             <a:endParaRPr lang="en-IN" sz="1400" dirty="0"/>
           </a:p>
-          <a:p>
-            <a:pPr marL="285750" indent="-285750">
-              <a:buFont typeface="Wingdings" panose="05000000000000000000" pitchFamily="2" charset="2"/>
-              <a:buChar char="§"/>
-            </a:pPr>
-            <a:r>
-              <a:rPr lang="en-US" sz="1400" dirty="0"/>
-              <a:t>generated by averaging the embeddings of each gene detected in that cell</a:t>
-            </a:r>
-          </a:p>
-          <a:p>
-            <a:pPr marL="285750" indent="-285750">
-              <a:buFont typeface="Wingdings" panose="05000000000000000000" pitchFamily="2" charset="2"/>
-              <a:buChar char="§"/>
-            </a:pPr>
-            <a:r>
-              <a:rPr lang="en-US" sz="1400" dirty="0"/>
-              <a:t>Resulting in a 256-dimensional embedding.</a:t>
-            </a:r>
-          </a:p>
-          <a:p>
-            <a:pPr marL="285750" indent="-285750">
-              <a:buFont typeface="Wingdings" panose="05000000000000000000" pitchFamily="2" charset="2"/>
-              <a:buChar char="§"/>
-            </a:pPr>
-            <a:endParaRPr lang="en-US" sz="1400" dirty="0"/>
-          </a:p>
-          <a:p>
-            <a:r>
-              <a:rPr lang="en-US" sz="1400" b="1" dirty="0"/>
-              <a:t>Attention weights</a:t>
-            </a:r>
-          </a:p>
-          <a:p>
-            <a:pPr marL="285750" indent="-285750">
-              <a:buFont typeface="Wingdings" panose="05000000000000000000" pitchFamily="2" charset="2"/>
-              <a:buChar char="§"/>
-            </a:pPr>
-            <a:r>
-              <a:rPr lang="en-US" sz="1400" dirty="0"/>
-              <a:t>Each </a:t>
-            </a:r>
-            <a:r>
-              <a:rPr lang="en-US" sz="1400" dirty="0" err="1"/>
-              <a:t>GeneFormer</a:t>
-            </a:r>
-            <a:r>
-              <a:rPr lang="en-US" sz="1400" dirty="0"/>
-              <a:t> had 4 attention weights </a:t>
-            </a:r>
-          </a:p>
-          <a:p>
-            <a:pPr marL="285750" indent="-285750">
-              <a:buFont typeface="Wingdings" panose="05000000000000000000" pitchFamily="2" charset="2"/>
-              <a:buChar char="§"/>
-            </a:pPr>
-            <a:r>
-              <a:rPr lang="en-US" sz="1400" dirty="0"/>
-              <a:t>Unsupervised manner to pay attention to distinct classes of genes to jointly improve predictions without previous knowledge of the biological function of any gene.</a:t>
+        </p:txBody>
+      </p:sp>
+      <p:sp>
+        <p:nvSpPr>
+          <p:cNvPr id="59" name="TextBox 58">
+            <a:extLst>
+              <a:ext uri="{FF2B5EF4-FFF2-40B4-BE49-F238E27FC236}">
+                <a16:creationId xmlns:a16="http://schemas.microsoft.com/office/drawing/2014/main" id="{1EBE4B8A-3797-1789-A442-C36782F429B7}"/>
+              </a:ext>
+            </a:extLst>
+          </p:cNvPr>
+          <p:cNvSpPr txBox="1"/>
+          <p:nvPr/>
+        </p:nvSpPr>
+        <p:spPr>
+          <a:xfrm>
+            <a:off x="175490" y="64777"/>
+            <a:ext cx="5754255" cy="369332"/>
+          </a:xfrm>
+          <a:prstGeom prst="rect">
+            <a:avLst/>
+          </a:prstGeom>
+          <a:noFill/>
+        </p:spPr>
+        <p:txBody>
+          <a:bodyPr wrap="square" rtlCol="0">
+            <a:spAutoFit/>
+          </a:bodyPr>
+          <a:lstStyle/>
+          <a:p>
+            <a:r>
+              <a:rPr lang="en-IN" b="1" dirty="0"/>
+              <a:t>GENEFORMER ARCHITECTURE AND PRETRAINING</a:t>
             </a:r>
           </a:p>
         </p:txBody>
@@ -8154,7 +7258,7 @@
     </p:spTree>
     <p:extLst>
       <p:ext uri="{BB962C8B-B14F-4D97-AF65-F5344CB8AC3E}">
-        <p14:creationId xmlns:p14="http://schemas.microsoft.com/office/powerpoint/2010/main" val="3091622600"/>
+        <p14:creationId xmlns:p14="http://schemas.microsoft.com/office/powerpoint/2010/main" val="1593753094"/>
       </p:ext>
     </p:extLst>
   </p:cSld>
@@ -8183,10 +7287,10 @@
       </p:grpSpPr>
       <p:sp>
         <p:nvSpPr>
-          <p:cNvPr id="5" name="Rectangle 4">
-            <a:extLst>
-              <a:ext uri="{FF2B5EF4-FFF2-40B4-BE49-F238E27FC236}">
-                <a16:creationId xmlns:a16="http://schemas.microsoft.com/office/drawing/2014/main" id="{17025D63-7DCB-3D66-6466-971B65E0E9B5}"/>
+          <p:cNvPr id="4" name="Rectangle 3">
+            <a:extLst>
+              <a:ext uri="{FF2B5EF4-FFF2-40B4-BE49-F238E27FC236}">
+                <a16:creationId xmlns:a16="http://schemas.microsoft.com/office/drawing/2014/main" id="{AF7920D0-7E52-E5B6-30E4-AE0D7DF5F2B0}"/>
               </a:ext>
             </a:extLst>
           </p:cNvPr>
@@ -8195,8 +7299,8 @@
         </p:nvSpPr>
         <p:spPr>
           <a:xfrm>
-            <a:off x="4902079" y="2459181"/>
-            <a:ext cx="1838037" cy="969819"/>
+            <a:off x="0" y="544945"/>
+            <a:ext cx="3814618" cy="6248278"/>
           </a:xfrm>
           <a:prstGeom prst="rect">
             <a:avLst/>
@@ -8206,7 +7310,7 @@
           </a:solidFill>
           <a:ln>
             <a:solidFill>
-              <a:schemeClr val="tx1"/>
+              <a:srgbClr val="41B883"/>
             </a:solidFill>
           </a:ln>
         </p:spPr>
@@ -8231,28 +7335,16 @@
           <a:lstStyle/>
           <a:p>
             <a:pPr algn="ctr"/>
-            <a:r>
-              <a:rPr lang="en-IN" b="1" dirty="0" err="1">
-                <a:solidFill>
-                  <a:schemeClr val="bg1"/>
-                </a:solidFill>
-              </a:rPr>
-              <a:t>GeneFormer</a:t>
-            </a:r>
-            <a:endParaRPr lang="en-IN" b="1" dirty="0">
-              <a:solidFill>
-                <a:schemeClr val="bg1"/>
-              </a:solidFill>
-            </a:endParaRPr>
-          </a:p>
-        </p:txBody>
-      </p:sp>
-      <p:sp>
-        <p:nvSpPr>
-          <p:cNvPr id="6" name="Rectangle 5">
-            <a:extLst>
-              <a:ext uri="{FF2B5EF4-FFF2-40B4-BE49-F238E27FC236}">
-                <a16:creationId xmlns:a16="http://schemas.microsoft.com/office/drawing/2014/main" id="{98D26A4E-EDD4-D485-8D9C-2E5746333C14}"/>
+            <a:endParaRPr lang="en-IN"/>
+          </a:p>
+        </p:txBody>
+      </p:sp>
+      <p:sp>
+        <p:nvSpPr>
+          <p:cNvPr id="5" name="Rectangle 4">
+            <a:extLst>
+              <a:ext uri="{FF2B5EF4-FFF2-40B4-BE49-F238E27FC236}">
+                <a16:creationId xmlns:a16="http://schemas.microsoft.com/office/drawing/2014/main" id="{855D935A-796B-702C-B534-F74F12DBDB13}"/>
               </a:ext>
             </a:extLst>
           </p:cNvPr>
@@ -8261,20 +7353,18 @@
         </p:nvSpPr>
         <p:spPr>
           <a:xfrm>
-            <a:off x="193964" y="4532750"/>
-            <a:ext cx="1424646" cy="969819"/>
+            <a:off x="196269" y="4074592"/>
+            <a:ext cx="3499427" cy="1200329"/>
           </a:xfrm>
           <a:prstGeom prst="rect">
             <a:avLst/>
           </a:prstGeom>
           <a:solidFill>
-            <a:schemeClr val="bg1">
-              <a:lumMod val="95000"/>
-            </a:schemeClr>
+            <a:srgbClr val="41B883"/>
           </a:solidFill>
           <a:ln>
             <a:solidFill>
-              <a:schemeClr val="tx1"/>
+              <a:schemeClr val="bg2"/>
             </a:solidFill>
           </a:ln>
         </p:spPr>
@@ -8299,23 +7389,16 @@
           <a:lstStyle/>
           <a:p>
             <a:pPr algn="ctr"/>
-            <a:r>
-              <a:rPr lang="en-IN" sz="1400" dirty="0">
-                <a:solidFill>
-                  <a:srgbClr val="484848"/>
-                </a:solidFill>
-              </a:rPr>
-              <a:t>Gene Dosage sensitivity prediction</a:t>
-            </a:r>
-          </a:p>
-        </p:txBody>
-      </p:sp>
-      <p:sp>
-        <p:nvSpPr>
-          <p:cNvPr id="7" name="TextBox 6">
-            <a:extLst>
-              <a:ext uri="{FF2B5EF4-FFF2-40B4-BE49-F238E27FC236}">
-                <a16:creationId xmlns:a16="http://schemas.microsoft.com/office/drawing/2014/main" id="{BE27F5F5-A2CD-FE3C-EAB5-A46039570D51}"/>
+            <a:endParaRPr lang="en-IN"/>
+          </a:p>
+        </p:txBody>
+      </p:sp>
+      <p:sp>
+        <p:nvSpPr>
+          <p:cNvPr id="6" name="TextBox 5">
+            <a:extLst>
+              <a:ext uri="{FF2B5EF4-FFF2-40B4-BE49-F238E27FC236}">
+                <a16:creationId xmlns:a16="http://schemas.microsoft.com/office/drawing/2014/main" id="{5E53BE8C-B66C-E68B-432B-A963E5CBA34F}"/>
               </a:ext>
             </a:extLst>
           </p:cNvPr>
@@ -8324,8 +7407,8 @@
         </p:nvSpPr>
         <p:spPr>
           <a:xfrm>
-            <a:off x="186311" y="52472"/>
-            <a:ext cx="4974501" cy="369332"/>
+            <a:off x="196271" y="4141553"/>
+            <a:ext cx="3433619" cy="1015663"/>
           </a:xfrm>
           <a:prstGeom prst="rect">
             <a:avLst/>
@@ -8339,43 +7422,52 @@
           <a:lstStyle/>
           <a:p>
             <a:r>
-              <a:rPr lang="en-US" b="1" dirty="0" err="1">
-                <a:ea typeface="Verdana" panose="020B0604030504040204" pitchFamily="34" charset="0"/>
-                <a:cs typeface="Times New Roman" panose="02020603050405020304" pitchFamily="18" charset="0"/>
+              <a:rPr lang="en-IN" b="1" dirty="0">
+                <a:solidFill>
+                  <a:schemeClr val="bg1">
+                    <a:lumMod val="95000"/>
+                  </a:schemeClr>
+                </a:solidFill>
               </a:rPr>
-              <a:t>GeneFormer</a:t>
-            </a:r>
-            <a:r>
-              <a:rPr lang="en-US" b="1" dirty="0">
-                <a:ea typeface="Verdana" panose="020B0604030504040204" pitchFamily="34" charset="0"/>
-                <a:cs typeface="Times New Roman" panose="02020603050405020304" pitchFamily="18" charset="0"/>
+              <a:t>GENEFORMER’s ENCODER</a:t>
+            </a:r>
+          </a:p>
+          <a:p>
+            <a:endParaRPr lang="en-IN" b="1" dirty="0">
+              <a:solidFill>
+                <a:schemeClr val="bg1">
+                  <a:lumMod val="95000"/>
+                </a:schemeClr>
+              </a:solidFill>
+            </a:endParaRPr>
+          </a:p>
+          <a:p>
+            <a:r>
+              <a:rPr lang="en-US" sz="1200" dirty="0">
+                <a:solidFill>
+                  <a:schemeClr val="bg1">
+                    <a:lumMod val="95000"/>
+                  </a:schemeClr>
+                </a:solidFill>
               </a:rPr>
-              <a:t> </a:t>
-            </a:r>
-            <a:r>
-              <a:rPr lang="en-US" b="1" dirty="0" err="1">
-                <a:ea typeface="Verdana" panose="020B0604030504040204" pitchFamily="34" charset="0"/>
-                <a:cs typeface="Times New Roman" panose="02020603050405020304" pitchFamily="18" charset="0"/>
-              </a:rPr>
-              <a:t>DownStream</a:t>
-            </a:r>
-            <a:r>
-              <a:rPr lang="en-US" b="1" dirty="0">
-                <a:ea typeface="Verdana" panose="020B0604030504040204" pitchFamily="34" charset="0"/>
-                <a:cs typeface="Times New Roman" panose="02020603050405020304" pitchFamily="18" charset="0"/>
-              </a:rPr>
-              <a:t> Tasks</a:t>
-            </a:r>
-            <a:endParaRPr lang="en-IN" dirty="0"/>
-          </a:p>
-        </p:txBody>
-      </p:sp>
-      <p:sp>
-        <p:nvSpPr>
-          <p:cNvPr id="9" name="Rectangle 8">
-            <a:extLst>
-              <a:ext uri="{FF2B5EF4-FFF2-40B4-BE49-F238E27FC236}">
-                <a16:creationId xmlns:a16="http://schemas.microsoft.com/office/drawing/2014/main" id="{2B8D883B-CA3F-A06A-891F-7E38BC35FC4D}"/>
+              <a:t>each composed of a self-attention layer + feed forward neural network layer network layer</a:t>
+            </a:r>
+            <a:endParaRPr lang="en-IN" sz="1200" dirty="0">
+              <a:solidFill>
+                <a:schemeClr val="bg1">
+                  <a:lumMod val="95000"/>
+                </a:schemeClr>
+              </a:solidFill>
+            </a:endParaRPr>
+          </a:p>
+        </p:txBody>
+      </p:sp>
+      <p:sp>
+        <p:nvSpPr>
+          <p:cNvPr id="7" name="Rectangle 6">
+            <a:extLst>
+              <a:ext uri="{FF2B5EF4-FFF2-40B4-BE49-F238E27FC236}">
+                <a16:creationId xmlns:a16="http://schemas.microsoft.com/office/drawing/2014/main" id="{BA9EB939-8BC4-955E-D14E-C576EC168027}"/>
               </a:ext>
             </a:extLst>
           </p:cNvPr>
@@ -8384,20 +7476,18 @@
         </p:nvSpPr>
         <p:spPr>
           <a:xfrm>
-            <a:off x="2025956" y="4532747"/>
-            <a:ext cx="1424647" cy="969819"/>
+            <a:off x="177417" y="684454"/>
+            <a:ext cx="3535220" cy="1126301"/>
           </a:xfrm>
           <a:prstGeom prst="rect">
             <a:avLst/>
           </a:prstGeom>
           <a:solidFill>
-            <a:schemeClr val="bg1">
-              <a:lumMod val="95000"/>
-            </a:schemeClr>
+            <a:srgbClr val="41B883"/>
           </a:solidFill>
           <a:ln>
             <a:solidFill>
-              <a:schemeClr val="tx1"/>
+              <a:schemeClr val="bg2"/>
             </a:solidFill>
           </a:ln>
         </p:spPr>
@@ -8422,23 +7512,77 @@
           <a:lstStyle/>
           <a:p>
             <a:pPr algn="ctr"/>
-            <a:r>
-              <a:rPr lang="en-IN" sz="1400" dirty="0">
+            <a:endParaRPr lang="en-IN"/>
+          </a:p>
+        </p:txBody>
+      </p:sp>
+      <p:sp>
+        <p:nvSpPr>
+          <p:cNvPr id="8" name="TextBox 7">
+            <a:extLst>
+              <a:ext uri="{FF2B5EF4-FFF2-40B4-BE49-F238E27FC236}">
+                <a16:creationId xmlns:a16="http://schemas.microsoft.com/office/drawing/2014/main" id="{2C4E7B31-7699-7818-7B89-C93134963BEC}"/>
+              </a:ext>
+            </a:extLst>
+          </p:cNvPr>
+          <p:cNvSpPr txBox="1"/>
+          <p:nvPr/>
+        </p:nvSpPr>
+        <p:spPr>
+          <a:xfrm>
+            <a:off x="194354" y="764315"/>
+            <a:ext cx="3499429" cy="1046440"/>
+          </a:xfrm>
+          <a:prstGeom prst="rect">
+            <a:avLst/>
+          </a:prstGeom>
+          <a:noFill/>
+        </p:spPr>
+        <p:txBody>
+          <a:bodyPr wrap="square">
+            <a:spAutoFit/>
+          </a:bodyPr>
+          <a:lstStyle/>
+          <a:p>
+            <a:r>
+              <a:rPr lang="en-IN" b="1" dirty="0">
                 <a:solidFill>
-                  <a:srgbClr val="484848"/>
+                  <a:schemeClr val="bg1"/>
                 </a:solidFill>
               </a:rPr>
-              <a:t>Chromatin dynamics prediction</a:t>
-            </a:r>
-          </a:p>
-        </p:txBody>
-      </p:sp>
-      <p:sp>
-        <p:nvSpPr>
-          <p:cNvPr id="10" name="Rectangle 9">
-            <a:extLst>
-              <a:ext uri="{FF2B5EF4-FFF2-40B4-BE49-F238E27FC236}">
-                <a16:creationId xmlns:a16="http://schemas.microsoft.com/office/drawing/2014/main" id="{9A928388-E8BA-B673-5F01-E56CBE31F0DF}"/>
+              <a:t>Rank Value Encoding</a:t>
+            </a:r>
+          </a:p>
+          <a:p>
+            <a:endParaRPr lang="en-IN" sz="800" b="1" dirty="0">
+              <a:solidFill>
+                <a:schemeClr val="bg1"/>
+              </a:solidFill>
+            </a:endParaRPr>
+          </a:p>
+          <a:p>
+            <a:r>
+              <a:rPr lang="en-US" sz="1200" dirty="0">
+                <a:solidFill>
+                  <a:schemeClr val="bg1"/>
+                </a:solidFill>
+              </a:rPr>
+              <a:t>where genes are ranked by their expression in that cell normalized by their expression across the entire Genecorpus-30M</a:t>
+            </a:r>
+            <a:endParaRPr lang="en-IN" sz="1200" dirty="0">
+              <a:solidFill>
+                <a:schemeClr val="bg1"/>
+              </a:solidFill>
+            </a:endParaRPr>
+          </a:p>
+        </p:txBody>
+      </p:sp>
+      <p:sp>
+        <p:nvSpPr>
+          <p:cNvPr id="9" name="Rectangle 8">
+            <a:extLst>
+              <a:ext uri="{FF2B5EF4-FFF2-40B4-BE49-F238E27FC236}">
+                <a16:creationId xmlns:a16="http://schemas.microsoft.com/office/drawing/2014/main" id="{E602424C-EB3E-F34B-B534-8BE23DAB8E4E}"/>
               </a:ext>
             </a:extLst>
           </p:cNvPr>
@@ -8447,20 +7591,20 @@
         </p:nvSpPr>
         <p:spPr>
           <a:xfrm>
-            <a:off x="3923527" y="4532745"/>
-            <a:ext cx="1424646" cy="969819"/>
+            <a:off x="196270" y="2329489"/>
+            <a:ext cx="3499428" cy="1360049"/>
           </a:xfrm>
           <a:prstGeom prst="rect">
             <a:avLst/>
           </a:prstGeom>
           <a:solidFill>
-            <a:schemeClr val="bg1">
-              <a:lumMod val="95000"/>
-            </a:schemeClr>
+            <a:srgbClr val="41B883"/>
           </a:solidFill>
           <a:ln>
             <a:solidFill>
-              <a:schemeClr val="tx1"/>
+              <a:schemeClr val="bg1">
+                <a:lumMod val="95000"/>
+              </a:schemeClr>
             </a:solidFill>
           </a:ln>
         </p:spPr>
@@ -8485,248 +7629,108 @@
           <a:lstStyle/>
           <a:p>
             <a:pPr algn="ctr"/>
-            <a:r>
-              <a:rPr lang="en-IN" sz="1400" dirty="0">
+            <a:endParaRPr lang="en-IN"/>
+          </a:p>
+        </p:txBody>
+      </p:sp>
+      <p:sp>
+        <p:nvSpPr>
+          <p:cNvPr id="10" name="TextBox 9">
+            <a:extLst>
+              <a:ext uri="{FF2B5EF4-FFF2-40B4-BE49-F238E27FC236}">
+                <a16:creationId xmlns:a16="http://schemas.microsoft.com/office/drawing/2014/main" id="{CAA6C02D-FD5A-0207-428F-6EDB03A2BC7D}"/>
+              </a:ext>
+            </a:extLst>
+          </p:cNvPr>
+          <p:cNvSpPr txBox="1"/>
+          <p:nvPr/>
+        </p:nvSpPr>
+        <p:spPr>
+          <a:xfrm>
+            <a:off x="167410" y="2413005"/>
+            <a:ext cx="3564660" cy="1200329"/>
+          </a:xfrm>
+          <a:prstGeom prst="rect">
+            <a:avLst/>
+          </a:prstGeom>
+          <a:noFill/>
+        </p:spPr>
+        <p:txBody>
+          <a:bodyPr wrap="square">
+            <a:spAutoFit/>
+          </a:bodyPr>
+          <a:lstStyle/>
+          <a:p>
+            <a:r>
+              <a:rPr lang="en-IN" b="1" dirty="0">
                 <a:solidFill>
-                  <a:srgbClr val="484848"/>
+                  <a:schemeClr val="bg1">
+                    <a:lumMod val="95000"/>
+                  </a:schemeClr>
                 </a:solidFill>
               </a:rPr>
-              <a:t>Network dynamics prediction</a:t>
-            </a:r>
-          </a:p>
-        </p:txBody>
-      </p:sp>
-      <p:sp>
-        <p:nvSpPr>
-          <p:cNvPr id="11" name="Rectangle 10">
-            <a:extLst>
-              <a:ext uri="{FF2B5EF4-FFF2-40B4-BE49-F238E27FC236}">
-                <a16:creationId xmlns:a16="http://schemas.microsoft.com/office/drawing/2014/main" id="{7C093444-5E85-590C-B64D-BD42C259EB8C}"/>
-              </a:ext>
-            </a:extLst>
-          </p:cNvPr>
-          <p:cNvSpPr/>
-          <p:nvPr/>
-        </p:nvSpPr>
-        <p:spPr>
-          <a:xfrm>
-            <a:off x="5946972" y="4532747"/>
-            <a:ext cx="1424646" cy="969819"/>
-          </a:xfrm>
-          <a:prstGeom prst="rect">
-            <a:avLst/>
-          </a:prstGeom>
-          <a:solidFill>
-            <a:schemeClr val="bg1">
-              <a:lumMod val="95000"/>
-            </a:schemeClr>
-          </a:solidFill>
-          <a:ln>
-            <a:solidFill>
-              <a:schemeClr val="tx1"/>
-            </a:solidFill>
-          </a:ln>
-        </p:spPr>
-        <p:style>
-          <a:lnRef idx="2">
-            <a:schemeClr val="accent1">
-              <a:shade val="15000"/>
-            </a:schemeClr>
-          </a:lnRef>
-          <a:fillRef idx="1">
-            <a:schemeClr val="accent1"/>
-          </a:fillRef>
-          <a:effectRef idx="0">
-            <a:schemeClr val="accent1"/>
-          </a:effectRef>
-          <a:fontRef idx="minor">
-            <a:schemeClr val="lt1"/>
-          </a:fontRef>
-        </p:style>
-        <p:txBody>
-          <a:bodyPr rtlCol="0" anchor="ctr"/>
-          <a:lstStyle/>
-          <a:p>
-            <a:pPr algn="ctr"/>
-            <a:r>
-              <a:rPr lang="en-IN" sz="1400" dirty="0">
+              <a:t>PRETRAINING PROCESS</a:t>
+            </a:r>
+          </a:p>
+          <a:p>
+            <a:endParaRPr lang="en-IN" b="1" dirty="0">
+              <a:solidFill>
+                <a:schemeClr val="bg1">
+                  <a:lumMod val="95000"/>
+                </a:schemeClr>
+              </a:solidFill>
+            </a:endParaRPr>
+          </a:p>
+          <a:p>
+            <a:r>
+              <a:rPr lang="en-US" sz="1200" dirty="0">
                 <a:solidFill>
-                  <a:srgbClr val="484848"/>
+                  <a:schemeClr val="bg1">
+                    <a:lumMod val="95000"/>
+                  </a:schemeClr>
                 </a:solidFill>
               </a:rPr>
-              <a:t>Pretraining Encoded Network Hierarchy</a:t>
-            </a:r>
-          </a:p>
-        </p:txBody>
-      </p:sp>
-      <p:sp>
-        <p:nvSpPr>
-          <p:cNvPr id="12" name="Rectangle 11">
-            <a:extLst>
-              <a:ext uri="{FF2B5EF4-FFF2-40B4-BE49-F238E27FC236}">
-                <a16:creationId xmlns:a16="http://schemas.microsoft.com/office/drawing/2014/main" id="{14FB91FF-3FE1-A478-7DD4-211A822FC470}"/>
-              </a:ext>
-            </a:extLst>
-          </p:cNvPr>
-          <p:cNvSpPr/>
-          <p:nvPr/>
-        </p:nvSpPr>
-        <p:spPr>
-          <a:xfrm>
-            <a:off x="8046021" y="4532747"/>
-            <a:ext cx="1424646" cy="969819"/>
-          </a:xfrm>
-          <a:prstGeom prst="rect">
-            <a:avLst/>
-          </a:prstGeom>
-          <a:solidFill>
-            <a:schemeClr val="bg1">
-              <a:lumMod val="95000"/>
-            </a:schemeClr>
-          </a:solidFill>
-          <a:ln>
-            <a:solidFill>
-              <a:schemeClr val="tx1"/>
-            </a:solidFill>
-          </a:ln>
-        </p:spPr>
-        <p:style>
-          <a:lnRef idx="2">
-            <a:schemeClr val="accent1">
-              <a:shade val="15000"/>
-            </a:schemeClr>
-          </a:lnRef>
-          <a:fillRef idx="1">
-            <a:schemeClr val="accent1"/>
-          </a:fillRef>
-          <a:effectRef idx="0">
-            <a:schemeClr val="accent1"/>
-          </a:effectRef>
-          <a:fontRef idx="minor">
-            <a:schemeClr val="lt1"/>
-          </a:fontRef>
-        </p:style>
-        <p:txBody>
-          <a:bodyPr rtlCol="0" anchor="ctr"/>
-          <a:lstStyle/>
-          <a:p>
-            <a:pPr algn="ctr"/>
-            <a:r>
-              <a:rPr lang="en-IN" sz="1400" dirty="0" err="1">
-                <a:solidFill>
-                  <a:srgbClr val="484848"/>
-                </a:solidFill>
-              </a:rPr>
-              <a:t>Insilico</a:t>
-            </a:r>
-            <a:r>
-              <a:rPr lang="en-IN" sz="1400" dirty="0">
-                <a:solidFill>
-                  <a:srgbClr val="484848"/>
-                </a:solidFill>
-              </a:rPr>
-              <a:t> Gene Network Analysis</a:t>
-            </a:r>
-          </a:p>
-        </p:txBody>
-      </p:sp>
-      <p:sp>
-        <p:nvSpPr>
-          <p:cNvPr id="13" name="Rectangle 12">
-            <a:extLst>
-              <a:ext uri="{FF2B5EF4-FFF2-40B4-BE49-F238E27FC236}">
-                <a16:creationId xmlns:a16="http://schemas.microsoft.com/office/drawing/2014/main" id="{C0AE391A-F257-8344-5A5A-9CE4BA7733E4}"/>
-              </a:ext>
-            </a:extLst>
-          </p:cNvPr>
-          <p:cNvSpPr/>
-          <p:nvPr/>
-        </p:nvSpPr>
-        <p:spPr>
-          <a:xfrm>
-            <a:off x="10062651" y="4532748"/>
-            <a:ext cx="1424647" cy="969819"/>
-          </a:xfrm>
-          <a:prstGeom prst="rect">
-            <a:avLst/>
-          </a:prstGeom>
-          <a:solidFill>
-            <a:schemeClr val="bg1">
-              <a:lumMod val="95000"/>
-            </a:schemeClr>
-          </a:solidFill>
-          <a:ln>
-            <a:solidFill>
-              <a:schemeClr val="tx1"/>
-            </a:solidFill>
-          </a:ln>
-        </p:spPr>
-        <p:style>
-          <a:lnRef idx="2">
-            <a:schemeClr val="accent1">
-              <a:shade val="15000"/>
-            </a:schemeClr>
-          </a:lnRef>
-          <a:fillRef idx="1">
-            <a:schemeClr val="accent1"/>
-          </a:fillRef>
-          <a:effectRef idx="0">
-            <a:schemeClr val="accent1"/>
-          </a:effectRef>
-          <a:fontRef idx="minor">
-            <a:schemeClr val="lt1"/>
-          </a:fontRef>
-        </p:style>
-        <p:txBody>
-          <a:bodyPr rtlCol="0" anchor="ctr"/>
-          <a:lstStyle/>
-          <a:p>
-            <a:pPr algn="ctr"/>
-            <a:r>
-              <a:rPr lang="en-IN" sz="1400" dirty="0" err="1">
-                <a:solidFill>
-                  <a:srgbClr val="484848"/>
-                </a:solidFill>
-              </a:rPr>
-              <a:t>Insilico</a:t>
-            </a:r>
-            <a:r>
-              <a:rPr lang="en-IN" sz="1400" dirty="0">
-                <a:solidFill>
-                  <a:srgbClr val="484848"/>
-                </a:solidFill>
-              </a:rPr>
-              <a:t> Treatment Analysis</a:t>
-            </a:r>
+              <a:t>15% of the genes are masked and the model is trained to predict these masked genes in a self supervised manner</a:t>
+            </a:r>
+            <a:endParaRPr lang="en-IN" sz="1200" dirty="0">
+              <a:solidFill>
+                <a:schemeClr val="bg1">
+                  <a:lumMod val="95000"/>
+                </a:schemeClr>
+              </a:solidFill>
+            </a:endParaRPr>
           </a:p>
         </p:txBody>
       </p:sp>
       <p:cxnSp>
         <p:nvCxnSpPr>
-          <p:cNvPr id="17" name="Connector: Elbow 16">
-            <a:extLst>
-              <a:ext uri="{FF2B5EF4-FFF2-40B4-BE49-F238E27FC236}">
-                <a16:creationId xmlns:a16="http://schemas.microsoft.com/office/drawing/2014/main" id="{0D53D7E8-EDF2-BB9F-884A-04310B4FD752}"/>
+          <p:cNvPr id="11" name="Straight Arrow Connector 10">
+            <a:extLst>
+              <a:ext uri="{FF2B5EF4-FFF2-40B4-BE49-F238E27FC236}">
+                <a16:creationId xmlns:a16="http://schemas.microsoft.com/office/drawing/2014/main" id="{5B29F0FC-4E1A-E997-16A5-6B94DE02F146}"/>
               </a:ext>
             </a:extLst>
           </p:cNvPr>
           <p:cNvCxnSpPr>
-            <a:stCxn id="5" idx="2"/>
-            <a:endCxn id="6" idx="0"/>
+            <a:cxnSpLocks/>
+            <a:stCxn id="7" idx="2"/>
+            <a:endCxn id="9" idx="0"/>
           </p:cNvCxnSpPr>
           <p:nvPr/>
         </p:nvCxnSpPr>
         <p:spPr>
-          <a:xfrm rot="5400000">
-            <a:off x="2811818" y="1523470"/>
-            <a:ext cx="1103750" cy="4914811"/>
-          </a:xfrm>
-          <a:prstGeom prst="bentConnector3">
+          <a:xfrm>
+            <a:off x="1945027" y="1810755"/>
+            <a:ext cx="957" cy="518734"/>
+          </a:xfrm>
+          <a:prstGeom prst="straightConnector1">
             <a:avLst/>
           </a:prstGeom>
           <a:ln>
             <a:solidFill>
-              <a:schemeClr val="tx1"/>
+              <a:schemeClr val="bg1">
+                <a:lumMod val="95000"/>
+              </a:schemeClr>
             </a:solidFill>
             <a:tailEnd type="triangle"/>
           </a:ln>
@@ -8748,30 +7752,386 @@
       </p:cxnSp>
       <p:cxnSp>
         <p:nvCxnSpPr>
-          <p:cNvPr id="19" name="Connector: Elbow 18">
-            <a:extLst>
-              <a:ext uri="{FF2B5EF4-FFF2-40B4-BE49-F238E27FC236}">
-                <a16:creationId xmlns:a16="http://schemas.microsoft.com/office/drawing/2014/main" id="{EB9F1DCA-6647-A3BF-7B62-94EC7B342EC3}"/>
+          <p:cNvPr id="12" name="Straight Arrow Connector 11">
+            <a:extLst>
+              <a:ext uri="{FF2B5EF4-FFF2-40B4-BE49-F238E27FC236}">
+                <a16:creationId xmlns:a16="http://schemas.microsoft.com/office/drawing/2014/main" id="{D56173C2-D5A1-AE5B-F34B-DA4F101C6EC4}"/>
               </a:ext>
             </a:extLst>
           </p:cNvPr>
           <p:cNvCxnSpPr>
-            <a:stCxn id="5" idx="2"/>
-            <a:endCxn id="13" idx="0"/>
+            <a:cxnSpLocks/>
+            <a:stCxn id="9" idx="2"/>
+            <a:endCxn id="5" idx="0"/>
           </p:cNvCxnSpPr>
           <p:nvPr/>
         </p:nvCxnSpPr>
         <p:spPr>
-          <a:xfrm rot="16200000" flipH="1">
-            <a:off x="7746162" y="1503935"/>
-            <a:ext cx="1103748" cy="4953877"/>
-          </a:xfrm>
-          <a:prstGeom prst="bentConnector3">
+          <a:xfrm flipH="1">
+            <a:off x="1945983" y="3689538"/>
+            <a:ext cx="1" cy="385054"/>
+          </a:xfrm>
+          <a:prstGeom prst="straightConnector1">
             <a:avLst/>
           </a:prstGeom>
           <a:ln>
             <a:solidFill>
-              <a:schemeClr val="tx1"/>
+              <a:schemeClr val="bg1">
+                <a:lumMod val="95000"/>
+              </a:schemeClr>
+            </a:solidFill>
+            <a:tailEnd type="triangle"/>
+          </a:ln>
+        </p:spPr>
+        <p:style>
+          <a:lnRef idx="1">
+            <a:schemeClr val="accent1"/>
+          </a:lnRef>
+          <a:fillRef idx="0">
+            <a:schemeClr val="accent1"/>
+          </a:fillRef>
+          <a:effectRef idx="0">
+            <a:schemeClr val="accent1"/>
+          </a:effectRef>
+          <a:fontRef idx="minor">
+            <a:schemeClr val="tx1"/>
+          </a:fontRef>
+        </p:style>
+      </p:cxnSp>
+      <p:pic>
+        <p:nvPicPr>
+          <p:cNvPr id="20" name="Picture 19">
+            <a:extLst>
+              <a:ext uri="{FF2B5EF4-FFF2-40B4-BE49-F238E27FC236}">
+                <a16:creationId xmlns:a16="http://schemas.microsoft.com/office/drawing/2014/main" id="{D564C9D8-AB30-50AC-75EE-2D086DDA14A3}"/>
+              </a:ext>
+            </a:extLst>
+          </p:cNvPr>
+          <p:cNvPicPr>
+            <a:picLocks noChangeAspect="1"/>
+          </p:cNvPicPr>
+          <p:nvPr/>
+        </p:nvPicPr>
+        <p:blipFill>
+          <a:blip r:embed="rId3"/>
+          <a:srcRect l="-287" t="5060" r="-1"/>
+          <a:stretch/>
+        </p:blipFill>
+        <p:spPr>
+          <a:xfrm>
+            <a:off x="3883885" y="579208"/>
+            <a:ext cx="6728697" cy="2122117"/>
+          </a:xfrm>
+          <a:prstGeom prst="rect">
+            <a:avLst/>
+          </a:prstGeom>
+          <a:ln>
+            <a:solidFill>
+              <a:schemeClr val="tx1">
+                <a:lumMod val="65000"/>
+                <a:lumOff val="35000"/>
+              </a:schemeClr>
+            </a:solidFill>
+          </a:ln>
+        </p:spPr>
+      </p:pic>
+      <p:sp>
+        <p:nvSpPr>
+          <p:cNvPr id="21" name="TextBox 20">
+            <a:extLst>
+              <a:ext uri="{FF2B5EF4-FFF2-40B4-BE49-F238E27FC236}">
+                <a16:creationId xmlns:a16="http://schemas.microsoft.com/office/drawing/2014/main" id="{53680249-743C-E41F-D566-C518CC548D72}"/>
+              </a:ext>
+            </a:extLst>
+          </p:cNvPr>
+          <p:cNvSpPr txBox="1"/>
+          <p:nvPr/>
+        </p:nvSpPr>
+        <p:spPr>
+          <a:xfrm>
+            <a:off x="175490" y="64777"/>
+            <a:ext cx="5754255" cy="369332"/>
+          </a:xfrm>
+          <a:prstGeom prst="rect">
+            <a:avLst/>
+          </a:prstGeom>
+          <a:noFill/>
+        </p:spPr>
+        <p:txBody>
+          <a:bodyPr wrap="square" rtlCol="0">
+            <a:spAutoFit/>
+          </a:bodyPr>
+          <a:lstStyle/>
+          <a:p>
+            <a:r>
+              <a:rPr lang="en-IN" b="1" dirty="0"/>
+              <a:t>GENEFORMER ARCHITECTURE AND PRETRAINING</a:t>
+            </a:r>
+          </a:p>
+        </p:txBody>
+      </p:sp>
+      <p:cxnSp>
+        <p:nvCxnSpPr>
+          <p:cNvPr id="22" name="Straight Connector 21">
+            <a:extLst>
+              <a:ext uri="{FF2B5EF4-FFF2-40B4-BE49-F238E27FC236}">
+                <a16:creationId xmlns:a16="http://schemas.microsoft.com/office/drawing/2014/main" id="{E2DE3735-BB31-81F5-5B81-00CCD62D9102}"/>
+              </a:ext>
+            </a:extLst>
+          </p:cNvPr>
+          <p:cNvCxnSpPr>
+            <a:cxnSpLocks/>
+          </p:cNvCxnSpPr>
+          <p:nvPr/>
+        </p:nvCxnSpPr>
+        <p:spPr>
+          <a:xfrm>
+            <a:off x="121659" y="450689"/>
+            <a:ext cx="11918660" cy="0"/>
+          </a:xfrm>
+          <a:prstGeom prst="line">
+            <a:avLst/>
+          </a:prstGeom>
+          <a:ln>
+            <a:solidFill>
+              <a:schemeClr val="tx1">
+                <a:lumMod val="75000"/>
+                <a:lumOff val="25000"/>
+              </a:schemeClr>
+            </a:solidFill>
+          </a:ln>
+        </p:spPr>
+        <p:style>
+          <a:lnRef idx="1">
+            <a:schemeClr val="accent1"/>
+          </a:lnRef>
+          <a:fillRef idx="0">
+            <a:schemeClr val="accent1"/>
+          </a:fillRef>
+          <a:effectRef idx="0">
+            <a:schemeClr val="accent1"/>
+          </a:effectRef>
+          <a:fontRef idx="minor">
+            <a:schemeClr val="tx1"/>
+          </a:fontRef>
+        </p:style>
+      </p:cxnSp>
+      <p:sp>
+        <p:nvSpPr>
+          <p:cNvPr id="26" name="Rectangle 25">
+            <a:extLst>
+              <a:ext uri="{FF2B5EF4-FFF2-40B4-BE49-F238E27FC236}">
+                <a16:creationId xmlns:a16="http://schemas.microsoft.com/office/drawing/2014/main" id="{5E88DC33-8A3D-60EE-2C00-698C52140D52}"/>
+              </a:ext>
+            </a:extLst>
+          </p:cNvPr>
+          <p:cNvSpPr/>
+          <p:nvPr/>
+        </p:nvSpPr>
+        <p:spPr>
+          <a:xfrm>
+            <a:off x="213210" y="5976594"/>
+            <a:ext cx="1731817" cy="657642"/>
+          </a:xfrm>
+          <a:prstGeom prst="rect">
+            <a:avLst/>
+          </a:prstGeom>
+          <a:solidFill>
+            <a:srgbClr val="41B883"/>
+          </a:solidFill>
+          <a:ln>
+            <a:solidFill>
+              <a:schemeClr val="bg2"/>
+            </a:solidFill>
+          </a:ln>
+        </p:spPr>
+        <p:style>
+          <a:lnRef idx="2">
+            <a:schemeClr val="accent1">
+              <a:shade val="15000"/>
+            </a:schemeClr>
+          </a:lnRef>
+          <a:fillRef idx="1">
+            <a:schemeClr val="accent1"/>
+          </a:fillRef>
+          <a:effectRef idx="0">
+            <a:schemeClr val="accent1"/>
+          </a:effectRef>
+          <a:fontRef idx="minor">
+            <a:schemeClr val="lt1"/>
+          </a:fontRef>
+        </p:style>
+        <p:txBody>
+          <a:bodyPr rtlCol="0" anchor="ctr"/>
+          <a:lstStyle/>
+          <a:p>
+            <a:pPr algn="ctr"/>
+            <a:endParaRPr lang="en-IN"/>
+          </a:p>
+        </p:txBody>
+      </p:sp>
+      <p:sp>
+        <p:nvSpPr>
+          <p:cNvPr id="27" name="Rectangle 26">
+            <a:extLst>
+              <a:ext uri="{FF2B5EF4-FFF2-40B4-BE49-F238E27FC236}">
+                <a16:creationId xmlns:a16="http://schemas.microsoft.com/office/drawing/2014/main" id="{3BA3ED9C-856C-3732-ECFD-4D792BF6F0E0}"/>
+              </a:ext>
+            </a:extLst>
+          </p:cNvPr>
+          <p:cNvSpPr/>
+          <p:nvPr/>
+        </p:nvSpPr>
+        <p:spPr>
+          <a:xfrm>
+            <a:off x="2013914" y="5976594"/>
+            <a:ext cx="1731817" cy="657642"/>
+          </a:xfrm>
+          <a:prstGeom prst="rect">
+            <a:avLst/>
+          </a:prstGeom>
+          <a:solidFill>
+            <a:srgbClr val="41B883"/>
+          </a:solidFill>
+          <a:ln>
+            <a:solidFill>
+              <a:schemeClr val="bg2"/>
+            </a:solidFill>
+          </a:ln>
+        </p:spPr>
+        <p:style>
+          <a:lnRef idx="2">
+            <a:schemeClr val="accent1">
+              <a:shade val="15000"/>
+            </a:schemeClr>
+          </a:lnRef>
+          <a:fillRef idx="1">
+            <a:schemeClr val="accent1"/>
+          </a:fillRef>
+          <a:effectRef idx="0">
+            <a:schemeClr val="accent1"/>
+          </a:effectRef>
+          <a:fontRef idx="minor">
+            <a:schemeClr val="lt1"/>
+          </a:fontRef>
+        </p:style>
+        <p:txBody>
+          <a:bodyPr rtlCol="0" anchor="ctr"/>
+          <a:lstStyle/>
+          <a:p>
+            <a:pPr algn="ctr"/>
+            <a:endParaRPr lang="en-IN"/>
+          </a:p>
+        </p:txBody>
+      </p:sp>
+      <p:sp>
+        <p:nvSpPr>
+          <p:cNvPr id="29" name="TextBox 28">
+            <a:extLst>
+              <a:ext uri="{FF2B5EF4-FFF2-40B4-BE49-F238E27FC236}">
+                <a16:creationId xmlns:a16="http://schemas.microsoft.com/office/drawing/2014/main" id="{ED965FB9-ACD7-B524-0A61-88AE38E9E46F}"/>
+              </a:ext>
+            </a:extLst>
+          </p:cNvPr>
+          <p:cNvSpPr txBox="1"/>
+          <p:nvPr/>
+        </p:nvSpPr>
+        <p:spPr>
+          <a:xfrm>
+            <a:off x="213210" y="6026658"/>
+            <a:ext cx="1731817" cy="646331"/>
+          </a:xfrm>
+          <a:prstGeom prst="rect">
+            <a:avLst/>
+          </a:prstGeom>
+          <a:noFill/>
+        </p:spPr>
+        <p:txBody>
+          <a:bodyPr wrap="square">
+            <a:spAutoFit/>
+          </a:bodyPr>
+          <a:lstStyle/>
+          <a:p>
+            <a:r>
+              <a:rPr lang="en-IN" b="1" dirty="0">
+                <a:solidFill>
+                  <a:schemeClr val="bg1">
+                    <a:lumMod val="95000"/>
+                  </a:schemeClr>
+                </a:solidFill>
+              </a:rPr>
+              <a:t>GENE EMBEDDINGS</a:t>
+            </a:r>
+          </a:p>
+        </p:txBody>
+      </p:sp>
+      <p:sp>
+        <p:nvSpPr>
+          <p:cNvPr id="30" name="TextBox 29">
+            <a:extLst>
+              <a:ext uri="{FF2B5EF4-FFF2-40B4-BE49-F238E27FC236}">
+                <a16:creationId xmlns:a16="http://schemas.microsoft.com/office/drawing/2014/main" id="{11E2D91E-8D5E-95D8-3E4D-692B2123143D}"/>
+              </a:ext>
+            </a:extLst>
+          </p:cNvPr>
+          <p:cNvSpPr txBox="1"/>
+          <p:nvPr/>
+        </p:nvSpPr>
+        <p:spPr>
+          <a:xfrm>
+            <a:off x="2048357" y="5989889"/>
+            <a:ext cx="1731817" cy="646331"/>
+          </a:xfrm>
+          <a:prstGeom prst="rect">
+            <a:avLst/>
+          </a:prstGeom>
+          <a:noFill/>
+        </p:spPr>
+        <p:txBody>
+          <a:bodyPr wrap="square">
+            <a:spAutoFit/>
+          </a:bodyPr>
+          <a:lstStyle/>
+          <a:p>
+            <a:r>
+              <a:rPr lang="en-IN" b="1" dirty="0">
+                <a:solidFill>
+                  <a:schemeClr val="bg1">
+                    <a:lumMod val="95000"/>
+                  </a:schemeClr>
+                </a:solidFill>
+              </a:rPr>
+              <a:t>CELL EMBEDDINGS</a:t>
+            </a:r>
+          </a:p>
+        </p:txBody>
+      </p:sp>
+      <p:cxnSp>
+        <p:nvCxnSpPr>
+          <p:cNvPr id="32" name="Connector: Elbow 31">
+            <a:extLst>
+              <a:ext uri="{FF2B5EF4-FFF2-40B4-BE49-F238E27FC236}">
+                <a16:creationId xmlns:a16="http://schemas.microsoft.com/office/drawing/2014/main" id="{6C833910-85F3-B90A-90DA-8F7C7D79793F}"/>
+              </a:ext>
+            </a:extLst>
+          </p:cNvPr>
+          <p:cNvCxnSpPr>
+            <a:stCxn id="5" idx="2"/>
+            <a:endCxn id="26" idx="0"/>
+          </p:cNvCxnSpPr>
+          <p:nvPr/>
+        </p:nvCxnSpPr>
+        <p:spPr>
+          <a:xfrm rot="5400000">
+            <a:off x="1161715" y="5192325"/>
+            <a:ext cx="701673" cy="866864"/>
+          </a:xfrm>
+          <a:prstGeom prst="bentConnector3">
+            <a:avLst/>
+          </a:prstGeom>
+          <a:ln>
+            <a:solidFill>
+              <a:schemeClr val="bg2"/>
             </a:solidFill>
             <a:tailEnd type="triangle"/>
           </a:ln>
@@ -8793,30 +8153,30 @@
       </p:cxnSp>
       <p:cxnSp>
         <p:nvCxnSpPr>
-          <p:cNvPr id="21" name="Connector: Elbow 20">
-            <a:extLst>
-              <a:ext uri="{FF2B5EF4-FFF2-40B4-BE49-F238E27FC236}">
-                <a16:creationId xmlns:a16="http://schemas.microsoft.com/office/drawing/2014/main" id="{E7D6985A-B028-AF35-60AB-42795D66402E}"/>
+          <p:cNvPr id="34" name="Connector: Elbow 33">
+            <a:extLst>
+              <a:ext uri="{FF2B5EF4-FFF2-40B4-BE49-F238E27FC236}">
+                <a16:creationId xmlns:a16="http://schemas.microsoft.com/office/drawing/2014/main" id="{34281E97-A1ED-BB14-7FF9-E6DADEB9E301}"/>
               </a:ext>
             </a:extLst>
           </p:cNvPr>
           <p:cNvCxnSpPr>
             <a:stCxn id="5" idx="2"/>
-            <a:endCxn id="9" idx="0"/>
+            <a:endCxn id="30" idx="0"/>
           </p:cNvCxnSpPr>
           <p:nvPr/>
         </p:nvCxnSpPr>
         <p:spPr>
-          <a:xfrm rot="5400000">
-            <a:off x="3727816" y="2439464"/>
-            <a:ext cx="1103747" cy="3082818"/>
+          <a:xfrm rot="16200000" flipH="1">
+            <a:off x="2072640" y="5148263"/>
+            <a:ext cx="714968" cy="968283"/>
           </a:xfrm>
           <a:prstGeom prst="bentConnector3">
             <a:avLst/>
           </a:prstGeom>
           <a:ln>
             <a:solidFill>
-              <a:schemeClr val="tx1"/>
+              <a:schemeClr val="bg2"/>
             </a:solidFill>
             <a:tailEnd type="triangle"/>
           </a:ln>
@@ -8836,147 +8196,70 @@
           </a:fontRef>
         </p:style>
       </p:cxnSp>
-      <p:cxnSp>
-        <p:nvCxnSpPr>
-          <p:cNvPr id="23" name="Connector: Elbow 22">
-            <a:extLst>
-              <a:ext uri="{FF2B5EF4-FFF2-40B4-BE49-F238E27FC236}">
-                <a16:creationId xmlns:a16="http://schemas.microsoft.com/office/drawing/2014/main" id="{13AFF3A5-E909-857C-8B02-E290B7340982}"/>
-              </a:ext>
-            </a:extLst>
-          </p:cNvPr>
-          <p:cNvCxnSpPr>
-            <a:stCxn id="5" idx="2"/>
-            <a:endCxn id="12" idx="0"/>
-          </p:cNvCxnSpPr>
+      <p:sp>
+        <p:nvSpPr>
+          <p:cNvPr id="35" name="Rectangle 34">
+            <a:extLst>
+              <a:ext uri="{FF2B5EF4-FFF2-40B4-BE49-F238E27FC236}">
+                <a16:creationId xmlns:a16="http://schemas.microsoft.com/office/drawing/2014/main" id="{5F97CC04-099A-DADC-5255-AF1AC7410DE3}"/>
+              </a:ext>
+            </a:extLst>
+          </p:cNvPr>
+          <p:cNvSpPr/>
           <p:nvPr/>
-        </p:nvCxnSpPr>
-        <p:spPr>
-          <a:xfrm rot="16200000" flipH="1">
-            <a:off x="6737848" y="2512250"/>
-            <a:ext cx="1103747" cy="2937246"/>
-          </a:xfrm>
-          <a:prstGeom prst="bentConnector3">
-            <a:avLst/>
-          </a:prstGeom>
+        </p:nvSpPr>
+        <p:spPr>
+          <a:xfrm>
+            <a:off x="3883886" y="2829844"/>
+            <a:ext cx="8156434" cy="3963378"/>
+          </a:xfrm>
+          <a:prstGeom prst="rect">
+            <a:avLst/>
+          </a:prstGeom>
+          <a:solidFill>
+            <a:schemeClr val="bg1">
+              <a:lumMod val="95000"/>
+            </a:schemeClr>
+          </a:solidFill>
           <a:ln>
             <a:solidFill>
-              <a:schemeClr val="tx1"/>
+              <a:schemeClr val="tx1">
+                <a:lumMod val="65000"/>
+                <a:lumOff val="35000"/>
+              </a:schemeClr>
             </a:solidFill>
-            <a:tailEnd type="triangle"/>
           </a:ln>
         </p:spPr>
         <p:style>
-          <a:lnRef idx="1">
-            <a:schemeClr val="accent1"/>
+          <a:lnRef idx="2">
+            <a:schemeClr val="accent1">
+              <a:shade val="15000"/>
+            </a:schemeClr>
           </a:lnRef>
-          <a:fillRef idx="0">
+          <a:fillRef idx="1">
             <a:schemeClr val="accent1"/>
           </a:fillRef>
           <a:effectRef idx="0">
             <a:schemeClr val="accent1"/>
           </a:effectRef>
           <a:fontRef idx="minor">
-            <a:schemeClr val="tx1"/>
+            <a:schemeClr val="lt1"/>
           </a:fontRef>
         </p:style>
-      </p:cxnSp>
-      <p:cxnSp>
-        <p:nvCxnSpPr>
-          <p:cNvPr id="25" name="Connector: Elbow 24">
-            <a:extLst>
-              <a:ext uri="{FF2B5EF4-FFF2-40B4-BE49-F238E27FC236}">
-                <a16:creationId xmlns:a16="http://schemas.microsoft.com/office/drawing/2014/main" id="{E41C371C-DD79-9407-4A95-7CA8E319078B}"/>
-              </a:ext>
-            </a:extLst>
-          </p:cNvPr>
-          <p:cNvCxnSpPr>
-            <a:stCxn id="5" idx="2"/>
-            <a:endCxn id="11" idx="0"/>
-          </p:cNvCxnSpPr>
-          <p:nvPr/>
-        </p:nvCxnSpPr>
-        <p:spPr>
-          <a:xfrm rot="16200000" flipH="1">
-            <a:off x="5688323" y="3561774"/>
-            <a:ext cx="1103747" cy="838197"/>
-          </a:xfrm>
-          <a:prstGeom prst="bentConnector3">
-            <a:avLst/>
-          </a:prstGeom>
-          <a:ln>
-            <a:solidFill>
-              <a:schemeClr val="tx1"/>
-            </a:solidFill>
-            <a:tailEnd type="triangle"/>
-          </a:ln>
-        </p:spPr>
-        <p:style>
-          <a:lnRef idx="1">
-            <a:schemeClr val="accent1"/>
-          </a:lnRef>
-          <a:fillRef idx="0">
-            <a:schemeClr val="accent1"/>
-          </a:fillRef>
-          <a:effectRef idx="0">
-            <a:schemeClr val="accent1"/>
-          </a:effectRef>
-          <a:fontRef idx="minor">
-            <a:schemeClr val="tx1"/>
-          </a:fontRef>
-        </p:style>
-      </p:cxnSp>
-      <p:cxnSp>
-        <p:nvCxnSpPr>
-          <p:cNvPr id="27" name="Connector: Elbow 26">
-            <a:extLst>
-              <a:ext uri="{FF2B5EF4-FFF2-40B4-BE49-F238E27FC236}">
-                <a16:creationId xmlns:a16="http://schemas.microsoft.com/office/drawing/2014/main" id="{7DE0D51F-D0D0-E660-DFDC-EEB48853FF15}"/>
-              </a:ext>
-            </a:extLst>
-          </p:cNvPr>
-          <p:cNvCxnSpPr>
-            <a:stCxn id="5" idx="2"/>
-            <a:endCxn id="10" idx="0"/>
-          </p:cNvCxnSpPr>
-          <p:nvPr/>
-        </p:nvCxnSpPr>
-        <p:spPr>
-          <a:xfrm rot="5400000">
-            <a:off x="4676602" y="3388248"/>
-            <a:ext cx="1103745" cy="1185248"/>
-          </a:xfrm>
-          <a:prstGeom prst="bentConnector3">
-            <a:avLst/>
-          </a:prstGeom>
-          <a:ln>
-            <a:solidFill>
-              <a:schemeClr val="tx1"/>
-            </a:solidFill>
-            <a:tailEnd type="triangle"/>
-          </a:ln>
-        </p:spPr>
-        <p:style>
-          <a:lnRef idx="1">
-            <a:schemeClr val="accent1"/>
-          </a:lnRef>
-          <a:fillRef idx="0">
-            <a:schemeClr val="accent1"/>
-          </a:fillRef>
-          <a:effectRef idx="0">
-            <a:schemeClr val="accent1"/>
-          </a:effectRef>
-          <a:fontRef idx="minor">
-            <a:schemeClr val="tx1"/>
-          </a:fontRef>
-        </p:style>
-      </p:cxnSp>
-      <p:sp>
-        <p:nvSpPr>
-          <p:cNvPr id="28" name="TextBox 27">
-            <a:extLst>
-              <a:ext uri="{FF2B5EF4-FFF2-40B4-BE49-F238E27FC236}">
-                <a16:creationId xmlns:a16="http://schemas.microsoft.com/office/drawing/2014/main" id="{146EE695-63C0-C123-7C16-CF274DEFBD21}"/>
+        <p:txBody>
+          <a:bodyPr rtlCol="0" anchor="ctr"/>
+          <a:lstStyle/>
+          <a:p>
+            <a:endParaRPr lang="en-IN" sz="1800" b="1" dirty="0"/>
+          </a:p>
+        </p:txBody>
+      </p:sp>
+      <p:sp>
+        <p:nvSpPr>
+          <p:cNvPr id="37" name="TextBox 36">
+            <a:extLst>
+              <a:ext uri="{FF2B5EF4-FFF2-40B4-BE49-F238E27FC236}">
+                <a16:creationId xmlns:a16="http://schemas.microsoft.com/office/drawing/2014/main" id="{D3F0C097-6ACA-52CE-1616-7ACF141BC1DF}"/>
               </a:ext>
             </a:extLst>
           </p:cNvPr>
@@ -8985,8 +8268,8 @@
         </p:nvSpPr>
         <p:spPr>
           <a:xfrm>
-            <a:off x="193964" y="840509"/>
-            <a:ext cx="5902035" cy="1169551"/>
+            <a:off x="3899480" y="2829843"/>
+            <a:ext cx="8384884" cy="3754874"/>
           </a:xfrm>
           <a:prstGeom prst="rect">
             <a:avLst/>
@@ -8994,22 +8277,28 @@
           <a:noFill/>
         </p:spPr>
         <p:txBody>
-          <a:bodyPr wrap="square" rtlCol="0">
+          <a:bodyPr wrap="square">
             <a:spAutoFit/>
           </a:bodyPr>
           <a:lstStyle/>
           <a:p>
             <a:r>
-              <a:rPr lang="en-IN" sz="1400" dirty="0"/>
-              <a:t>What are downstream tasks in  Machine Learning ?</a:t>
-            </a:r>
+              <a:rPr lang="en-IN" sz="1400" b="1" dirty="0"/>
+              <a:t>Gene Embeddings</a:t>
+            </a:r>
+          </a:p>
+          <a:p>
+            <a:endParaRPr lang="en-IN" sz="1400" b="1" dirty="0"/>
           </a:p>
           <a:p>
             <a:pPr marL="285750" indent="-285750">
               <a:buFont typeface="Wingdings" panose="05000000000000000000" pitchFamily="2" charset="2"/>
               <a:buChar char="§"/>
             </a:pPr>
-            <a:endParaRPr lang="en-IN" sz="1400" dirty="0"/>
+            <a:r>
+              <a:rPr lang="en-IN" sz="1400" dirty="0"/>
+              <a:t>Each single-cell transcriptome presented</a:t>
+            </a:r>
           </a:p>
           <a:p>
             <a:pPr marL="285750" indent="-285750">
@@ -9017,17 +8306,12 @@
               <a:buChar char="§"/>
             </a:pPr>
             <a:r>
-              <a:rPr lang="en-US" sz="1400" dirty="0">
-                <a:latin typeface="Google Sans"/>
-              </a:rPr>
-              <a:t>T</a:t>
-            </a:r>
-            <a:r>
-              <a:rPr lang="en-US" sz="1400" b="0" i="0" dirty="0">
-                <a:effectLst/>
-                <a:latin typeface="Google Sans"/>
-              </a:rPr>
-              <a:t>ransferring knowledge from a trained model to a specific task</a:t>
+              <a:rPr lang="en-US" sz="1400" dirty="0" err="1"/>
+              <a:t>Geneformer</a:t>
+            </a:r>
+            <a:r>
+              <a:rPr lang="en-US" sz="1400" dirty="0"/>
+              <a:t> embeds each gene into a 256-dimensional space that encodes the characteristics of the gene specific to the context of that cell.</a:t>
             </a:r>
           </a:p>
           <a:p>
@@ -9036,10 +8320,8 @@
               <a:buChar char="§"/>
             </a:pPr>
             <a:r>
-              <a:rPr lang="en-US" sz="1400" dirty="0">
-                <a:latin typeface="Google Sans"/>
-              </a:rPr>
-              <a:t>Retrain the model with task specific data</a:t>
+              <a:rPr lang="en-US" sz="1400" dirty="0"/>
+              <a:t>Gene embeddings last layer – more specific to the target objective</a:t>
             </a:r>
           </a:p>
           <a:p>
@@ -9048,64 +8330,89 @@
               <a:buChar char="§"/>
             </a:pPr>
             <a:r>
-              <a:rPr lang="en-US" sz="1400" dirty="0">
-                <a:latin typeface="Google Sans"/>
-              </a:rPr>
-              <a:t>Model will be able to give priority to only certain parameters </a:t>
-            </a:r>
+              <a:rPr lang="en-US" sz="1400" dirty="0"/>
+              <a:t>Gene embeddings second to last layer – generalizable representation (and considered for study).</a:t>
+            </a:r>
+          </a:p>
+          <a:p>
+            <a:endParaRPr lang="en-US" sz="1400" dirty="0"/>
+          </a:p>
+          <a:p>
+            <a:r>
+              <a:rPr lang="en-US" sz="1400" b="1" dirty="0"/>
+              <a:t>Cell Embeddings</a:t>
+            </a:r>
+          </a:p>
+          <a:p>
             <a:endParaRPr lang="en-IN" sz="1400" dirty="0"/>
           </a:p>
-        </p:txBody>
-      </p:sp>
-      <p:cxnSp>
-        <p:nvCxnSpPr>
-          <p:cNvPr id="2" name="Straight Connector 1">
-            <a:extLst>
-              <a:ext uri="{FF2B5EF4-FFF2-40B4-BE49-F238E27FC236}">
-                <a16:creationId xmlns:a16="http://schemas.microsoft.com/office/drawing/2014/main" id="{96F120FD-C69C-FE7E-EE77-C2DB8C41DA18}"/>
-              </a:ext>
-            </a:extLst>
-          </p:cNvPr>
-          <p:cNvCxnSpPr>
-            <a:cxnSpLocks/>
-          </p:cNvCxnSpPr>
-          <p:nvPr/>
-        </p:nvCxnSpPr>
-        <p:spPr>
-          <a:xfrm>
-            <a:off x="121659" y="450689"/>
-            <a:ext cx="11918660" cy="0"/>
-          </a:xfrm>
-          <a:prstGeom prst="line">
-            <a:avLst/>
-          </a:prstGeom>
-          <a:ln>
-            <a:solidFill>
-              <a:schemeClr val="bg2">
-                <a:lumMod val="50000"/>
-              </a:schemeClr>
-            </a:solidFill>
-          </a:ln>
-        </p:spPr>
-        <p:style>
-          <a:lnRef idx="1">
-            <a:schemeClr val="accent1"/>
-          </a:lnRef>
-          <a:fillRef idx="0">
-            <a:schemeClr val="accent1"/>
-          </a:fillRef>
-          <a:effectRef idx="0">
-            <a:schemeClr val="accent1"/>
-          </a:effectRef>
-          <a:fontRef idx="minor">
-            <a:schemeClr val="tx1"/>
-          </a:fontRef>
-        </p:style>
-      </p:cxnSp>
+          <a:p>
+            <a:pPr marL="285750" indent="-285750">
+              <a:buFont typeface="Wingdings" panose="05000000000000000000" pitchFamily="2" charset="2"/>
+              <a:buChar char="§"/>
+            </a:pPr>
+            <a:r>
+              <a:rPr lang="en-US" sz="1400" dirty="0"/>
+              <a:t>generated by averaging the embeddings of each gene detected in that cell</a:t>
+            </a:r>
+          </a:p>
+          <a:p>
+            <a:pPr marL="285750" indent="-285750">
+              <a:buFont typeface="Wingdings" panose="05000000000000000000" pitchFamily="2" charset="2"/>
+              <a:buChar char="§"/>
+            </a:pPr>
+            <a:r>
+              <a:rPr lang="en-US" sz="1400" dirty="0"/>
+              <a:t>Resulting in a 256-dimensional embedding.</a:t>
+            </a:r>
+          </a:p>
+          <a:p>
+            <a:pPr marL="285750" indent="-285750">
+              <a:buFont typeface="Wingdings" panose="05000000000000000000" pitchFamily="2" charset="2"/>
+              <a:buChar char="§"/>
+            </a:pPr>
+            <a:endParaRPr lang="en-US" sz="1400" dirty="0"/>
+          </a:p>
+          <a:p>
+            <a:r>
+              <a:rPr lang="en-US" sz="1400" b="1" dirty="0"/>
+              <a:t>Attention weights</a:t>
+            </a:r>
+          </a:p>
+          <a:p>
+            <a:pPr marL="285750" indent="-285750">
+              <a:buFont typeface="Wingdings" panose="05000000000000000000" pitchFamily="2" charset="2"/>
+              <a:buChar char="§"/>
+            </a:pPr>
+            <a:r>
+              <a:rPr lang="en-US" sz="1400" dirty="0"/>
+              <a:t>Each </a:t>
+            </a:r>
+            <a:r>
+              <a:rPr lang="en-US" sz="1400" dirty="0" err="1"/>
+              <a:t>GeneFormer</a:t>
+            </a:r>
+            <a:r>
+              <a:rPr lang="en-US" sz="1400" dirty="0"/>
+              <a:t> had 4 attention weights </a:t>
+            </a:r>
+          </a:p>
+          <a:p>
+            <a:pPr marL="285750" indent="-285750">
+              <a:buFont typeface="Wingdings" panose="05000000000000000000" pitchFamily="2" charset="2"/>
+              <a:buChar char="§"/>
+            </a:pPr>
+            <a:r>
+              <a:rPr lang="en-US" sz="1400" dirty="0"/>
+              <a:t>Unsupervised manner to pay attention to distinct classes of genes to jointly improve predictions without previous knowledge of the biological function of any gene.</a:t>
+            </a:r>
+          </a:p>
+        </p:txBody>
+      </p:sp>
     </p:spTree>
     <p:extLst>
       <p:ext uri="{BB962C8B-B14F-4D97-AF65-F5344CB8AC3E}">
-        <p14:creationId xmlns:p14="http://schemas.microsoft.com/office/powerpoint/2010/main" val="1740386949"/>
+        <p14:creationId xmlns:p14="http://schemas.microsoft.com/office/powerpoint/2010/main" val="3091622600"/>
       </p:ext>
     </p:extLst>
   </p:cSld>
@@ -9134,34 +8441,124 @@
       </p:grpSpPr>
       <p:sp>
         <p:nvSpPr>
-          <p:cNvPr id="5" name="TextBox 4">
-            <a:extLst>
-              <a:ext uri="{FF2B5EF4-FFF2-40B4-BE49-F238E27FC236}">
-                <a16:creationId xmlns:a16="http://schemas.microsoft.com/office/drawing/2014/main" id="{DC0500B1-BEA4-C6AF-CF8E-6F467626A7ED}"/>
-              </a:ext>
-            </a:extLst>
-          </p:cNvPr>
-          <p:cNvSpPr txBox="1"/>
+          <p:cNvPr id="5" name="Rectangle 4">
+            <a:extLst>
+              <a:ext uri="{FF2B5EF4-FFF2-40B4-BE49-F238E27FC236}">
+                <a16:creationId xmlns:a16="http://schemas.microsoft.com/office/drawing/2014/main" id="{17025D63-7DCB-3D66-6466-971B65E0E9B5}"/>
+              </a:ext>
+            </a:extLst>
+          </p:cNvPr>
+          <p:cNvSpPr/>
           <p:nvPr/>
         </p:nvSpPr>
         <p:spPr>
           <a:xfrm>
-            <a:off x="121659" y="131894"/>
-            <a:ext cx="3629700" cy="369332"/>
+            <a:off x="4902079" y="2459181"/>
+            <a:ext cx="1838037" cy="969819"/>
           </a:xfrm>
           <a:prstGeom prst="rect">
             <a:avLst/>
           </a:prstGeom>
-          <a:noFill/>
-        </p:spPr>
-        <p:txBody>
-          <a:bodyPr wrap="square">
-            <a:spAutoFit/>
-          </a:bodyPr>
-          <a:lstStyle/>
-          <a:p>
-            <a:r>
-              <a:rPr lang="en-IN" sz="1800" dirty="0">
+          <a:solidFill>
+            <a:srgbClr val="41B883"/>
+          </a:solidFill>
+          <a:ln>
+            <a:solidFill>
+              <a:schemeClr val="tx1"/>
+            </a:solidFill>
+          </a:ln>
+        </p:spPr>
+        <p:style>
+          <a:lnRef idx="2">
+            <a:schemeClr val="accent1">
+              <a:shade val="15000"/>
+            </a:schemeClr>
+          </a:lnRef>
+          <a:fillRef idx="1">
+            <a:schemeClr val="accent1"/>
+          </a:fillRef>
+          <a:effectRef idx="0">
+            <a:schemeClr val="accent1"/>
+          </a:effectRef>
+          <a:fontRef idx="minor">
+            <a:schemeClr val="lt1"/>
+          </a:fontRef>
+        </p:style>
+        <p:txBody>
+          <a:bodyPr rtlCol="0" anchor="ctr"/>
+          <a:lstStyle/>
+          <a:p>
+            <a:pPr algn="ctr"/>
+            <a:r>
+              <a:rPr lang="en-IN" b="1" dirty="0" err="1">
+                <a:solidFill>
+                  <a:schemeClr val="bg1"/>
+                </a:solidFill>
+              </a:rPr>
+              <a:t>GeneFormer</a:t>
+            </a:r>
+            <a:endParaRPr lang="en-IN" b="1" dirty="0">
+              <a:solidFill>
+                <a:schemeClr val="bg1"/>
+              </a:solidFill>
+            </a:endParaRPr>
+          </a:p>
+        </p:txBody>
+      </p:sp>
+      <p:sp>
+        <p:nvSpPr>
+          <p:cNvPr id="6" name="Rectangle 5">
+            <a:extLst>
+              <a:ext uri="{FF2B5EF4-FFF2-40B4-BE49-F238E27FC236}">
+                <a16:creationId xmlns:a16="http://schemas.microsoft.com/office/drawing/2014/main" id="{98D26A4E-EDD4-D485-8D9C-2E5746333C14}"/>
+              </a:ext>
+            </a:extLst>
+          </p:cNvPr>
+          <p:cNvSpPr/>
+          <p:nvPr/>
+        </p:nvSpPr>
+        <p:spPr>
+          <a:xfrm>
+            <a:off x="193964" y="4532750"/>
+            <a:ext cx="1424646" cy="969819"/>
+          </a:xfrm>
+          <a:prstGeom prst="rect">
+            <a:avLst/>
+          </a:prstGeom>
+          <a:solidFill>
+            <a:schemeClr val="bg1">
+              <a:lumMod val="95000"/>
+            </a:schemeClr>
+          </a:solidFill>
+          <a:ln>
+            <a:solidFill>
+              <a:schemeClr val="tx1"/>
+            </a:solidFill>
+          </a:ln>
+        </p:spPr>
+        <p:style>
+          <a:lnRef idx="2">
+            <a:schemeClr val="accent1">
+              <a:shade val="15000"/>
+            </a:schemeClr>
+          </a:lnRef>
+          <a:fillRef idx="1">
+            <a:schemeClr val="accent1"/>
+          </a:fillRef>
+          <a:effectRef idx="0">
+            <a:schemeClr val="accent1"/>
+          </a:effectRef>
+          <a:fontRef idx="minor">
+            <a:schemeClr val="lt1"/>
+          </a:fontRef>
+        </p:style>
+        <p:txBody>
+          <a:bodyPr rtlCol="0" anchor="ctr"/>
+          <a:lstStyle/>
+          <a:p>
+            <a:pPr algn="ctr"/>
+            <a:r>
+              <a:rPr lang="en-IN" sz="1400" dirty="0">
                 <a:solidFill>
                   <a:srgbClr val="484848"/>
                 </a:solidFill>
@@ -9171,12 +8568,759 @@
           </a:p>
         </p:txBody>
       </p:sp>
+      <p:sp>
+        <p:nvSpPr>
+          <p:cNvPr id="7" name="TextBox 6">
+            <a:extLst>
+              <a:ext uri="{FF2B5EF4-FFF2-40B4-BE49-F238E27FC236}">
+                <a16:creationId xmlns:a16="http://schemas.microsoft.com/office/drawing/2014/main" id="{BE27F5F5-A2CD-FE3C-EAB5-A46039570D51}"/>
+              </a:ext>
+            </a:extLst>
+          </p:cNvPr>
+          <p:cNvSpPr txBox="1"/>
+          <p:nvPr/>
+        </p:nvSpPr>
+        <p:spPr>
+          <a:xfrm>
+            <a:off x="186311" y="52472"/>
+            <a:ext cx="4974501" cy="369332"/>
+          </a:xfrm>
+          <a:prstGeom prst="rect">
+            <a:avLst/>
+          </a:prstGeom>
+          <a:noFill/>
+        </p:spPr>
+        <p:txBody>
+          <a:bodyPr wrap="square">
+            <a:spAutoFit/>
+          </a:bodyPr>
+          <a:lstStyle/>
+          <a:p>
+            <a:r>
+              <a:rPr lang="en-US" b="1" dirty="0" err="1">
+                <a:ea typeface="Verdana" panose="020B0604030504040204" pitchFamily="34" charset="0"/>
+                <a:cs typeface="Times New Roman" panose="02020603050405020304" pitchFamily="18" charset="0"/>
+              </a:rPr>
+              <a:t>GeneFormer</a:t>
+            </a:r>
+            <a:r>
+              <a:rPr lang="en-US" b="1" dirty="0">
+                <a:ea typeface="Verdana" panose="020B0604030504040204" pitchFamily="34" charset="0"/>
+                <a:cs typeface="Times New Roman" panose="02020603050405020304" pitchFamily="18" charset="0"/>
+              </a:rPr>
+              <a:t> </a:t>
+            </a:r>
+            <a:r>
+              <a:rPr lang="en-US" b="1" dirty="0" err="1">
+                <a:ea typeface="Verdana" panose="020B0604030504040204" pitchFamily="34" charset="0"/>
+                <a:cs typeface="Times New Roman" panose="02020603050405020304" pitchFamily="18" charset="0"/>
+              </a:rPr>
+              <a:t>DownStream</a:t>
+            </a:r>
+            <a:r>
+              <a:rPr lang="en-US" b="1" dirty="0">
+                <a:ea typeface="Verdana" panose="020B0604030504040204" pitchFamily="34" charset="0"/>
+                <a:cs typeface="Times New Roman" panose="02020603050405020304" pitchFamily="18" charset="0"/>
+              </a:rPr>
+              <a:t> Tasks</a:t>
+            </a:r>
+            <a:endParaRPr lang="en-IN" dirty="0"/>
+          </a:p>
+        </p:txBody>
+      </p:sp>
+      <p:sp>
+        <p:nvSpPr>
+          <p:cNvPr id="9" name="Rectangle 8">
+            <a:extLst>
+              <a:ext uri="{FF2B5EF4-FFF2-40B4-BE49-F238E27FC236}">
+                <a16:creationId xmlns:a16="http://schemas.microsoft.com/office/drawing/2014/main" id="{2B8D883B-CA3F-A06A-891F-7E38BC35FC4D}"/>
+              </a:ext>
+            </a:extLst>
+          </p:cNvPr>
+          <p:cNvSpPr/>
+          <p:nvPr/>
+        </p:nvSpPr>
+        <p:spPr>
+          <a:xfrm>
+            <a:off x="2025956" y="4532747"/>
+            <a:ext cx="1424647" cy="969819"/>
+          </a:xfrm>
+          <a:prstGeom prst="rect">
+            <a:avLst/>
+          </a:prstGeom>
+          <a:solidFill>
+            <a:schemeClr val="bg1">
+              <a:lumMod val="95000"/>
+            </a:schemeClr>
+          </a:solidFill>
+          <a:ln>
+            <a:solidFill>
+              <a:schemeClr val="tx1"/>
+            </a:solidFill>
+          </a:ln>
+        </p:spPr>
+        <p:style>
+          <a:lnRef idx="2">
+            <a:schemeClr val="accent1">
+              <a:shade val="15000"/>
+            </a:schemeClr>
+          </a:lnRef>
+          <a:fillRef idx="1">
+            <a:schemeClr val="accent1"/>
+          </a:fillRef>
+          <a:effectRef idx="0">
+            <a:schemeClr val="accent1"/>
+          </a:effectRef>
+          <a:fontRef idx="minor">
+            <a:schemeClr val="lt1"/>
+          </a:fontRef>
+        </p:style>
+        <p:txBody>
+          <a:bodyPr rtlCol="0" anchor="ctr"/>
+          <a:lstStyle/>
+          <a:p>
+            <a:pPr algn="ctr"/>
+            <a:r>
+              <a:rPr lang="en-IN" sz="1400" dirty="0">
+                <a:solidFill>
+                  <a:srgbClr val="484848"/>
+                </a:solidFill>
+              </a:rPr>
+              <a:t>Chromatin dynamics prediction</a:t>
+            </a:r>
+          </a:p>
+        </p:txBody>
+      </p:sp>
+      <p:sp>
+        <p:nvSpPr>
+          <p:cNvPr id="10" name="Rectangle 9">
+            <a:extLst>
+              <a:ext uri="{FF2B5EF4-FFF2-40B4-BE49-F238E27FC236}">
+                <a16:creationId xmlns:a16="http://schemas.microsoft.com/office/drawing/2014/main" id="{9A928388-E8BA-B673-5F01-E56CBE31F0DF}"/>
+              </a:ext>
+            </a:extLst>
+          </p:cNvPr>
+          <p:cNvSpPr/>
+          <p:nvPr/>
+        </p:nvSpPr>
+        <p:spPr>
+          <a:xfrm>
+            <a:off x="3923527" y="4532745"/>
+            <a:ext cx="1424646" cy="969819"/>
+          </a:xfrm>
+          <a:prstGeom prst="rect">
+            <a:avLst/>
+          </a:prstGeom>
+          <a:solidFill>
+            <a:schemeClr val="bg1">
+              <a:lumMod val="95000"/>
+            </a:schemeClr>
+          </a:solidFill>
+          <a:ln>
+            <a:solidFill>
+              <a:schemeClr val="tx1"/>
+            </a:solidFill>
+          </a:ln>
+        </p:spPr>
+        <p:style>
+          <a:lnRef idx="2">
+            <a:schemeClr val="accent1">
+              <a:shade val="15000"/>
+            </a:schemeClr>
+          </a:lnRef>
+          <a:fillRef idx="1">
+            <a:schemeClr val="accent1"/>
+          </a:fillRef>
+          <a:effectRef idx="0">
+            <a:schemeClr val="accent1"/>
+          </a:effectRef>
+          <a:fontRef idx="minor">
+            <a:schemeClr val="lt1"/>
+          </a:fontRef>
+        </p:style>
+        <p:txBody>
+          <a:bodyPr rtlCol="0" anchor="ctr"/>
+          <a:lstStyle/>
+          <a:p>
+            <a:pPr algn="ctr"/>
+            <a:r>
+              <a:rPr lang="en-IN" sz="1400" dirty="0">
+                <a:solidFill>
+                  <a:srgbClr val="484848"/>
+                </a:solidFill>
+              </a:rPr>
+              <a:t>Network dynamics prediction</a:t>
+            </a:r>
+          </a:p>
+        </p:txBody>
+      </p:sp>
+      <p:sp>
+        <p:nvSpPr>
+          <p:cNvPr id="11" name="Rectangle 10">
+            <a:extLst>
+              <a:ext uri="{FF2B5EF4-FFF2-40B4-BE49-F238E27FC236}">
+                <a16:creationId xmlns:a16="http://schemas.microsoft.com/office/drawing/2014/main" id="{7C093444-5E85-590C-B64D-BD42C259EB8C}"/>
+              </a:ext>
+            </a:extLst>
+          </p:cNvPr>
+          <p:cNvSpPr/>
+          <p:nvPr/>
+        </p:nvSpPr>
+        <p:spPr>
+          <a:xfrm>
+            <a:off x="5946972" y="4532747"/>
+            <a:ext cx="1424646" cy="969819"/>
+          </a:xfrm>
+          <a:prstGeom prst="rect">
+            <a:avLst/>
+          </a:prstGeom>
+          <a:solidFill>
+            <a:schemeClr val="bg1">
+              <a:lumMod val="95000"/>
+            </a:schemeClr>
+          </a:solidFill>
+          <a:ln>
+            <a:solidFill>
+              <a:schemeClr val="tx1"/>
+            </a:solidFill>
+          </a:ln>
+        </p:spPr>
+        <p:style>
+          <a:lnRef idx="2">
+            <a:schemeClr val="accent1">
+              <a:shade val="15000"/>
+            </a:schemeClr>
+          </a:lnRef>
+          <a:fillRef idx="1">
+            <a:schemeClr val="accent1"/>
+          </a:fillRef>
+          <a:effectRef idx="0">
+            <a:schemeClr val="accent1"/>
+          </a:effectRef>
+          <a:fontRef idx="minor">
+            <a:schemeClr val="lt1"/>
+          </a:fontRef>
+        </p:style>
+        <p:txBody>
+          <a:bodyPr rtlCol="0" anchor="ctr"/>
+          <a:lstStyle/>
+          <a:p>
+            <a:pPr algn="ctr"/>
+            <a:r>
+              <a:rPr lang="en-IN" sz="1400" dirty="0">
+                <a:solidFill>
+                  <a:srgbClr val="484848"/>
+                </a:solidFill>
+              </a:rPr>
+              <a:t>Pretraining Encoded Network Hierarchy</a:t>
+            </a:r>
+          </a:p>
+        </p:txBody>
+      </p:sp>
+      <p:sp>
+        <p:nvSpPr>
+          <p:cNvPr id="12" name="Rectangle 11">
+            <a:extLst>
+              <a:ext uri="{FF2B5EF4-FFF2-40B4-BE49-F238E27FC236}">
+                <a16:creationId xmlns:a16="http://schemas.microsoft.com/office/drawing/2014/main" id="{14FB91FF-3FE1-A478-7DD4-211A822FC470}"/>
+              </a:ext>
+            </a:extLst>
+          </p:cNvPr>
+          <p:cNvSpPr/>
+          <p:nvPr/>
+        </p:nvSpPr>
+        <p:spPr>
+          <a:xfrm>
+            <a:off x="8046021" y="4532747"/>
+            <a:ext cx="1424646" cy="969819"/>
+          </a:xfrm>
+          <a:prstGeom prst="rect">
+            <a:avLst/>
+          </a:prstGeom>
+          <a:solidFill>
+            <a:schemeClr val="bg1">
+              <a:lumMod val="95000"/>
+            </a:schemeClr>
+          </a:solidFill>
+          <a:ln>
+            <a:solidFill>
+              <a:schemeClr val="tx1"/>
+            </a:solidFill>
+          </a:ln>
+        </p:spPr>
+        <p:style>
+          <a:lnRef idx="2">
+            <a:schemeClr val="accent1">
+              <a:shade val="15000"/>
+            </a:schemeClr>
+          </a:lnRef>
+          <a:fillRef idx="1">
+            <a:schemeClr val="accent1"/>
+          </a:fillRef>
+          <a:effectRef idx="0">
+            <a:schemeClr val="accent1"/>
+          </a:effectRef>
+          <a:fontRef idx="minor">
+            <a:schemeClr val="lt1"/>
+          </a:fontRef>
+        </p:style>
+        <p:txBody>
+          <a:bodyPr rtlCol="0" anchor="ctr"/>
+          <a:lstStyle/>
+          <a:p>
+            <a:pPr algn="ctr"/>
+            <a:r>
+              <a:rPr lang="en-IN" sz="1400" dirty="0" err="1">
+                <a:solidFill>
+                  <a:srgbClr val="484848"/>
+                </a:solidFill>
+              </a:rPr>
+              <a:t>Insilico</a:t>
+            </a:r>
+            <a:r>
+              <a:rPr lang="en-IN" sz="1400" dirty="0">
+                <a:solidFill>
+                  <a:srgbClr val="484848"/>
+                </a:solidFill>
+              </a:rPr>
+              <a:t> Gene Network Analysis</a:t>
+            </a:r>
+          </a:p>
+        </p:txBody>
+      </p:sp>
+      <p:sp>
+        <p:nvSpPr>
+          <p:cNvPr id="13" name="Rectangle 12">
+            <a:extLst>
+              <a:ext uri="{FF2B5EF4-FFF2-40B4-BE49-F238E27FC236}">
+                <a16:creationId xmlns:a16="http://schemas.microsoft.com/office/drawing/2014/main" id="{C0AE391A-F257-8344-5A5A-9CE4BA7733E4}"/>
+              </a:ext>
+            </a:extLst>
+          </p:cNvPr>
+          <p:cNvSpPr/>
+          <p:nvPr/>
+        </p:nvSpPr>
+        <p:spPr>
+          <a:xfrm>
+            <a:off x="10062651" y="4532748"/>
+            <a:ext cx="1424647" cy="969819"/>
+          </a:xfrm>
+          <a:prstGeom prst="rect">
+            <a:avLst/>
+          </a:prstGeom>
+          <a:solidFill>
+            <a:schemeClr val="bg1">
+              <a:lumMod val="95000"/>
+            </a:schemeClr>
+          </a:solidFill>
+          <a:ln>
+            <a:solidFill>
+              <a:schemeClr val="tx1"/>
+            </a:solidFill>
+          </a:ln>
+        </p:spPr>
+        <p:style>
+          <a:lnRef idx="2">
+            <a:schemeClr val="accent1">
+              <a:shade val="15000"/>
+            </a:schemeClr>
+          </a:lnRef>
+          <a:fillRef idx="1">
+            <a:schemeClr val="accent1"/>
+          </a:fillRef>
+          <a:effectRef idx="0">
+            <a:schemeClr val="accent1"/>
+          </a:effectRef>
+          <a:fontRef idx="minor">
+            <a:schemeClr val="lt1"/>
+          </a:fontRef>
+        </p:style>
+        <p:txBody>
+          <a:bodyPr rtlCol="0" anchor="ctr"/>
+          <a:lstStyle/>
+          <a:p>
+            <a:pPr algn="ctr"/>
+            <a:r>
+              <a:rPr lang="en-IN" sz="1400" dirty="0" err="1">
+                <a:solidFill>
+                  <a:srgbClr val="484848"/>
+                </a:solidFill>
+              </a:rPr>
+              <a:t>Insilico</a:t>
+            </a:r>
+            <a:r>
+              <a:rPr lang="en-IN" sz="1400" dirty="0">
+                <a:solidFill>
+                  <a:srgbClr val="484848"/>
+                </a:solidFill>
+              </a:rPr>
+              <a:t> Treatment Analysis</a:t>
+            </a:r>
+          </a:p>
+        </p:txBody>
+      </p:sp>
       <p:cxnSp>
         <p:nvCxnSpPr>
-          <p:cNvPr id="6" name="Straight Connector 5">
-            <a:extLst>
-              <a:ext uri="{FF2B5EF4-FFF2-40B4-BE49-F238E27FC236}">
-                <a16:creationId xmlns:a16="http://schemas.microsoft.com/office/drawing/2014/main" id="{C8CF4ABE-2DF2-C509-84D2-F3E4821506EB}"/>
+          <p:cNvPr id="17" name="Connector: Elbow 16">
+            <a:extLst>
+              <a:ext uri="{FF2B5EF4-FFF2-40B4-BE49-F238E27FC236}">
+                <a16:creationId xmlns:a16="http://schemas.microsoft.com/office/drawing/2014/main" id="{0D53D7E8-EDF2-BB9F-884A-04310B4FD752}"/>
+              </a:ext>
+            </a:extLst>
+          </p:cNvPr>
+          <p:cNvCxnSpPr>
+            <a:stCxn id="5" idx="2"/>
+            <a:endCxn id="6" idx="0"/>
+          </p:cNvCxnSpPr>
+          <p:nvPr/>
+        </p:nvCxnSpPr>
+        <p:spPr>
+          <a:xfrm rot="5400000">
+            <a:off x="2811818" y="1523470"/>
+            <a:ext cx="1103750" cy="4914811"/>
+          </a:xfrm>
+          <a:prstGeom prst="bentConnector3">
+            <a:avLst/>
+          </a:prstGeom>
+          <a:ln>
+            <a:solidFill>
+              <a:schemeClr val="tx1"/>
+            </a:solidFill>
+            <a:tailEnd type="triangle"/>
+          </a:ln>
+        </p:spPr>
+        <p:style>
+          <a:lnRef idx="1">
+            <a:schemeClr val="accent1"/>
+          </a:lnRef>
+          <a:fillRef idx="0">
+            <a:schemeClr val="accent1"/>
+          </a:fillRef>
+          <a:effectRef idx="0">
+            <a:schemeClr val="accent1"/>
+          </a:effectRef>
+          <a:fontRef idx="minor">
+            <a:schemeClr val="tx1"/>
+          </a:fontRef>
+        </p:style>
+      </p:cxnSp>
+      <p:cxnSp>
+        <p:nvCxnSpPr>
+          <p:cNvPr id="19" name="Connector: Elbow 18">
+            <a:extLst>
+              <a:ext uri="{FF2B5EF4-FFF2-40B4-BE49-F238E27FC236}">
+                <a16:creationId xmlns:a16="http://schemas.microsoft.com/office/drawing/2014/main" id="{EB9F1DCA-6647-A3BF-7B62-94EC7B342EC3}"/>
+              </a:ext>
+            </a:extLst>
+          </p:cNvPr>
+          <p:cNvCxnSpPr>
+            <a:stCxn id="5" idx="2"/>
+            <a:endCxn id="13" idx="0"/>
+          </p:cNvCxnSpPr>
+          <p:nvPr/>
+        </p:nvCxnSpPr>
+        <p:spPr>
+          <a:xfrm rot="16200000" flipH="1">
+            <a:off x="7746162" y="1503935"/>
+            <a:ext cx="1103748" cy="4953877"/>
+          </a:xfrm>
+          <a:prstGeom prst="bentConnector3">
+            <a:avLst/>
+          </a:prstGeom>
+          <a:ln>
+            <a:solidFill>
+              <a:schemeClr val="tx1"/>
+            </a:solidFill>
+            <a:tailEnd type="triangle"/>
+          </a:ln>
+        </p:spPr>
+        <p:style>
+          <a:lnRef idx="1">
+            <a:schemeClr val="accent1"/>
+          </a:lnRef>
+          <a:fillRef idx="0">
+            <a:schemeClr val="accent1"/>
+          </a:fillRef>
+          <a:effectRef idx="0">
+            <a:schemeClr val="accent1"/>
+          </a:effectRef>
+          <a:fontRef idx="minor">
+            <a:schemeClr val="tx1"/>
+          </a:fontRef>
+        </p:style>
+      </p:cxnSp>
+      <p:cxnSp>
+        <p:nvCxnSpPr>
+          <p:cNvPr id="21" name="Connector: Elbow 20">
+            <a:extLst>
+              <a:ext uri="{FF2B5EF4-FFF2-40B4-BE49-F238E27FC236}">
+                <a16:creationId xmlns:a16="http://schemas.microsoft.com/office/drawing/2014/main" id="{E7D6985A-B028-AF35-60AB-42795D66402E}"/>
+              </a:ext>
+            </a:extLst>
+          </p:cNvPr>
+          <p:cNvCxnSpPr>
+            <a:stCxn id="5" idx="2"/>
+            <a:endCxn id="9" idx="0"/>
+          </p:cNvCxnSpPr>
+          <p:nvPr/>
+        </p:nvCxnSpPr>
+        <p:spPr>
+          <a:xfrm rot="5400000">
+            <a:off x="3727816" y="2439464"/>
+            <a:ext cx="1103747" cy="3082818"/>
+          </a:xfrm>
+          <a:prstGeom prst="bentConnector3">
+            <a:avLst/>
+          </a:prstGeom>
+          <a:ln>
+            <a:solidFill>
+              <a:schemeClr val="tx1"/>
+            </a:solidFill>
+            <a:tailEnd type="triangle"/>
+          </a:ln>
+        </p:spPr>
+        <p:style>
+          <a:lnRef idx="1">
+            <a:schemeClr val="accent1"/>
+          </a:lnRef>
+          <a:fillRef idx="0">
+            <a:schemeClr val="accent1"/>
+          </a:fillRef>
+          <a:effectRef idx="0">
+            <a:schemeClr val="accent1"/>
+          </a:effectRef>
+          <a:fontRef idx="minor">
+            <a:schemeClr val="tx1"/>
+          </a:fontRef>
+        </p:style>
+      </p:cxnSp>
+      <p:cxnSp>
+        <p:nvCxnSpPr>
+          <p:cNvPr id="23" name="Connector: Elbow 22">
+            <a:extLst>
+              <a:ext uri="{FF2B5EF4-FFF2-40B4-BE49-F238E27FC236}">
+                <a16:creationId xmlns:a16="http://schemas.microsoft.com/office/drawing/2014/main" id="{13AFF3A5-E909-857C-8B02-E290B7340982}"/>
+              </a:ext>
+            </a:extLst>
+          </p:cNvPr>
+          <p:cNvCxnSpPr>
+            <a:stCxn id="5" idx="2"/>
+            <a:endCxn id="12" idx="0"/>
+          </p:cNvCxnSpPr>
+          <p:nvPr/>
+        </p:nvCxnSpPr>
+        <p:spPr>
+          <a:xfrm rot="16200000" flipH="1">
+            <a:off x="6737848" y="2512250"/>
+            <a:ext cx="1103747" cy="2937246"/>
+          </a:xfrm>
+          <a:prstGeom prst="bentConnector3">
+            <a:avLst/>
+          </a:prstGeom>
+          <a:ln>
+            <a:solidFill>
+              <a:schemeClr val="tx1"/>
+            </a:solidFill>
+            <a:tailEnd type="triangle"/>
+          </a:ln>
+        </p:spPr>
+        <p:style>
+          <a:lnRef idx="1">
+            <a:schemeClr val="accent1"/>
+          </a:lnRef>
+          <a:fillRef idx="0">
+            <a:schemeClr val="accent1"/>
+          </a:fillRef>
+          <a:effectRef idx="0">
+            <a:schemeClr val="accent1"/>
+          </a:effectRef>
+          <a:fontRef idx="minor">
+            <a:schemeClr val="tx1"/>
+          </a:fontRef>
+        </p:style>
+      </p:cxnSp>
+      <p:cxnSp>
+        <p:nvCxnSpPr>
+          <p:cNvPr id="25" name="Connector: Elbow 24">
+            <a:extLst>
+              <a:ext uri="{FF2B5EF4-FFF2-40B4-BE49-F238E27FC236}">
+                <a16:creationId xmlns:a16="http://schemas.microsoft.com/office/drawing/2014/main" id="{E41C371C-DD79-9407-4A95-7CA8E319078B}"/>
+              </a:ext>
+            </a:extLst>
+          </p:cNvPr>
+          <p:cNvCxnSpPr>
+            <a:stCxn id="5" idx="2"/>
+            <a:endCxn id="11" idx="0"/>
+          </p:cNvCxnSpPr>
+          <p:nvPr/>
+        </p:nvCxnSpPr>
+        <p:spPr>
+          <a:xfrm rot="16200000" flipH="1">
+            <a:off x="5688323" y="3561774"/>
+            <a:ext cx="1103747" cy="838197"/>
+          </a:xfrm>
+          <a:prstGeom prst="bentConnector3">
+            <a:avLst/>
+          </a:prstGeom>
+          <a:ln>
+            <a:solidFill>
+              <a:schemeClr val="tx1"/>
+            </a:solidFill>
+            <a:tailEnd type="triangle"/>
+          </a:ln>
+        </p:spPr>
+        <p:style>
+          <a:lnRef idx="1">
+            <a:schemeClr val="accent1"/>
+          </a:lnRef>
+          <a:fillRef idx="0">
+            <a:schemeClr val="accent1"/>
+          </a:fillRef>
+          <a:effectRef idx="0">
+            <a:schemeClr val="accent1"/>
+          </a:effectRef>
+          <a:fontRef idx="minor">
+            <a:schemeClr val="tx1"/>
+          </a:fontRef>
+        </p:style>
+      </p:cxnSp>
+      <p:cxnSp>
+        <p:nvCxnSpPr>
+          <p:cNvPr id="27" name="Connector: Elbow 26">
+            <a:extLst>
+              <a:ext uri="{FF2B5EF4-FFF2-40B4-BE49-F238E27FC236}">
+                <a16:creationId xmlns:a16="http://schemas.microsoft.com/office/drawing/2014/main" id="{7DE0D51F-D0D0-E660-DFDC-EEB48853FF15}"/>
+              </a:ext>
+            </a:extLst>
+          </p:cNvPr>
+          <p:cNvCxnSpPr>
+            <a:stCxn id="5" idx="2"/>
+            <a:endCxn id="10" idx="0"/>
+          </p:cNvCxnSpPr>
+          <p:nvPr/>
+        </p:nvCxnSpPr>
+        <p:spPr>
+          <a:xfrm rot="5400000">
+            <a:off x="4676602" y="3388248"/>
+            <a:ext cx="1103745" cy="1185248"/>
+          </a:xfrm>
+          <a:prstGeom prst="bentConnector3">
+            <a:avLst/>
+          </a:prstGeom>
+          <a:ln>
+            <a:solidFill>
+              <a:schemeClr val="tx1"/>
+            </a:solidFill>
+            <a:tailEnd type="triangle"/>
+          </a:ln>
+        </p:spPr>
+        <p:style>
+          <a:lnRef idx="1">
+            <a:schemeClr val="accent1"/>
+          </a:lnRef>
+          <a:fillRef idx="0">
+            <a:schemeClr val="accent1"/>
+          </a:fillRef>
+          <a:effectRef idx="0">
+            <a:schemeClr val="accent1"/>
+          </a:effectRef>
+          <a:fontRef idx="minor">
+            <a:schemeClr val="tx1"/>
+          </a:fontRef>
+        </p:style>
+      </p:cxnSp>
+      <p:sp>
+        <p:nvSpPr>
+          <p:cNvPr id="28" name="TextBox 27">
+            <a:extLst>
+              <a:ext uri="{FF2B5EF4-FFF2-40B4-BE49-F238E27FC236}">
+                <a16:creationId xmlns:a16="http://schemas.microsoft.com/office/drawing/2014/main" id="{146EE695-63C0-C123-7C16-CF274DEFBD21}"/>
+              </a:ext>
+            </a:extLst>
+          </p:cNvPr>
+          <p:cNvSpPr txBox="1"/>
+          <p:nvPr/>
+        </p:nvSpPr>
+        <p:spPr>
+          <a:xfrm>
+            <a:off x="193964" y="840509"/>
+            <a:ext cx="5902035" cy="1169551"/>
+          </a:xfrm>
+          <a:prstGeom prst="rect">
+            <a:avLst/>
+          </a:prstGeom>
+          <a:noFill/>
+        </p:spPr>
+        <p:txBody>
+          <a:bodyPr wrap="square" rtlCol="0">
+            <a:spAutoFit/>
+          </a:bodyPr>
+          <a:lstStyle/>
+          <a:p>
+            <a:r>
+              <a:rPr lang="en-IN" sz="1400" dirty="0"/>
+              <a:t>What are downstream tasks in  Machine Learning ?</a:t>
+            </a:r>
+          </a:p>
+          <a:p>
+            <a:pPr marL="285750" indent="-285750">
+              <a:buFont typeface="Wingdings" panose="05000000000000000000" pitchFamily="2" charset="2"/>
+              <a:buChar char="§"/>
+            </a:pPr>
+            <a:endParaRPr lang="en-IN" sz="1400" dirty="0"/>
+          </a:p>
+          <a:p>
+            <a:pPr marL="285750" indent="-285750">
+              <a:buFont typeface="Wingdings" panose="05000000000000000000" pitchFamily="2" charset="2"/>
+              <a:buChar char="§"/>
+            </a:pPr>
+            <a:r>
+              <a:rPr lang="en-US" sz="1400" dirty="0">
+                <a:latin typeface="Google Sans"/>
+              </a:rPr>
+              <a:t>T</a:t>
+            </a:r>
+            <a:r>
+              <a:rPr lang="en-US" sz="1400" b="0" i="0" dirty="0">
+                <a:effectLst/>
+                <a:latin typeface="Google Sans"/>
+              </a:rPr>
+              <a:t>ransferring knowledge from a trained model to a specific task</a:t>
+            </a:r>
+          </a:p>
+          <a:p>
+            <a:pPr marL="285750" indent="-285750">
+              <a:buFont typeface="Wingdings" panose="05000000000000000000" pitchFamily="2" charset="2"/>
+              <a:buChar char="§"/>
+            </a:pPr>
+            <a:r>
+              <a:rPr lang="en-US" sz="1400" dirty="0">
+                <a:latin typeface="Google Sans"/>
+              </a:rPr>
+              <a:t>Retrain the model with task specific data</a:t>
+            </a:r>
+          </a:p>
+          <a:p>
+            <a:pPr marL="285750" indent="-285750">
+              <a:buFont typeface="Wingdings" panose="05000000000000000000" pitchFamily="2" charset="2"/>
+              <a:buChar char="§"/>
+            </a:pPr>
+            <a:r>
+              <a:rPr lang="en-US" sz="1400" dirty="0">
+                <a:latin typeface="Google Sans"/>
+              </a:rPr>
+              <a:t>Model will be able to give priority to only certain parameters </a:t>
+            </a:r>
+            <a:endParaRPr lang="en-IN" sz="1400" dirty="0"/>
+          </a:p>
+        </p:txBody>
+      </p:sp>
+      <p:cxnSp>
+        <p:nvCxnSpPr>
+          <p:cNvPr id="2" name="Straight Connector 1">
+            <a:extLst>
+              <a:ext uri="{FF2B5EF4-FFF2-40B4-BE49-F238E27FC236}">
+                <a16:creationId xmlns:a16="http://schemas.microsoft.com/office/drawing/2014/main" id="{96F120FD-C69C-FE7E-EE77-C2DB8C41DA18}"/>
               </a:ext>
             </a:extLst>
           </p:cNvPr>
@@ -9187,7 +9331,7 @@
         </p:nvCxnSpPr>
         <p:spPr>
           <a:xfrm>
-            <a:off x="121659" y="570759"/>
+            <a:off x="121659" y="450689"/>
             <a:ext cx="11918660" cy="0"/>
           </a:xfrm>
           <a:prstGeom prst="line">
@@ -9219,7 +9363,7 @@
     </p:spTree>
     <p:extLst>
       <p:ext uri="{BB962C8B-B14F-4D97-AF65-F5344CB8AC3E}">
-        <p14:creationId xmlns:p14="http://schemas.microsoft.com/office/powerpoint/2010/main" val="3485977937"/>
+        <p14:creationId xmlns:p14="http://schemas.microsoft.com/office/powerpoint/2010/main" val="1740386949"/>
       </p:ext>
     </p:extLst>
   </p:cSld>
@@ -9251,7 +9395,7 @@
           <p:cNvPr id="5" name="TextBox 4">
             <a:extLst>
               <a:ext uri="{FF2B5EF4-FFF2-40B4-BE49-F238E27FC236}">
-                <a16:creationId xmlns:a16="http://schemas.microsoft.com/office/drawing/2014/main" id="{F1796345-BAE8-DCA6-0844-063F4760848C}"/>
+                <a16:creationId xmlns:a16="http://schemas.microsoft.com/office/drawing/2014/main" id="{DC0500B1-BEA4-C6AF-CF8E-6F467626A7ED}"/>
               </a:ext>
             </a:extLst>
           </p:cNvPr>
@@ -9260,8 +9404,8 @@
         </p:nvSpPr>
         <p:spPr>
           <a:xfrm>
-            <a:off x="131972" y="131976"/>
-            <a:ext cx="3946402" cy="369332"/>
+            <a:off x="121659" y="131894"/>
+            <a:ext cx="3629700" cy="369332"/>
           </a:xfrm>
           <a:prstGeom prst="rect">
             <a:avLst/>
@@ -9280,7 +9424,7 @@
                   <a:srgbClr val="484848"/>
                 </a:solidFill>
               </a:rPr>
-              <a:t>Chromatin dynamics prediction</a:t>
+              <a:t>Gene Dosage sensitivity prediction</a:t>
             </a:r>
           </a:p>
         </p:txBody>
@@ -9290,7 +9434,7 @@
           <p:cNvPr id="6" name="Straight Connector 5">
             <a:extLst>
               <a:ext uri="{FF2B5EF4-FFF2-40B4-BE49-F238E27FC236}">
-                <a16:creationId xmlns:a16="http://schemas.microsoft.com/office/drawing/2014/main" id="{41451F0B-FA92-11A0-01D8-54E278820C81}"/>
+                <a16:creationId xmlns:a16="http://schemas.microsoft.com/office/drawing/2014/main" id="{C8CF4ABE-2DF2-C509-84D2-F3E4821506EB}"/>
               </a:ext>
             </a:extLst>
           </p:cNvPr>
@@ -9333,7 +9477,7 @@
     </p:spTree>
     <p:extLst>
       <p:ext uri="{BB962C8B-B14F-4D97-AF65-F5344CB8AC3E}">
-        <p14:creationId xmlns:p14="http://schemas.microsoft.com/office/powerpoint/2010/main" val="644701289"/>
+        <p14:creationId xmlns:p14="http://schemas.microsoft.com/office/powerpoint/2010/main" val="3485977937"/>
       </p:ext>
     </p:extLst>
   </p:cSld>
